--- a/Results/Figures/figure_04.pptx
+++ b/Results/Figures/figure_04.pptx
@@ -123,16 +123,64 @@
 </p:presentation>
 </file>
 
-<file path=ppt/revisionInfo.xml><?xml version="1.0" encoding="utf-8"?>
-<p1510:revInfo xmlns:a="http://schemas.openxmlformats.org/drawingml/2006/main" xmlns:r="http://schemas.openxmlformats.org/officeDocument/2006/relationships" xmlns:p1510="http://schemas.microsoft.com/office/powerpoint/2015/10/main">
-  <p1510:revLst>
-    <p1510:client id="{545DF808-1DAB-4F9B-95AF-7EC5D35BFD0B}" v="18" dt="2024-11-20T21:26:39.620"/>
-  </p1510:revLst>
-</p1510:revInfo>
-</file>
-
 <file path=ppt/changesInfos/changesInfo1.xml><?xml version="1.0" encoding="utf-8"?>
 <pc:chgInfo xmlns:a="http://schemas.openxmlformats.org/drawingml/2006/main" xmlns:r="http://schemas.openxmlformats.org/officeDocument/2006/relationships" xmlns:ac="http://schemas.microsoft.com/office/drawing/2013/main/command" xmlns:pc="http://schemas.microsoft.com/office/powerpoint/2013/main/command">
+  <pc:docChgLst>
+    <pc:chgData name="Gilbert, Neil" userId="37be9f5c-8f28-415b-96d6-624acf93bb3f" providerId="ADAL" clId="{58ECA877-5A44-417D-9F70-19BA7C32A50C}"/>
+    <pc:docChg chg="undo custSel modSld">
+      <pc:chgData name="Gilbert, Neil" userId="37be9f5c-8f28-415b-96d6-624acf93bb3f" providerId="ADAL" clId="{58ECA877-5A44-417D-9F70-19BA7C32A50C}" dt="2024-12-09T18:08:21.259" v="17" actId="2711"/>
+      <pc:docMkLst>
+        <pc:docMk/>
+      </pc:docMkLst>
+      <pc:sldChg chg="modSp mod">
+        <pc:chgData name="Gilbert, Neil" userId="37be9f5c-8f28-415b-96d6-624acf93bb3f" providerId="ADAL" clId="{58ECA877-5A44-417D-9F70-19BA7C32A50C}" dt="2024-12-09T18:08:21.259" v="17" actId="2711"/>
+        <pc:sldMkLst>
+          <pc:docMk/>
+          <pc:sldMk cId="2274438376" sldId="256"/>
+        </pc:sldMkLst>
+        <pc:spChg chg="mod">
+          <ac:chgData name="Gilbert, Neil" userId="37be9f5c-8f28-415b-96d6-624acf93bb3f" providerId="ADAL" clId="{58ECA877-5A44-417D-9F70-19BA7C32A50C}" dt="2024-12-09T18:07:36.626" v="4" actId="2711"/>
+          <ac:spMkLst>
+            <pc:docMk/>
+            <pc:sldMk cId="2274438376" sldId="256"/>
+            <ac:spMk id="26" creationId="{C251790D-0AA1-D604-9E1B-305ABBF4338A}"/>
+          </ac:spMkLst>
+        </pc:spChg>
+        <pc:spChg chg="mod">
+          <ac:chgData name="Gilbert, Neil" userId="37be9f5c-8f28-415b-96d6-624acf93bb3f" providerId="ADAL" clId="{58ECA877-5A44-417D-9F70-19BA7C32A50C}" dt="2024-12-09T18:07:49.421" v="7" actId="2711"/>
+          <ac:spMkLst>
+            <pc:docMk/>
+            <pc:sldMk cId="2274438376" sldId="256"/>
+            <ac:spMk id="27" creationId="{3D717055-F7E1-719C-8D0A-03218046D726}"/>
+          </ac:spMkLst>
+        </pc:spChg>
+        <pc:spChg chg="mod">
+          <ac:chgData name="Gilbert, Neil" userId="37be9f5c-8f28-415b-96d6-624acf93bb3f" providerId="ADAL" clId="{58ECA877-5A44-417D-9F70-19BA7C32A50C}" dt="2024-12-09T18:08:00.085" v="9" actId="2711"/>
+          <ac:spMkLst>
+            <pc:docMk/>
+            <pc:sldMk cId="2274438376" sldId="256"/>
+            <ac:spMk id="28" creationId="{CEC6E966-7BBC-1CE5-5BCE-F2D752AF60A9}"/>
+          </ac:spMkLst>
+        </pc:spChg>
+        <pc:spChg chg="mod">
+          <ac:chgData name="Gilbert, Neil" userId="37be9f5c-8f28-415b-96d6-624acf93bb3f" providerId="ADAL" clId="{58ECA877-5A44-417D-9F70-19BA7C32A50C}" dt="2024-12-09T18:08:11.391" v="12" actId="2711"/>
+          <ac:spMkLst>
+            <pc:docMk/>
+            <pc:sldMk cId="2274438376" sldId="256"/>
+            <ac:spMk id="29" creationId="{13E65F7A-DDDE-FD54-FA90-672600F349E5}"/>
+          </ac:spMkLst>
+        </pc:spChg>
+        <pc:spChg chg="mod">
+          <ac:chgData name="Gilbert, Neil" userId="37be9f5c-8f28-415b-96d6-624acf93bb3f" providerId="ADAL" clId="{58ECA877-5A44-417D-9F70-19BA7C32A50C}" dt="2024-12-09T18:08:21.259" v="17" actId="2711"/>
+          <ac:spMkLst>
+            <pc:docMk/>
+            <pc:sldMk cId="2274438376" sldId="256"/>
+            <ac:spMk id="30" creationId="{F03526F6-5615-6765-4FB9-9F92C5EA44C4}"/>
+          </ac:spMkLst>
+        </pc:spChg>
+      </pc:sldChg>
+    </pc:docChg>
+  </pc:docChgLst>
   <pc:docChgLst>
     <pc:chgData name="Gilbert, Neil" userId="37be9f5c-8f28-415b-96d6-624acf93bb3f" providerId="ADAL" clId="{545DF808-1DAB-4F9B-95AF-7EC5D35BFD0B}"/>
     <pc:docChg chg="undo custSel modSld">
@@ -218,68 +266,12 @@
             <ac:spMk id="30" creationId="{F03526F6-5615-6765-4FB9-9F92C5EA44C4}"/>
           </ac:spMkLst>
         </pc:spChg>
-        <pc:spChg chg="mod topLvl">
-          <ac:chgData name="Gilbert, Neil" userId="37be9f5c-8f28-415b-96d6-624acf93bb3f" providerId="ADAL" clId="{545DF808-1DAB-4F9B-95AF-7EC5D35BFD0B}" dt="2024-11-20T21:26:19.208" v="385" actId="164"/>
-          <ac:spMkLst>
-            <pc:docMk/>
-            <pc:sldMk cId="2274438376" sldId="256"/>
-            <ac:spMk id="37" creationId="{09AAD42A-D1A1-5E25-0577-91BBBACCF585}"/>
-          </ac:spMkLst>
-        </pc:spChg>
-        <pc:spChg chg="mod topLvl">
-          <ac:chgData name="Gilbert, Neil" userId="37be9f5c-8f28-415b-96d6-624acf93bb3f" providerId="ADAL" clId="{545DF808-1DAB-4F9B-95AF-7EC5D35BFD0B}" dt="2024-11-20T21:26:19.208" v="385" actId="164"/>
-          <ac:spMkLst>
-            <pc:docMk/>
-            <pc:sldMk cId="2274438376" sldId="256"/>
-            <ac:spMk id="40" creationId="{1B8B7562-665E-5FF8-C0FE-85FAAE7F7B07}"/>
-          </ac:spMkLst>
-        </pc:spChg>
-        <pc:spChg chg="mod topLvl">
-          <ac:chgData name="Gilbert, Neil" userId="37be9f5c-8f28-415b-96d6-624acf93bb3f" providerId="ADAL" clId="{545DF808-1DAB-4F9B-95AF-7EC5D35BFD0B}" dt="2024-11-20T21:26:19.208" v="385" actId="164"/>
-          <ac:spMkLst>
-            <pc:docMk/>
-            <pc:sldMk cId="2274438376" sldId="256"/>
-            <ac:spMk id="42" creationId="{EB414946-9540-9E0E-9B47-BC41121B44B3}"/>
-          </ac:spMkLst>
-        </pc:spChg>
-        <pc:spChg chg="mod topLvl">
-          <ac:chgData name="Gilbert, Neil" userId="37be9f5c-8f28-415b-96d6-624acf93bb3f" providerId="ADAL" clId="{545DF808-1DAB-4F9B-95AF-7EC5D35BFD0B}" dt="2024-11-20T21:26:19.208" v="385" actId="164"/>
-          <ac:spMkLst>
-            <pc:docMk/>
-            <pc:sldMk cId="2274438376" sldId="256"/>
-            <ac:spMk id="45" creationId="{C251790D-0AA1-D604-9E1B-305ABBF4338A}"/>
-          </ac:spMkLst>
-        </pc:spChg>
-        <pc:spChg chg="mod topLvl">
-          <ac:chgData name="Gilbert, Neil" userId="37be9f5c-8f28-415b-96d6-624acf93bb3f" providerId="ADAL" clId="{545DF808-1DAB-4F9B-95AF-7EC5D35BFD0B}" dt="2024-11-20T21:26:19.208" v="385" actId="164"/>
-          <ac:spMkLst>
-            <pc:docMk/>
-            <pc:sldMk cId="2274438376" sldId="256"/>
-            <ac:spMk id="48" creationId="{3D717055-F7E1-719C-8D0A-03218046D726}"/>
-          </ac:spMkLst>
-        </pc:spChg>
-        <pc:spChg chg="mod topLvl">
-          <ac:chgData name="Gilbert, Neil" userId="37be9f5c-8f28-415b-96d6-624acf93bb3f" providerId="ADAL" clId="{545DF808-1DAB-4F9B-95AF-7EC5D35BFD0B}" dt="2024-11-20T21:26:19.208" v="385" actId="164"/>
-          <ac:spMkLst>
-            <pc:docMk/>
-            <pc:sldMk cId="2274438376" sldId="256"/>
-            <ac:spMk id="49" creationId="{CEC6E966-7BBC-1CE5-5BCE-F2D752AF60A9}"/>
-          </ac:spMkLst>
-        </pc:spChg>
         <pc:spChg chg="mod">
           <ac:chgData name="Gilbert, Neil" userId="37be9f5c-8f28-415b-96d6-624acf93bb3f" providerId="ADAL" clId="{545DF808-1DAB-4F9B-95AF-7EC5D35BFD0B}" dt="2024-11-20T21:26:39.620" v="387"/>
           <ac:spMkLst>
             <pc:docMk/>
             <pc:sldMk cId="2274438376" sldId="256"/>
             <ac:spMk id="50" creationId="{09AAD42A-D1A1-5E25-0577-91BBBACCF585}"/>
-          </ac:spMkLst>
-        </pc:spChg>
-        <pc:spChg chg="mod topLvl">
-          <ac:chgData name="Gilbert, Neil" userId="37be9f5c-8f28-415b-96d6-624acf93bb3f" providerId="ADAL" clId="{545DF808-1DAB-4F9B-95AF-7EC5D35BFD0B}" dt="2024-11-20T21:26:19.208" v="385" actId="164"/>
-          <ac:spMkLst>
-            <pc:docMk/>
-            <pc:sldMk cId="2274438376" sldId="256"/>
-            <ac:spMk id="51" creationId="{13E65F7A-DDDE-FD54-FA90-672600F349E5}"/>
           </ac:spMkLst>
         </pc:spChg>
         <pc:spChg chg="mod">
@@ -290,100 +282,12 @@
             <ac:spMk id="53" creationId="{1B8B7562-665E-5FF8-C0FE-85FAAE7F7B07}"/>
           </ac:spMkLst>
         </pc:spChg>
-        <pc:spChg chg="mod topLvl">
-          <ac:chgData name="Gilbert, Neil" userId="37be9f5c-8f28-415b-96d6-624acf93bb3f" providerId="ADAL" clId="{545DF808-1DAB-4F9B-95AF-7EC5D35BFD0B}" dt="2024-11-20T21:26:19.208" v="385" actId="164"/>
-          <ac:spMkLst>
-            <pc:docMk/>
-            <pc:sldMk cId="2274438376" sldId="256"/>
-            <ac:spMk id="54" creationId="{F03526F6-5615-6765-4FB9-9F92C5EA44C4}"/>
-          </ac:spMkLst>
-        </pc:spChg>
         <pc:spChg chg="mod">
           <ac:chgData name="Gilbert, Neil" userId="37be9f5c-8f28-415b-96d6-624acf93bb3f" providerId="ADAL" clId="{545DF808-1DAB-4F9B-95AF-7EC5D35BFD0B}" dt="2024-11-20T21:26:39.620" v="387"/>
           <ac:spMkLst>
             <pc:docMk/>
             <pc:sldMk cId="2274438376" sldId="256"/>
             <ac:spMk id="55" creationId="{EB414946-9540-9E0E-9B47-BC41121B44B3}"/>
-          </ac:spMkLst>
-        </pc:spChg>
-        <pc:spChg chg="mod topLvl">
-          <ac:chgData name="Gilbert, Neil" userId="37be9f5c-8f28-415b-96d6-624acf93bb3f" providerId="ADAL" clId="{545DF808-1DAB-4F9B-95AF-7EC5D35BFD0B}" dt="2024-11-20T21:26:19.208" v="385" actId="164"/>
-          <ac:spMkLst>
-            <pc:docMk/>
-            <pc:sldMk cId="2274438376" sldId="256"/>
-            <ac:spMk id="63" creationId="{1239E492-CCFB-8F05-3B28-1BFEA5006121}"/>
-          </ac:spMkLst>
-        </pc:spChg>
-        <pc:spChg chg="mod">
-          <ac:chgData name="Gilbert, Neil" userId="37be9f5c-8f28-415b-96d6-624acf93bb3f" providerId="ADAL" clId="{545DF808-1DAB-4F9B-95AF-7EC5D35BFD0B}" dt="2024-11-07T16:52:50.854" v="7" actId="165"/>
-          <ac:spMkLst>
-            <pc:docMk/>
-            <pc:sldMk cId="2274438376" sldId="256"/>
-            <ac:spMk id="64" creationId="{A3E5B1CD-16C2-E3C8-5385-FCD882A55351}"/>
-          </ac:spMkLst>
-        </pc:spChg>
-        <pc:spChg chg="mod">
-          <ac:chgData name="Gilbert, Neil" userId="37be9f5c-8f28-415b-96d6-624acf93bb3f" providerId="ADAL" clId="{545DF808-1DAB-4F9B-95AF-7EC5D35BFD0B}" dt="2024-11-07T16:52:50.854" v="7" actId="165"/>
-          <ac:spMkLst>
-            <pc:docMk/>
-            <pc:sldMk cId="2274438376" sldId="256"/>
-            <ac:spMk id="66" creationId="{D6AACA2C-D4C9-BF68-1243-C4F5FE95E9E8}"/>
-          </ac:spMkLst>
-        </pc:spChg>
-        <pc:spChg chg="mod">
-          <ac:chgData name="Gilbert, Neil" userId="37be9f5c-8f28-415b-96d6-624acf93bb3f" providerId="ADAL" clId="{545DF808-1DAB-4F9B-95AF-7EC5D35BFD0B}" dt="2024-11-07T16:52:50.854" v="7" actId="165"/>
-          <ac:spMkLst>
-            <pc:docMk/>
-            <pc:sldMk cId="2274438376" sldId="256"/>
-            <ac:spMk id="67" creationId="{EA2EF6E1-1B81-0DD3-F308-C4DD645CD0AC}"/>
-          </ac:spMkLst>
-        </pc:spChg>
-        <pc:spChg chg="mod">
-          <ac:chgData name="Gilbert, Neil" userId="37be9f5c-8f28-415b-96d6-624acf93bb3f" providerId="ADAL" clId="{545DF808-1DAB-4F9B-95AF-7EC5D35BFD0B}" dt="2024-11-07T16:54:31.540" v="9"/>
-          <ac:spMkLst>
-            <pc:docMk/>
-            <pc:sldMk cId="2274438376" sldId="256"/>
-            <ac:spMk id="72" creationId="{09AAD42A-D1A1-5E25-0577-91BBBACCF585}"/>
-          </ac:spMkLst>
-        </pc:spChg>
-        <pc:spChg chg="mod">
-          <ac:chgData name="Gilbert, Neil" userId="37be9f5c-8f28-415b-96d6-624acf93bb3f" providerId="ADAL" clId="{545DF808-1DAB-4F9B-95AF-7EC5D35BFD0B}" dt="2024-11-07T16:54:31.540" v="9"/>
-          <ac:spMkLst>
-            <pc:docMk/>
-            <pc:sldMk cId="2274438376" sldId="256"/>
-            <ac:spMk id="74" creationId="{1B8B7562-665E-5FF8-C0FE-85FAAE7F7B07}"/>
-          </ac:spMkLst>
-        </pc:spChg>
-        <pc:spChg chg="mod">
-          <ac:chgData name="Gilbert, Neil" userId="37be9f5c-8f28-415b-96d6-624acf93bb3f" providerId="ADAL" clId="{545DF808-1DAB-4F9B-95AF-7EC5D35BFD0B}" dt="2024-11-07T16:54:31.540" v="9"/>
-          <ac:spMkLst>
-            <pc:docMk/>
-            <pc:sldMk cId="2274438376" sldId="256"/>
-            <ac:spMk id="75" creationId="{EB414946-9540-9E0E-9B47-BC41121B44B3}"/>
-          </ac:spMkLst>
-        </pc:spChg>
-        <pc:spChg chg="mod">
-          <ac:chgData name="Gilbert, Neil" userId="37be9f5c-8f28-415b-96d6-624acf93bb3f" providerId="ADAL" clId="{545DF808-1DAB-4F9B-95AF-7EC5D35BFD0B}" dt="2024-11-07T16:54:31.540" v="9"/>
-          <ac:spMkLst>
-            <pc:docMk/>
-            <pc:sldMk cId="2274438376" sldId="256"/>
-            <ac:spMk id="76" creationId="{A3E5B1CD-16C2-E3C8-5385-FCD882A55351}"/>
-          </ac:spMkLst>
-        </pc:spChg>
-        <pc:spChg chg="mod">
-          <ac:chgData name="Gilbert, Neil" userId="37be9f5c-8f28-415b-96d6-624acf93bb3f" providerId="ADAL" clId="{545DF808-1DAB-4F9B-95AF-7EC5D35BFD0B}" dt="2024-11-07T16:54:31.540" v="9"/>
-          <ac:spMkLst>
-            <pc:docMk/>
-            <pc:sldMk cId="2274438376" sldId="256"/>
-            <ac:spMk id="78" creationId="{D6AACA2C-D4C9-BF68-1243-C4F5FE95E9E8}"/>
-          </ac:spMkLst>
-        </pc:spChg>
-        <pc:spChg chg="mod">
-          <ac:chgData name="Gilbert, Neil" userId="37be9f5c-8f28-415b-96d6-624acf93bb3f" providerId="ADAL" clId="{545DF808-1DAB-4F9B-95AF-7EC5D35BFD0B}" dt="2024-11-07T16:54:31.540" v="9"/>
-          <ac:spMkLst>
-            <pc:docMk/>
-            <pc:sldMk cId="2274438376" sldId="256"/>
-            <ac:spMk id="79" creationId="{EA2EF6E1-1B81-0DD3-F308-C4DD645CD0AC}"/>
           </ac:spMkLst>
         </pc:spChg>
         <pc:spChg chg="mod">
@@ -434,14 +338,6 @@
             <ac:spMk id="87" creationId="{EA2EF6E1-1B81-0DD3-F308-C4DD645CD0AC}"/>
           </ac:spMkLst>
         </pc:spChg>
-        <pc:grpChg chg="add del mod">
-          <ac:chgData name="Gilbert, Neil" userId="37be9f5c-8f28-415b-96d6-624acf93bb3f" providerId="ADAL" clId="{545DF808-1DAB-4F9B-95AF-7EC5D35BFD0B}" dt="2024-11-20T21:26:30.714" v="386" actId="21"/>
-          <ac:grpSpMkLst>
-            <pc:docMk/>
-            <pc:sldMk cId="2274438376" sldId="256"/>
-            <ac:grpSpMk id="13" creationId="{50ADBE48-36C7-F418-32B1-54CC27C7D0D7}"/>
-          </ac:grpSpMkLst>
-        </pc:grpChg>
         <pc:grpChg chg="add mod">
           <ac:chgData name="Gilbert, Neil" userId="37be9f5c-8f28-415b-96d6-624acf93bb3f" providerId="ADAL" clId="{545DF808-1DAB-4F9B-95AF-7EC5D35BFD0B}" dt="2024-11-20T21:26:46.834" v="388" actId="1076"/>
           <ac:grpSpMkLst>
@@ -466,38 +362,6 @@
             <ac:grpSpMk id="31" creationId="{337567D1-27BE-6AD9-C41B-917F986071A3}"/>
           </ac:grpSpMkLst>
         </pc:grpChg>
-        <pc:grpChg chg="del">
-          <ac:chgData name="Gilbert, Neil" userId="37be9f5c-8f28-415b-96d6-624acf93bb3f" providerId="ADAL" clId="{545DF808-1DAB-4F9B-95AF-7EC5D35BFD0B}" dt="2024-11-07T16:51:20.570" v="0" actId="21"/>
-          <ac:grpSpMkLst>
-            <pc:docMk/>
-            <pc:sldMk cId="2274438376" sldId="256"/>
-            <ac:grpSpMk id="33" creationId="{F136E2E0-691B-E588-B9B7-936536DF47FC}"/>
-          </ac:grpSpMkLst>
-        </pc:grpChg>
-        <pc:grpChg chg="add del mod">
-          <ac:chgData name="Gilbert, Neil" userId="37be9f5c-8f28-415b-96d6-624acf93bb3f" providerId="ADAL" clId="{545DF808-1DAB-4F9B-95AF-7EC5D35BFD0B}" dt="2024-11-07T16:52:50.854" v="7" actId="165"/>
-          <ac:grpSpMkLst>
-            <pc:docMk/>
-            <pc:sldMk cId="2274438376" sldId="256"/>
-            <ac:grpSpMk id="34" creationId="{F136E2E0-691B-E588-B9B7-936536DF47FC}"/>
-          </ac:grpSpMkLst>
-        </pc:grpChg>
-        <pc:grpChg chg="mod topLvl">
-          <ac:chgData name="Gilbert, Neil" userId="37be9f5c-8f28-415b-96d6-624acf93bb3f" providerId="ADAL" clId="{545DF808-1DAB-4F9B-95AF-7EC5D35BFD0B}" dt="2024-11-20T21:26:19.208" v="385" actId="164"/>
-          <ac:grpSpMkLst>
-            <pc:docMk/>
-            <pc:sldMk cId="2274438376" sldId="256"/>
-            <ac:grpSpMk id="35" creationId="{FA916D9B-43AC-AD47-46C0-36529DEF91C0}"/>
-          </ac:grpSpMkLst>
-        </pc:grpChg>
-        <pc:grpChg chg="del mod topLvl">
-          <ac:chgData name="Gilbert, Neil" userId="37be9f5c-8f28-415b-96d6-624acf93bb3f" providerId="ADAL" clId="{545DF808-1DAB-4F9B-95AF-7EC5D35BFD0B}" dt="2024-11-07T16:52:57.232" v="8" actId="165"/>
-          <ac:grpSpMkLst>
-            <pc:docMk/>
-            <pc:sldMk cId="2274438376" sldId="256"/>
-            <ac:grpSpMk id="44" creationId="{54D7B2F1-6305-FBB1-6D24-E1D7B239E00F}"/>
-          </ac:grpSpMkLst>
-        </pc:grpChg>
         <pc:grpChg chg="mod">
           <ac:chgData name="Gilbert, Neil" userId="37be9f5c-8f28-415b-96d6-624acf93bb3f" providerId="ADAL" clId="{545DF808-1DAB-4F9B-95AF-7EC5D35BFD0B}" dt="2024-11-20T21:26:39.620" v="387"/>
           <ac:grpSpMkLst>
@@ -506,54 +370,6 @@
             <ac:grpSpMk id="47" creationId="{FA916D9B-43AC-AD47-46C0-36529DEF91C0}"/>
           </ac:grpSpMkLst>
         </pc:grpChg>
-        <pc:grpChg chg="add del mod topLvl">
-          <ac:chgData name="Gilbert, Neil" userId="37be9f5c-8f28-415b-96d6-624acf93bb3f" providerId="ADAL" clId="{545DF808-1DAB-4F9B-95AF-7EC5D35BFD0B}" dt="2024-11-20T21:21:14.265" v="68" actId="165"/>
-          <ac:grpSpMkLst>
-            <pc:docMk/>
-            <pc:sldMk cId="2274438376" sldId="256"/>
-            <ac:grpSpMk id="56" creationId="{03C59577-3738-E6C4-4D54-AA13BFECDF43}"/>
-          </ac:grpSpMkLst>
-        </pc:grpChg>
-        <pc:grpChg chg="del mod topLvl">
-          <ac:chgData name="Gilbert, Neil" userId="37be9f5c-8f28-415b-96d6-624acf93bb3f" providerId="ADAL" clId="{545DF808-1DAB-4F9B-95AF-7EC5D35BFD0B}" dt="2024-11-20T21:21:18.876" v="69" actId="165"/>
-          <ac:grpSpMkLst>
-            <pc:docMk/>
-            <pc:sldMk cId="2274438376" sldId="256"/>
-            <ac:grpSpMk id="57" creationId="{9BB301FA-0045-521E-AC08-92A7EB51AC70}"/>
-          </ac:grpSpMkLst>
-        </pc:grpChg>
-        <pc:grpChg chg="add mod">
-          <ac:chgData name="Gilbert, Neil" userId="37be9f5c-8f28-415b-96d6-624acf93bb3f" providerId="ADAL" clId="{545DF808-1DAB-4F9B-95AF-7EC5D35BFD0B}" dt="2024-11-20T21:26:19.208" v="385" actId="164"/>
-          <ac:grpSpMkLst>
-            <pc:docMk/>
-            <pc:sldMk cId="2274438376" sldId="256"/>
-            <ac:grpSpMk id="70" creationId="{337567D1-27BE-6AD9-C41B-917F986071A3}"/>
-          </ac:grpSpMkLst>
-        </pc:grpChg>
-        <pc:grpChg chg="mod">
-          <ac:chgData name="Gilbert, Neil" userId="37be9f5c-8f28-415b-96d6-624acf93bb3f" providerId="ADAL" clId="{545DF808-1DAB-4F9B-95AF-7EC5D35BFD0B}" dt="2024-11-07T16:54:31.540" v="9"/>
-          <ac:grpSpMkLst>
-            <pc:docMk/>
-            <pc:sldMk cId="2274438376" sldId="256"/>
-            <ac:grpSpMk id="71" creationId="{FA916D9B-43AC-AD47-46C0-36529DEF91C0}"/>
-          </ac:grpSpMkLst>
-        </pc:grpChg>
-        <pc:picChg chg="add mod ord">
-          <ac:chgData name="Gilbert, Neil" userId="37be9f5c-8f28-415b-96d6-624acf93bb3f" providerId="ADAL" clId="{545DF808-1DAB-4F9B-95AF-7EC5D35BFD0B}" dt="2024-11-20T21:26:19.208" v="385" actId="164"/>
-          <ac:picMkLst>
-            <pc:docMk/>
-            <pc:sldMk cId="2274438376" sldId="256"/>
-            <ac:picMk id="3" creationId="{CA051D8C-76F8-3D6B-6ABA-A299280F8CB7}"/>
-          </ac:picMkLst>
-        </pc:picChg>
-        <pc:picChg chg="add mod ord">
-          <ac:chgData name="Gilbert, Neil" userId="37be9f5c-8f28-415b-96d6-624acf93bb3f" providerId="ADAL" clId="{545DF808-1DAB-4F9B-95AF-7EC5D35BFD0B}" dt="2024-11-20T21:26:19.208" v="385" actId="164"/>
-          <ac:picMkLst>
-            <pc:docMk/>
-            <pc:sldMk cId="2274438376" sldId="256"/>
-            <ac:picMk id="4" creationId="{F041AB7B-E01E-E762-5A3B-0D6EACCF47DD}"/>
-          </ac:picMkLst>
-        </pc:picChg>
         <pc:picChg chg="mod">
           <ac:chgData name="Gilbert, Neil" userId="37be9f5c-8f28-415b-96d6-624acf93bb3f" providerId="ADAL" clId="{545DF808-1DAB-4F9B-95AF-7EC5D35BFD0B}" dt="2024-11-20T21:26:39.620" v="387"/>
           <ac:picMkLst>
@@ -570,78 +386,6 @@
             <ac:picMk id="16" creationId="{CA051D8C-76F8-3D6B-6ABA-A299280F8CB7}"/>
           </ac:picMkLst>
         </pc:picChg>
-        <pc:picChg chg="add del mod ord topLvl">
-          <ac:chgData name="Gilbert, Neil" userId="37be9f5c-8f28-415b-96d6-624acf93bb3f" providerId="ADAL" clId="{545DF808-1DAB-4F9B-95AF-7EC5D35BFD0B}" dt="2024-11-13T16:45:53.073" v="23" actId="478"/>
-          <ac:picMkLst>
-            <pc:docMk/>
-            <pc:sldMk cId="2274438376" sldId="256"/>
-            <ac:picMk id="55" creationId="{9FEDBAF4-2B51-D922-B1B2-241CC2395AB0}"/>
-          </ac:picMkLst>
-        </pc:picChg>
-        <pc:picChg chg="del mod topLvl">
-          <ac:chgData name="Gilbert, Neil" userId="37be9f5c-8f28-415b-96d6-624acf93bb3f" providerId="ADAL" clId="{545DF808-1DAB-4F9B-95AF-7EC5D35BFD0B}" dt="2024-11-20T21:21:20.447" v="70" actId="478"/>
-          <ac:picMkLst>
-            <pc:docMk/>
-            <pc:sldMk cId="2274438376" sldId="256"/>
-            <ac:picMk id="62" creationId="{06891639-7B6E-0AC3-EF6D-526ED0A800DD}"/>
-          </ac:picMkLst>
-        </pc:picChg>
-        <pc:cxnChg chg="add mod">
-          <ac:chgData name="Gilbert, Neil" userId="37be9f5c-8f28-415b-96d6-624acf93bb3f" providerId="ADAL" clId="{545DF808-1DAB-4F9B-95AF-7EC5D35BFD0B}" dt="2024-11-20T21:26:19.208" v="385" actId="164"/>
-          <ac:cxnSpMkLst>
-            <pc:docMk/>
-            <pc:sldMk cId="2274438376" sldId="256"/>
-            <ac:cxnSpMk id="6" creationId="{76478CF5-D66A-864E-0545-754861328290}"/>
-          </ac:cxnSpMkLst>
-        </pc:cxnChg>
-        <pc:cxnChg chg="add mod">
-          <ac:chgData name="Gilbert, Neil" userId="37be9f5c-8f28-415b-96d6-624acf93bb3f" providerId="ADAL" clId="{545DF808-1DAB-4F9B-95AF-7EC5D35BFD0B}" dt="2024-11-20T21:26:19.208" v="385" actId="164"/>
-          <ac:cxnSpMkLst>
-            <pc:docMk/>
-            <pc:sldMk cId="2274438376" sldId="256"/>
-            <ac:cxnSpMk id="7" creationId="{98AF517D-BDB0-D667-6E8B-44196B779148}"/>
-          </ac:cxnSpMkLst>
-        </pc:cxnChg>
-        <pc:cxnChg chg="add mod">
-          <ac:chgData name="Gilbert, Neil" userId="37be9f5c-8f28-415b-96d6-624acf93bb3f" providerId="ADAL" clId="{545DF808-1DAB-4F9B-95AF-7EC5D35BFD0B}" dt="2024-11-20T21:26:19.208" v="385" actId="164"/>
-          <ac:cxnSpMkLst>
-            <pc:docMk/>
-            <pc:sldMk cId="2274438376" sldId="256"/>
-            <ac:cxnSpMk id="8" creationId="{67FC8DFA-9CAD-C6C3-F9B7-A30ABF8F7ADB}"/>
-          </ac:cxnSpMkLst>
-        </pc:cxnChg>
-        <pc:cxnChg chg="add mod">
-          <ac:chgData name="Gilbert, Neil" userId="37be9f5c-8f28-415b-96d6-624acf93bb3f" providerId="ADAL" clId="{545DF808-1DAB-4F9B-95AF-7EC5D35BFD0B}" dt="2024-11-20T21:26:19.208" v="385" actId="164"/>
-          <ac:cxnSpMkLst>
-            <pc:docMk/>
-            <pc:sldMk cId="2274438376" sldId="256"/>
-            <ac:cxnSpMk id="9" creationId="{AC65409D-2EEC-F363-E75B-3AAB3BE7C2C3}"/>
-          </ac:cxnSpMkLst>
-        </pc:cxnChg>
-        <pc:cxnChg chg="add mod">
-          <ac:chgData name="Gilbert, Neil" userId="37be9f5c-8f28-415b-96d6-624acf93bb3f" providerId="ADAL" clId="{545DF808-1DAB-4F9B-95AF-7EC5D35BFD0B}" dt="2024-11-20T21:26:19.208" v="385" actId="164"/>
-          <ac:cxnSpMkLst>
-            <pc:docMk/>
-            <pc:sldMk cId="2274438376" sldId="256"/>
-            <ac:cxnSpMk id="10" creationId="{112CDBEF-B5CC-55C8-1B7C-260DAB8C7DBF}"/>
-          </ac:cxnSpMkLst>
-        </pc:cxnChg>
-        <pc:cxnChg chg="add mod">
-          <ac:chgData name="Gilbert, Neil" userId="37be9f5c-8f28-415b-96d6-624acf93bb3f" providerId="ADAL" clId="{545DF808-1DAB-4F9B-95AF-7EC5D35BFD0B}" dt="2024-11-20T21:26:19.208" v="385" actId="164"/>
-          <ac:cxnSpMkLst>
-            <pc:docMk/>
-            <pc:sldMk cId="2274438376" sldId="256"/>
-            <ac:cxnSpMk id="11" creationId="{DBEB8CF1-4E26-18EC-3479-E0F67F5493C5}"/>
-          </ac:cxnSpMkLst>
-        </pc:cxnChg>
-        <pc:cxnChg chg="add mod">
-          <ac:chgData name="Gilbert, Neil" userId="37be9f5c-8f28-415b-96d6-624acf93bb3f" providerId="ADAL" clId="{545DF808-1DAB-4F9B-95AF-7EC5D35BFD0B}" dt="2024-11-20T21:26:19.208" v="385" actId="164"/>
-          <ac:cxnSpMkLst>
-            <pc:docMk/>
-            <pc:sldMk cId="2274438376" sldId="256"/>
-            <ac:cxnSpMk id="12" creationId="{292FBF20-147C-0442-D244-5CE463341BAD}"/>
-          </ac:cxnSpMkLst>
-        </pc:cxnChg>
         <pc:cxnChg chg="mod">
           <ac:chgData name="Gilbert, Neil" userId="37be9f5c-8f28-415b-96d6-624acf93bb3f" providerId="ADAL" clId="{545DF808-1DAB-4F9B-95AF-7EC5D35BFD0B}" dt="2024-11-20T21:26:39.620" v="387"/>
           <ac:cxnSpMkLst>
@@ -714,30 +458,6 @@
             <ac:cxnSpMk id="38" creationId="{112CDBEF-B5CC-55C8-1B7C-260DAB8C7DBF}"/>
           </ac:cxnSpMkLst>
         </pc:cxnChg>
-        <pc:cxnChg chg="mod topLvl">
-          <ac:chgData name="Gilbert, Neil" userId="37be9f5c-8f28-415b-96d6-624acf93bb3f" providerId="ADAL" clId="{545DF808-1DAB-4F9B-95AF-7EC5D35BFD0B}" dt="2024-11-20T21:26:19.208" v="385" actId="164"/>
-          <ac:cxnSpMkLst>
-            <pc:docMk/>
-            <pc:sldMk cId="2274438376" sldId="256"/>
-            <ac:cxnSpMk id="39" creationId="{0A524109-64A2-2325-DAB9-FE4544E7083E}"/>
-          </ac:cxnSpMkLst>
-        </pc:cxnChg>
-        <pc:cxnChg chg="mod topLvl">
-          <ac:chgData name="Gilbert, Neil" userId="37be9f5c-8f28-415b-96d6-624acf93bb3f" providerId="ADAL" clId="{545DF808-1DAB-4F9B-95AF-7EC5D35BFD0B}" dt="2024-11-20T21:26:19.208" v="385" actId="164"/>
-          <ac:cxnSpMkLst>
-            <pc:docMk/>
-            <pc:sldMk cId="2274438376" sldId="256"/>
-            <ac:cxnSpMk id="41" creationId="{7298496A-F513-3746-8EEB-89A12FF3847E}"/>
-          </ac:cxnSpMkLst>
-        </pc:cxnChg>
-        <pc:cxnChg chg="mod topLvl">
-          <ac:chgData name="Gilbert, Neil" userId="37be9f5c-8f28-415b-96d6-624acf93bb3f" providerId="ADAL" clId="{545DF808-1DAB-4F9B-95AF-7EC5D35BFD0B}" dt="2024-11-20T21:26:19.208" v="385" actId="164"/>
-          <ac:cxnSpMkLst>
-            <pc:docMk/>
-            <pc:sldMk cId="2274438376" sldId="256"/>
-            <ac:cxnSpMk id="43" creationId="{5A217284-653D-DA4B-FD1C-4F11427E0D49}"/>
-          </ac:cxnSpMkLst>
-        </pc:cxnChg>
         <pc:cxnChg chg="mod">
           <ac:chgData name="Gilbert, Neil" userId="37be9f5c-8f28-415b-96d6-624acf93bb3f" providerId="ADAL" clId="{545DF808-1DAB-4F9B-95AF-7EC5D35BFD0B}" dt="2024-11-20T21:26:39.620" v="387"/>
           <ac:cxnSpMkLst>
@@ -760,78 +480,6 @@
             <pc:docMk/>
             <pc:sldMk cId="2274438376" sldId="256"/>
             <ac:cxnSpMk id="52" creationId="{0A524109-64A2-2325-DAB9-FE4544E7083E}"/>
-          </ac:cxnSpMkLst>
-        </pc:cxnChg>
-        <pc:cxnChg chg="mod topLvl">
-          <ac:chgData name="Gilbert, Neil" userId="37be9f5c-8f28-415b-96d6-624acf93bb3f" providerId="ADAL" clId="{545DF808-1DAB-4F9B-95AF-7EC5D35BFD0B}" dt="2024-11-20T21:26:19.208" v="385" actId="164"/>
-          <ac:cxnSpMkLst>
-            <pc:docMk/>
-            <pc:sldMk cId="2274438376" sldId="256"/>
-            <ac:cxnSpMk id="58" creationId="{6F5D603B-0B3E-C085-59C0-21E81CD8188A}"/>
-          </ac:cxnSpMkLst>
-        </pc:cxnChg>
-        <pc:cxnChg chg="del mod topLvl">
-          <ac:chgData name="Gilbert, Neil" userId="37be9f5c-8f28-415b-96d6-624acf93bb3f" providerId="ADAL" clId="{545DF808-1DAB-4F9B-95AF-7EC5D35BFD0B}" dt="2024-11-20T21:23:01.126" v="157" actId="478"/>
-          <ac:cxnSpMkLst>
-            <pc:docMk/>
-            <pc:sldMk cId="2274438376" sldId="256"/>
-            <ac:cxnSpMk id="59" creationId="{8073DF6A-3ADD-3CAC-7BA5-D48A8C6D65B2}"/>
-          </ac:cxnSpMkLst>
-        </pc:cxnChg>
-        <pc:cxnChg chg="del mod topLvl">
-          <ac:chgData name="Gilbert, Neil" userId="37be9f5c-8f28-415b-96d6-624acf93bb3f" providerId="ADAL" clId="{545DF808-1DAB-4F9B-95AF-7EC5D35BFD0B}" dt="2024-11-20T21:23:34.971" v="243" actId="478"/>
-          <ac:cxnSpMkLst>
-            <pc:docMk/>
-            <pc:sldMk cId="2274438376" sldId="256"/>
-            <ac:cxnSpMk id="60" creationId="{95481D7F-9AB0-1D9E-3491-8BB2AC804985}"/>
-          </ac:cxnSpMkLst>
-        </pc:cxnChg>
-        <pc:cxnChg chg="del mod topLvl">
-          <ac:chgData name="Gilbert, Neil" userId="37be9f5c-8f28-415b-96d6-624acf93bb3f" providerId="ADAL" clId="{545DF808-1DAB-4F9B-95AF-7EC5D35BFD0B}" dt="2024-11-20T21:23:57.788" v="358" actId="478"/>
-          <ac:cxnSpMkLst>
-            <pc:docMk/>
-            <pc:sldMk cId="2274438376" sldId="256"/>
-            <ac:cxnSpMk id="61" creationId="{76BD7A7E-3E3F-BDED-8173-6E7A96771EAB}"/>
-          </ac:cxnSpMkLst>
-        </pc:cxnChg>
-        <pc:cxnChg chg="mod">
-          <ac:chgData name="Gilbert, Neil" userId="37be9f5c-8f28-415b-96d6-624acf93bb3f" providerId="ADAL" clId="{545DF808-1DAB-4F9B-95AF-7EC5D35BFD0B}" dt="2024-11-07T16:52:50.854" v="7" actId="165"/>
-          <ac:cxnSpMkLst>
-            <pc:docMk/>
-            <pc:sldMk cId="2274438376" sldId="256"/>
-            <ac:cxnSpMk id="65" creationId="{843ACF6E-7305-40F1-596A-1B0D2B153F97}"/>
-          </ac:cxnSpMkLst>
-        </pc:cxnChg>
-        <pc:cxnChg chg="mod">
-          <ac:chgData name="Gilbert, Neil" userId="37be9f5c-8f28-415b-96d6-624acf93bb3f" providerId="ADAL" clId="{545DF808-1DAB-4F9B-95AF-7EC5D35BFD0B}" dt="2024-11-07T16:52:50.854" v="7" actId="165"/>
-          <ac:cxnSpMkLst>
-            <pc:docMk/>
-            <pc:sldMk cId="2274438376" sldId="256"/>
-            <ac:cxnSpMk id="68" creationId="{647BC4FB-6118-925C-BD58-63D01493DE54}"/>
-          </ac:cxnSpMkLst>
-        </pc:cxnChg>
-        <pc:cxnChg chg="mod">
-          <ac:chgData name="Gilbert, Neil" userId="37be9f5c-8f28-415b-96d6-624acf93bb3f" providerId="ADAL" clId="{545DF808-1DAB-4F9B-95AF-7EC5D35BFD0B}" dt="2024-11-07T16:52:50.854" v="7" actId="165"/>
-          <ac:cxnSpMkLst>
-            <pc:docMk/>
-            <pc:sldMk cId="2274438376" sldId="256"/>
-            <ac:cxnSpMk id="69" creationId="{CC2D9442-039B-3FE0-4D4C-BF897A051003}"/>
-          </ac:cxnSpMkLst>
-        </pc:cxnChg>
-        <pc:cxnChg chg="mod">
-          <ac:chgData name="Gilbert, Neil" userId="37be9f5c-8f28-415b-96d6-624acf93bb3f" providerId="ADAL" clId="{545DF808-1DAB-4F9B-95AF-7EC5D35BFD0B}" dt="2024-11-07T16:54:31.540" v="9"/>
-          <ac:cxnSpMkLst>
-            <pc:docMk/>
-            <pc:sldMk cId="2274438376" sldId="256"/>
-            <ac:cxnSpMk id="73" creationId="{0A524109-64A2-2325-DAB9-FE4544E7083E}"/>
-          </ac:cxnSpMkLst>
-        </pc:cxnChg>
-        <pc:cxnChg chg="mod">
-          <ac:chgData name="Gilbert, Neil" userId="37be9f5c-8f28-415b-96d6-624acf93bb3f" providerId="ADAL" clId="{545DF808-1DAB-4F9B-95AF-7EC5D35BFD0B}" dt="2024-11-07T16:54:31.540" v="9"/>
-          <ac:cxnSpMkLst>
-            <pc:docMk/>
-            <pc:sldMk cId="2274438376" sldId="256"/>
-            <ac:cxnSpMk id="77" creationId="{843ACF6E-7305-40F1-596A-1B0D2B153F97}"/>
           </ac:cxnSpMkLst>
         </pc:cxnChg>
         <pc:cxnChg chg="mod">
@@ -1003,7 +651,7 @@
           <a:p>
             <a:fld id="{0060E5B6-8B05-4C07-AEFE-0C95C3CF4001}" type="datetimeFigureOut">
               <a:rPr lang="en-US" smtClean="0"/>
-              <a:t>11/19/2024</a:t>
+              <a:t>12/9/2024</a:t>
             </a:fld>
             <a:endParaRPr lang="en-US"/>
           </a:p>
@@ -1173,7 +821,7 @@
           <a:p>
             <a:fld id="{0060E5B6-8B05-4C07-AEFE-0C95C3CF4001}" type="datetimeFigureOut">
               <a:rPr lang="en-US" smtClean="0"/>
-              <a:t>11/19/2024</a:t>
+              <a:t>12/9/2024</a:t>
             </a:fld>
             <a:endParaRPr lang="en-US"/>
           </a:p>
@@ -1353,7 +1001,7 @@
           <a:p>
             <a:fld id="{0060E5B6-8B05-4C07-AEFE-0C95C3CF4001}" type="datetimeFigureOut">
               <a:rPr lang="en-US" smtClean="0"/>
-              <a:t>11/19/2024</a:t>
+              <a:t>12/9/2024</a:t>
             </a:fld>
             <a:endParaRPr lang="en-US"/>
           </a:p>
@@ -1523,7 +1171,7 @@
           <a:p>
             <a:fld id="{0060E5B6-8B05-4C07-AEFE-0C95C3CF4001}" type="datetimeFigureOut">
               <a:rPr lang="en-US" smtClean="0"/>
-              <a:t>11/19/2024</a:t>
+              <a:t>12/9/2024</a:t>
             </a:fld>
             <a:endParaRPr lang="en-US"/>
           </a:p>
@@ -1769,7 +1417,7 @@
           <a:p>
             <a:fld id="{0060E5B6-8B05-4C07-AEFE-0C95C3CF4001}" type="datetimeFigureOut">
               <a:rPr lang="en-US" smtClean="0"/>
-              <a:t>11/19/2024</a:t>
+              <a:t>12/9/2024</a:t>
             </a:fld>
             <a:endParaRPr lang="en-US"/>
           </a:p>
@@ -2001,7 +1649,7 @@
           <a:p>
             <a:fld id="{0060E5B6-8B05-4C07-AEFE-0C95C3CF4001}" type="datetimeFigureOut">
               <a:rPr lang="en-US" smtClean="0"/>
-              <a:t>11/19/2024</a:t>
+              <a:t>12/9/2024</a:t>
             </a:fld>
             <a:endParaRPr lang="en-US"/>
           </a:p>
@@ -2368,7 +2016,7 @@
           <a:p>
             <a:fld id="{0060E5B6-8B05-4C07-AEFE-0C95C3CF4001}" type="datetimeFigureOut">
               <a:rPr lang="en-US" smtClean="0"/>
-              <a:t>11/19/2024</a:t>
+              <a:t>12/9/2024</a:t>
             </a:fld>
             <a:endParaRPr lang="en-US"/>
           </a:p>
@@ -2486,7 +2134,7 @@
           <a:p>
             <a:fld id="{0060E5B6-8B05-4C07-AEFE-0C95C3CF4001}" type="datetimeFigureOut">
               <a:rPr lang="en-US" smtClean="0"/>
-              <a:t>11/19/2024</a:t>
+              <a:t>12/9/2024</a:t>
             </a:fld>
             <a:endParaRPr lang="en-US"/>
           </a:p>
@@ -2581,7 +2229,7 @@
           <a:p>
             <a:fld id="{0060E5B6-8B05-4C07-AEFE-0C95C3CF4001}" type="datetimeFigureOut">
               <a:rPr lang="en-US" smtClean="0"/>
-              <a:t>11/19/2024</a:t>
+              <a:t>12/9/2024</a:t>
             </a:fld>
             <a:endParaRPr lang="en-US"/>
           </a:p>
@@ -2858,7 +2506,7 @@
           <a:p>
             <a:fld id="{0060E5B6-8B05-4C07-AEFE-0C95C3CF4001}" type="datetimeFigureOut">
               <a:rPr lang="en-US" smtClean="0"/>
-              <a:t>11/19/2024</a:t>
+              <a:t>12/9/2024</a:t>
             </a:fld>
             <a:endParaRPr lang="en-US"/>
           </a:p>
@@ -3115,7 +2763,7 @@
           <a:p>
             <a:fld id="{0060E5B6-8B05-4C07-AEFE-0C95C3CF4001}" type="datetimeFigureOut">
               <a:rPr lang="en-US" smtClean="0"/>
-              <a:t>11/19/2024</a:t>
+              <a:t>12/9/2024</a:t>
             </a:fld>
             <a:endParaRPr lang="en-US"/>
           </a:p>
@@ -3328,7 +2976,7 @@
           <a:p>
             <a:fld id="{0060E5B6-8B05-4C07-AEFE-0C95C3CF4001}" type="datetimeFigureOut">
               <a:rPr lang="en-US" smtClean="0"/>
-              <a:t>11/19/2024</a:t>
+              <a:t>12/9/2024</a:t>
             </a:fld>
             <a:endParaRPr lang="en-US"/>
           </a:p>
@@ -4722,10 +4370,9 @@
                   <a:solidFill>
                     <a:schemeClr val="tx1"/>
                   </a:solidFill>
-                  <a:latin typeface="Arial" panose="020B0604020202020204" pitchFamily="34" charset="0"/>
                   <a:cs typeface="Arial" panose="020B0604020202020204" pitchFamily="34" charset="0"/>
                 </a:rPr>
-                <a:t>(a)</a:t>
+                <a:t>(A)</a:t>
               </a:r>
             </a:p>
           </p:txBody>
@@ -4781,10 +4428,9 @@
                   <a:solidFill>
                     <a:schemeClr val="tx1"/>
                   </a:solidFill>
-                  <a:latin typeface="Arial" panose="020B0604020202020204" pitchFamily="34" charset="0"/>
                   <a:cs typeface="Arial" panose="020B0604020202020204" pitchFamily="34" charset="0"/>
                 </a:rPr>
-                <a:t>(b)</a:t>
+                <a:t>(B)</a:t>
               </a:r>
             </a:p>
           </p:txBody>
@@ -4840,10 +4486,9 @@
                   <a:solidFill>
                     <a:schemeClr val="tx1"/>
                   </a:solidFill>
-                  <a:latin typeface="Arial" panose="020B0604020202020204" pitchFamily="34" charset="0"/>
                   <a:cs typeface="Arial" panose="020B0604020202020204" pitchFamily="34" charset="0"/>
                 </a:rPr>
-                <a:t>(c)</a:t>
+                <a:t>(C)</a:t>
               </a:r>
             </a:p>
           </p:txBody>
@@ -4899,10 +4544,9 @@
                   <a:solidFill>
                     <a:schemeClr val="tx1"/>
                   </a:solidFill>
-                  <a:latin typeface="Arial" panose="020B0604020202020204" pitchFamily="34" charset="0"/>
                   <a:cs typeface="Arial" panose="020B0604020202020204" pitchFamily="34" charset="0"/>
                 </a:rPr>
-                <a:t>(d)</a:t>
+                <a:t>(D)</a:t>
               </a:r>
             </a:p>
           </p:txBody>
@@ -4958,10 +4602,9 @@
                   <a:solidFill>
                     <a:schemeClr val="tx1"/>
                   </a:solidFill>
-                  <a:latin typeface="Arial" panose="020B0604020202020204" pitchFamily="34" charset="0"/>
                   <a:cs typeface="Arial" panose="020B0604020202020204" pitchFamily="34" charset="0"/>
                 </a:rPr>
-                <a:t>(e)</a:t>
+                <a:t>(E)</a:t>
               </a:r>
             </a:p>
           </p:txBody>

--- a/Results/Figures/figure_04.pptx
+++ b/Results/Figures/figure_04.pptx
@@ -123,23 +123,31 @@
 </p:presentation>
 </file>
 
+<file path=ppt/revisionInfo.xml><?xml version="1.0" encoding="utf-8"?>
+<p1510:revInfo xmlns:a="http://schemas.openxmlformats.org/drawingml/2006/main" xmlns:r="http://schemas.openxmlformats.org/officeDocument/2006/relationships" xmlns:p1510="http://schemas.microsoft.com/office/powerpoint/2015/10/main">
+  <p1510:revLst>
+    <p1510:client id="{58ECA877-5A44-417D-9F70-19BA7C32A50C}" v="1" dt="2024-12-12T16:15:09.990"/>
+  </p1510:revLst>
+</p1510:revInfo>
+</file>
+
 <file path=ppt/changesInfos/changesInfo1.xml><?xml version="1.0" encoding="utf-8"?>
 <pc:chgInfo xmlns:a="http://schemas.openxmlformats.org/drawingml/2006/main" xmlns:r="http://schemas.openxmlformats.org/officeDocument/2006/relationships" xmlns:ac="http://schemas.microsoft.com/office/drawing/2013/main/command" xmlns:pc="http://schemas.microsoft.com/office/powerpoint/2013/main/command">
   <pc:docChgLst>
     <pc:chgData name="Gilbert, Neil" userId="37be9f5c-8f28-415b-96d6-624acf93bb3f" providerId="ADAL" clId="{58ECA877-5A44-417D-9F70-19BA7C32A50C}"/>
     <pc:docChg chg="undo custSel modSld">
-      <pc:chgData name="Gilbert, Neil" userId="37be9f5c-8f28-415b-96d6-624acf93bb3f" providerId="ADAL" clId="{58ECA877-5A44-417D-9F70-19BA7C32A50C}" dt="2024-12-09T18:08:21.259" v="17" actId="2711"/>
+      <pc:chgData name="Gilbert, Neil" userId="37be9f5c-8f28-415b-96d6-624acf93bb3f" providerId="ADAL" clId="{58ECA877-5A44-417D-9F70-19BA7C32A50C}" dt="2024-12-12T16:18:38.725" v="147" actId="1035"/>
       <pc:docMkLst>
         <pc:docMk/>
       </pc:docMkLst>
-      <pc:sldChg chg="modSp mod">
-        <pc:chgData name="Gilbert, Neil" userId="37be9f5c-8f28-415b-96d6-624acf93bb3f" providerId="ADAL" clId="{58ECA877-5A44-417D-9F70-19BA7C32A50C}" dt="2024-12-09T18:08:21.259" v="17" actId="2711"/>
+      <pc:sldChg chg="addSp delSp modSp mod">
+        <pc:chgData name="Gilbert, Neil" userId="37be9f5c-8f28-415b-96d6-624acf93bb3f" providerId="ADAL" clId="{58ECA877-5A44-417D-9F70-19BA7C32A50C}" dt="2024-12-12T16:18:38.725" v="147" actId="1035"/>
         <pc:sldMkLst>
           <pc:docMk/>
           <pc:sldMk cId="2274438376" sldId="256"/>
         </pc:sldMkLst>
         <pc:spChg chg="mod">
-          <ac:chgData name="Gilbert, Neil" userId="37be9f5c-8f28-415b-96d6-624acf93bb3f" providerId="ADAL" clId="{58ECA877-5A44-417D-9F70-19BA7C32A50C}" dt="2024-12-09T18:07:36.626" v="4" actId="2711"/>
+          <ac:chgData name="Gilbert, Neil" userId="37be9f5c-8f28-415b-96d6-624acf93bb3f" providerId="ADAL" clId="{58ECA877-5A44-417D-9F70-19BA7C32A50C}" dt="2024-12-12T16:17:59.711" v="123" actId="2711"/>
           <ac:spMkLst>
             <pc:docMk/>
             <pc:sldMk cId="2274438376" sldId="256"/>
@@ -147,7 +155,7 @@
           </ac:spMkLst>
         </pc:spChg>
         <pc:spChg chg="mod">
-          <ac:chgData name="Gilbert, Neil" userId="37be9f5c-8f28-415b-96d6-624acf93bb3f" providerId="ADAL" clId="{58ECA877-5A44-417D-9F70-19BA7C32A50C}" dt="2024-12-09T18:07:49.421" v="7" actId="2711"/>
+          <ac:chgData name="Gilbert, Neil" userId="37be9f5c-8f28-415b-96d6-624acf93bb3f" providerId="ADAL" clId="{58ECA877-5A44-417D-9F70-19BA7C32A50C}" dt="2024-12-12T16:18:05.142" v="124" actId="2711"/>
           <ac:spMkLst>
             <pc:docMk/>
             <pc:sldMk cId="2274438376" sldId="256"/>
@@ -155,7 +163,7 @@
           </ac:spMkLst>
         </pc:spChg>
         <pc:spChg chg="mod">
-          <ac:chgData name="Gilbert, Neil" userId="37be9f5c-8f28-415b-96d6-624acf93bb3f" providerId="ADAL" clId="{58ECA877-5A44-417D-9F70-19BA7C32A50C}" dt="2024-12-09T18:08:00.085" v="9" actId="2711"/>
+          <ac:chgData name="Gilbert, Neil" userId="37be9f5c-8f28-415b-96d6-624acf93bb3f" providerId="ADAL" clId="{58ECA877-5A44-417D-9F70-19BA7C32A50C}" dt="2024-12-12T16:18:24.692" v="129" actId="1035"/>
           <ac:spMkLst>
             <pc:docMk/>
             <pc:sldMk cId="2274438376" sldId="256"/>
@@ -163,7 +171,7 @@
           </ac:spMkLst>
         </pc:spChg>
         <pc:spChg chg="mod">
-          <ac:chgData name="Gilbert, Neil" userId="37be9f5c-8f28-415b-96d6-624acf93bb3f" providerId="ADAL" clId="{58ECA877-5A44-417D-9F70-19BA7C32A50C}" dt="2024-12-09T18:08:11.391" v="12" actId="2711"/>
+          <ac:chgData name="Gilbert, Neil" userId="37be9f5c-8f28-415b-96d6-624acf93bb3f" providerId="ADAL" clId="{58ECA877-5A44-417D-9F70-19BA7C32A50C}" dt="2024-12-12T16:18:29.945" v="135" actId="1035"/>
           <ac:spMkLst>
             <pc:docMk/>
             <pc:sldMk cId="2274438376" sldId="256"/>
@@ -171,13 +179,93 @@
           </ac:spMkLst>
         </pc:spChg>
         <pc:spChg chg="mod">
-          <ac:chgData name="Gilbert, Neil" userId="37be9f5c-8f28-415b-96d6-624acf93bb3f" providerId="ADAL" clId="{58ECA877-5A44-417D-9F70-19BA7C32A50C}" dt="2024-12-09T18:08:21.259" v="17" actId="2711"/>
+          <ac:chgData name="Gilbert, Neil" userId="37be9f5c-8f28-415b-96d6-624acf93bb3f" providerId="ADAL" clId="{58ECA877-5A44-417D-9F70-19BA7C32A50C}" dt="2024-12-12T16:18:38.725" v="147" actId="1035"/>
           <ac:spMkLst>
             <pc:docMk/>
             <pc:sldMk cId="2274438376" sldId="256"/>
             <ac:spMk id="30" creationId="{F03526F6-5615-6765-4FB9-9F92C5EA44C4}"/>
           </ac:spMkLst>
         </pc:spChg>
+        <pc:picChg chg="add mod ord">
+          <ac:chgData name="Gilbert, Neil" userId="37be9f5c-8f28-415b-96d6-624acf93bb3f" providerId="ADAL" clId="{58ECA877-5A44-417D-9F70-19BA7C32A50C}" dt="2024-12-12T16:15:24.939" v="24" actId="1076"/>
+          <ac:picMkLst>
+            <pc:docMk/>
+            <pc:sldMk cId="2274438376" sldId="256"/>
+            <ac:picMk id="3" creationId="{C7B2A065-A284-FC33-C5B1-BBE525EAF86A}"/>
+          </ac:picMkLst>
+        </pc:picChg>
+        <pc:picChg chg="del">
+          <ac:chgData name="Gilbert, Neil" userId="37be9f5c-8f28-415b-96d6-624acf93bb3f" providerId="ADAL" clId="{58ECA877-5A44-417D-9F70-19BA7C32A50C}" dt="2024-12-12T16:15:05.209" v="18" actId="478"/>
+          <ac:picMkLst>
+            <pc:docMk/>
+            <pc:sldMk cId="2274438376" sldId="256"/>
+            <ac:picMk id="15" creationId="{F041AB7B-E01E-E762-5A3B-0D6EACCF47DD}"/>
+          </ac:picMkLst>
+        </pc:picChg>
+        <pc:cxnChg chg="mod">
+          <ac:chgData name="Gilbert, Neil" userId="37be9f5c-8f28-415b-96d6-624acf93bb3f" providerId="ADAL" clId="{58ECA877-5A44-417D-9F70-19BA7C32A50C}" dt="2024-12-12T16:15:44.729" v="42" actId="1037"/>
+          <ac:cxnSpMkLst>
+            <pc:docMk/>
+            <pc:sldMk cId="2274438376" sldId="256"/>
+            <ac:cxnSpMk id="25" creationId="{6F5D603B-0B3E-C085-59C0-21E81CD8188A}"/>
+          </ac:cxnSpMkLst>
+        </pc:cxnChg>
+        <pc:cxnChg chg="mod">
+          <ac:chgData name="Gilbert, Neil" userId="37be9f5c-8f28-415b-96d6-624acf93bb3f" providerId="ADAL" clId="{58ECA877-5A44-417D-9F70-19BA7C32A50C}" dt="2024-12-12T16:16:53.551" v="54" actId="1076"/>
+          <ac:cxnSpMkLst>
+            <pc:docMk/>
+            <pc:sldMk cId="2274438376" sldId="256"/>
+            <ac:cxnSpMk id="32" creationId="{76478CF5-D66A-864E-0545-754861328290}"/>
+          </ac:cxnSpMkLst>
+        </pc:cxnChg>
+        <pc:cxnChg chg="mod">
+          <ac:chgData name="Gilbert, Neil" userId="37be9f5c-8f28-415b-96d6-624acf93bb3f" providerId="ADAL" clId="{58ECA877-5A44-417D-9F70-19BA7C32A50C}" dt="2024-12-12T16:17:25.261" v="84" actId="1035"/>
+          <ac:cxnSpMkLst>
+            <pc:docMk/>
+            <pc:sldMk cId="2274438376" sldId="256"/>
+            <ac:cxnSpMk id="33" creationId="{98AF517D-BDB0-D667-6E8B-44196B779148}"/>
+          </ac:cxnSpMkLst>
+        </pc:cxnChg>
+        <pc:cxnChg chg="mod">
+          <ac:chgData name="Gilbert, Neil" userId="37be9f5c-8f28-415b-96d6-624acf93bb3f" providerId="ADAL" clId="{58ECA877-5A44-417D-9F70-19BA7C32A50C}" dt="2024-12-12T16:17:25.261" v="84" actId="1035"/>
+          <ac:cxnSpMkLst>
+            <pc:docMk/>
+            <pc:sldMk cId="2274438376" sldId="256"/>
+            <ac:cxnSpMk id="34" creationId="{67FC8DFA-9CAD-C6C3-F9B7-A30ABF8F7ADB}"/>
+          </ac:cxnSpMkLst>
+        </pc:cxnChg>
+        <pc:cxnChg chg="mod">
+          <ac:chgData name="Gilbert, Neil" userId="37be9f5c-8f28-415b-96d6-624acf93bb3f" providerId="ADAL" clId="{58ECA877-5A44-417D-9F70-19BA7C32A50C}" dt="2024-12-12T16:17:35.901" v="101" actId="1035"/>
+          <ac:cxnSpMkLst>
+            <pc:docMk/>
+            <pc:sldMk cId="2274438376" sldId="256"/>
+            <ac:cxnSpMk id="36" creationId="{AC65409D-2EEC-F363-E75B-3AAB3BE7C2C3}"/>
+          </ac:cxnSpMkLst>
+        </pc:cxnChg>
+        <pc:cxnChg chg="mod">
+          <ac:chgData name="Gilbert, Neil" userId="37be9f5c-8f28-415b-96d6-624acf93bb3f" providerId="ADAL" clId="{58ECA877-5A44-417D-9F70-19BA7C32A50C}" dt="2024-12-12T16:17:35.901" v="101" actId="1035"/>
+          <ac:cxnSpMkLst>
+            <pc:docMk/>
+            <pc:sldMk cId="2274438376" sldId="256"/>
+            <ac:cxnSpMk id="38" creationId="{112CDBEF-B5CC-55C8-1B7C-260DAB8C7DBF}"/>
+          </ac:cxnSpMkLst>
+        </pc:cxnChg>
+        <pc:cxnChg chg="mod">
+          <ac:chgData name="Gilbert, Neil" userId="37be9f5c-8f28-415b-96d6-624acf93bb3f" providerId="ADAL" clId="{58ECA877-5A44-417D-9F70-19BA7C32A50C}" dt="2024-12-12T16:17:48.737" v="122" actId="1035"/>
+          <ac:cxnSpMkLst>
+            <pc:docMk/>
+            <pc:sldMk cId="2274438376" sldId="256"/>
+            <ac:cxnSpMk id="44" creationId="{DBEB8CF1-4E26-18EC-3479-E0F67F5493C5}"/>
+          </ac:cxnSpMkLst>
+        </pc:cxnChg>
+        <pc:cxnChg chg="mod">
+          <ac:chgData name="Gilbert, Neil" userId="37be9f5c-8f28-415b-96d6-624acf93bb3f" providerId="ADAL" clId="{58ECA877-5A44-417D-9F70-19BA7C32A50C}" dt="2024-12-12T16:17:48.737" v="122" actId="1035"/>
+          <ac:cxnSpMkLst>
+            <pc:docMk/>
+            <pc:sldMk cId="2274438376" sldId="256"/>
+            <ac:cxnSpMk id="46" creationId="{292FBF20-147C-0442-D244-5CE463341BAD}"/>
+          </ac:cxnSpMkLst>
+        </pc:cxnChg>
       </pc:sldChg>
     </pc:docChg>
   </pc:docChgLst>
@@ -375,14 +463,6 @@
           <ac:picMkLst>
             <pc:docMk/>
             <pc:sldMk cId="2274438376" sldId="256"/>
-            <ac:picMk id="15" creationId="{F041AB7B-E01E-E762-5A3B-0D6EACCF47DD}"/>
-          </ac:picMkLst>
-        </pc:picChg>
-        <pc:picChg chg="mod">
-          <ac:chgData name="Gilbert, Neil" userId="37be9f5c-8f28-415b-96d6-624acf93bb3f" providerId="ADAL" clId="{545DF808-1DAB-4F9B-95AF-7EC5D35BFD0B}" dt="2024-11-20T21:26:39.620" v="387"/>
-          <ac:picMkLst>
-            <pc:docMk/>
-            <pc:sldMk cId="2274438376" sldId="256"/>
             <ac:picMk id="16" creationId="{CA051D8C-76F8-3D6B-6ABA-A299280F8CB7}"/>
           </ac:picMkLst>
         </pc:picChg>
@@ -651,7 +731,7 @@
           <a:p>
             <a:fld id="{0060E5B6-8B05-4C07-AEFE-0C95C3CF4001}" type="datetimeFigureOut">
               <a:rPr lang="en-US" smtClean="0"/>
-              <a:t>12/9/2024</a:t>
+              <a:t>12/12/2024</a:t>
             </a:fld>
             <a:endParaRPr lang="en-US"/>
           </a:p>
@@ -821,7 +901,7 @@
           <a:p>
             <a:fld id="{0060E5B6-8B05-4C07-AEFE-0C95C3CF4001}" type="datetimeFigureOut">
               <a:rPr lang="en-US" smtClean="0"/>
-              <a:t>12/9/2024</a:t>
+              <a:t>12/12/2024</a:t>
             </a:fld>
             <a:endParaRPr lang="en-US"/>
           </a:p>
@@ -1001,7 +1081,7 @@
           <a:p>
             <a:fld id="{0060E5B6-8B05-4C07-AEFE-0C95C3CF4001}" type="datetimeFigureOut">
               <a:rPr lang="en-US" smtClean="0"/>
-              <a:t>12/9/2024</a:t>
+              <a:t>12/12/2024</a:t>
             </a:fld>
             <a:endParaRPr lang="en-US"/>
           </a:p>
@@ -1171,7 +1251,7 @@
           <a:p>
             <a:fld id="{0060E5B6-8B05-4C07-AEFE-0C95C3CF4001}" type="datetimeFigureOut">
               <a:rPr lang="en-US" smtClean="0"/>
-              <a:t>12/9/2024</a:t>
+              <a:t>12/12/2024</a:t>
             </a:fld>
             <a:endParaRPr lang="en-US"/>
           </a:p>
@@ -1417,7 +1497,7 @@
           <a:p>
             <a:fld id="{0060E5B6-8B05-4C07-AEFE-0C95C3CF4001}" type="datetimeFigureOut">
               <a:rPr lang="en-US" smtClean="0"/>
-              <a:t>12/9/2024</a:t>
+              <a:t>12/12/2024</a:t>
             </a:fld>
             <a:endParaRPr lang="en-US"/>
           </a:p>
@@ -1649,7 +1729,7 @@
           <a:p>
             <a:fld id="{0060E5B6-8B05-4C07-AEFE-0C95C3CF4001}" type="datetimeFigureOut">
               <a:rPr lang="en-US" smtClean="0"/>
-              <a:t>12/9/2024</a:t>
+              <a:t>12/12/2024</a:t>
             </a:fld>
             <a:endParaRPr lang="en-US"/>
           </a:p>
@@ -2016,7 +2096,7 @@
           <a:p>
             <a:fld id="{0060E5B6-8B05-4C07-AEFE-0C95C3CF4001}" type="datetimeFigureOut">
               <a:rPr lang="en-US" smtClean="0"/>
-              <a:t>12/9/2024</a:t>
+              <a:t>12/12/2024</a:t>
             </a:fld>
             <a:endParaRPr lang="en-US"/>
           </a:p>
@@ -2134,7 +2214,7 @@
           <a:p>
             <a:fld id="{0060E5B6-8B05-4C07-AEFE-0C95C3CF4001}" type="datetimeFigureOut">
               <a:rPr lang="en-US" smtClean="0"/>
-              <a:t>12/9/2024</a:t>
+              <a:t>12/12/2024</a:t>
             </a:fld>
             <a:endParaRPr lang="en-US"/>
           </a:p>
@@ -2229,7 +2309,7 @@
           <a:p>
             <a:fld id="{0060E5B6-8B05-4C07-AEFE-0C95C3CF4001}" type="datetimeFigureOut">
               <a:rPr lang="en-US" smtClean="0"/>
-              <a:t>12/9/2024</a:t>
+              <a:t>12/12/2024</a:t>
             </a:fld>
             <a:endParaRPr lang="en-US"/>
           </a:p>
@@ -2506,7 +2586,7 @@
           <a:p>
             <a:fld id="{0060E5B6-8B05-4C07-AEFE-0C95C3CF4001}" type="datetimeFigureOut">
               <a:rPr lang="en-US" smtClean="0"/>
-              <a:t>12/9/2024</a:t>
+              <a:t>12/12/2024</a:t>
             </a:fld>
             <a:endParaRPr lang="en-US"/>
           </a:p>
@@ -2763,7 +2843,7 @@
           <a:p>
             <a:fld id="{0060E5B6-8B05-4C07-AEFE-0C95C3CF4001}" type="datetimeFigureOut">
               <a:rPr lang="en-US" smtClean="0"/>
-              <a:t>12/9/2024</a:t>
+              <a:t>12/12/2024</a:t>
             </a:fld>
             <a:endParaRPr lang="en-US"/>
           </a:p>
@@ -2976,7 +3056,7 @@
           <a:p>
             <a:fld id="{0060E5B6-8B05-4C07-AEFE-0C95C3CF4001}" type="datetimeFigureOut">
               <a:rPr lang="en-US" smtClean="0"/>
-              <a:t>12/9/2024</a:t>
+              <a:t>12/12/2024</a:t>
             </a:fld>
             <a:endParaRPr lang="en-US"/>
           </a:p>
@@ -3381,6 +3461,42 @@
           <a:chExt cx="0" cy="0"/>
         </a:xfrm>
       </p:grpSpPr>
+      <p:pic>
+        <p:nvPicPr>
+          <p:cNvPr id="3" name="Picture 2" descr="A graph of different colored lines&#10;&#10;Description automatically generated with medium confidence">
+            <a:extLst>
+              <a:ext uri="{FF2B5EF4-FFF2-40B4-BE49-F238E27FC236}">
+                <a16:creationId xmlns:a16="http://schemas.microsoft.com/office/drawing/2014/main" id="{C7B2A065-A284-FC33-C5B1-BBE525EAF86A}"/>
+              </a:ext>
+            </a:extLst>
+          </p:cNvPr>
+          <p:cNvPicPr>
+            <a:picLocks noChangeAspect="1"/>
+          </p:cNvPicPr>
+          <p:nvPr/>
+        </p:nvPicPr>
+        <p:blipFill>
+          <a:blip r:embed="rId2">
+            <a:extLst>
+              <a:ext uri="{28A0092B-C50C-407E-A947-70E740481C1C}">
+                <a14:useLocalDpi xmlns:a14="http://schemas.microsoft.com/office/drawing/2010/main" val="0"/>
+              </a:ext>
+            </a:extLst>
+          </a:blip>
+          <a:stretch>
+            <a:fillRect/>
+          </a:stretch>
+        </p:blipFill>
+        <p:spPr>
+          <a:xfrm>
+            <a:off x="3777311" y="0"/>
+            <a:ext cx="2743068" cy="6583363"/>
+          </a:xfrm>
+          <a:prstGeom prst="rect">
+            <a:avLst/>
+          </a:prstGeom>
+        </p:spPr>
+      </p:pic>
       <p:grpSp>
         <p:nvGrpSpPr>
           <p:cNvPr id="14" name="Group 13">
@@ -3396,47 +3512,11 @@
         <p:grpSpPr>
           <a:xfrm>
             <a:off x="0" y="-1"/>
-            <a:ext cx="6545231" cy="6584761"/>
+            <a:ext cx="6413495" cy="6584761"/>
             <a:chOff x="45720" y="-1"/>
-            <a:chExt cx="6545231" cy="6584761"/>
+            <a:chExt cx="6413495" cy="6584761"/>
           </a:xfrm>
         </p:grpSpPr>
-        <p:pic>
-          <p:nvPicPr>
-            <p:cNvPr id="15" name="Picture 14" descr="A graph of different colored lines&#10;&#10;Description automatically generated with medium confidence">
-              <a:extLst>
-                <a:ext uri="{FF2B5EF4-FFF2-40B4-BE49-F238E27FC236}">
-                  <a16:creationId xmlns:a16="http://schemas.microsoft.com/office/drawing/2014/main" id="{F041AB7B-E01E-E762-5A3B-0D6EACCF47DD}"/>
-                </a:ext>
-              </a:extLst>
-            </p:cNvPr>
-            <p:cNvPicPr>
-              <a:picLocks noChangeAspect="1"/>
-            </p:cNvPicPr>
-            <p:nvPr/>
-          </p:nvPicPr>
-          <p:blipFill>
-            <a:blip r:embed="rId2">
-              <a:extLst>
-                <a:ext uri="{28A0092B-C50C-407E-A947-70E740481C1C}">
-                  <a14:useLocalDpi xmlns:a14="http://schemas.microsoft.com/office/drawing/2010/main" val="0"/>
-                </a:ext>
-              </a:extLst>
-            </a:blip>
-            <a:stretch>
-              <a:fillRect/>
-            </a:stretch>
-          </p:blipFill>
-          <p:spPr>
-            <a:xfrm>
-              <a:off x="3847883" y="793"/>
-              <a:ext cx="2743068" cy="6583363"/>
-            </a:xfrm>
-            <a:prstGeom prst="rect">
-              <a:avLst/>
-            </a:prstGeom>
-          </p:spPr>
-        </p:pic>
         <p:pic>
           <p:nvPicPr>
             <p:cNvPr id="16" name="Picture 15" descr="A diagram of a number of data&#10;&#10;Description automatically generated with medium confidence">
@@ -4280,7 +4360,7 @@
           </p:nvCxnSpPr>
           <p:spPr>
             <a:xfrm>
-              <a:off x="4239839" y="1363796"/>
+              <a:off x="4216024" y="1301877"/>
               <a:ext cx="981959" cy="0"/>
             </a:xfrm>
             <a:prstGeom prst="straightConnector1">
@@ -4370,6 +4450,7 @@
                   <a:solidFill>
                     <a:schemeClr val="tx1"/>
                   </a:solidFill>
+                  <a:latin typeface="Arial" panose="020B0604020202020204" pitchFamily="34" charset="0"/>
                   <a:cs typeface="Arial" panose="020B0604020202020204" pitchFamily="34" charset="0"/>
                 </a:rPr>
                 <a:t>(A)</a:t>
@@ -4428,6 +4509,7 @@
                   <a:solidFill>
                     <a:schemeClr val="tx1"/>
                   </a:solidFill>
+                  <a:latin typeface="Arial" panose="020B0604020202020204" pitchFamily="34" charset="0"/>
                   <a:cs typeface="Arial" panose="020B0604020202020204" pitchFamily="34" charset="0"/>
                 </a:rPr>
                 <a:t>(B)</a:t>
@@ -4449,7 +4531,7 @@
           </p:nvSpPr>
           <p:spPr>
             <a:xfrm>
-              <a:off x="3941613" y="1672756"/>
+              <a:off x="3941613" y="1657516"/>
               <a:ext cx="455804" cy="216838"/>
             </a:xfrm>
             <a:prstGeom prst="rect">
@@ -4486,6 +4568,7 @@
                   <a:solidFill>
                     <a:schemeClr val="tx1"/>
                   </a:solidFill>
+                  <a:latin typeface="Arial" panose="020B0604020202020204" pitchFamily="34" charset="0"/>
                   <a:cs typeface="Arial" panose="020B0604020202020204" pitchFamily="34" charset="0"/>
                 </a:rPr>
                 <a:t>(C)</a:t>
@@ -4507,7 +4590,7 @@
           </p:nvSpPr>
           <p:spPr>
             <a:xfrm>
-              <a:off x="3967167" y="3191247"/>
+              <a:off x="3967167" y="3145527"/>
               <a:ext cx="455804" cy="216838"/>
             </a:xfrm>
             <a:prstGeom prst="rect">
@@ -4544,6 +4627,7 @@
                   <a:solidFill>
                     <a:schemeClr val="tx1"/>
                   </a:solidFill>
+                  <a:latin typeface="Arial" panose="020B0604020202020204" pitchFamily="34" charset="0"/>
                   <a:cs typeface="Arial" panose="020B0604020202020204" pitchFamily="34" charset="0"/>
                 </a:rPr>
                 <a:t>(D)</a:t>
@@ -4565,7 +4649,7 @@
           </p:nvSpPr>
           <p:spPr>
             <a:xfrm>
-              <a:off x="3967167" y="4743341"/>
+              <a:off x="3967167" y="4651901"/>
               <a:ext cx="455804" cy="216838"/>
             </a:xfrm>
             <a:prstGeom prst="rect">
@@ -4602,6 +4686,7 @@
                   <a:solidFill>
                     <a:schemeClr val="tx1"/>
                   </a:solidFill>
+                  <a:latin typeface="Arial" panose="020B0604020202020204" pitchFamily="34" charset="0"/>
                   <a:cs typeface="Arial" panose="020B0604020202020204" pitchFamily="34" charset="0"/>
                 </a:rPr>
                 <a:t>(E)</a:t>
@@ -5169,7 +5254,7 @@
           </p:nvCxnSpPr>
           <p:spPr>
             <a:xfrm>
-              <a:off x="5497139" y="1363796"/>
+              <a:off x="5477256" y="1298448"/>
               <a:ext cx="981959" cy="0"/>
             </a:xfrm>
             <a:prstGeom prst="straightConnector1">
@@ -5222,7 +5307,7 @@
           </p:nvCxnSpPr>
           <p:spPr>
             <a:xfrm>
-              <a:off x="4242816" y="2956376"/>
+              <a:off x="4215384" y="2842076"/>
               <a:ext cx="981959" cy="0"/>
             </a:xfrm>
             <a:prstGeom prst="straightConnector1">
@@ -5275,7 +5360,7 @@
           </p:nvCxnSpPr>
           <p:spPr>
             <a:xfrm>
-              <a:off x="5495544" y="2956376"/>
+              <a:off x="5477256" y="2842076"/>
               <a:ext cx="981959" cy="0"/>
             </a:xfrm>
             <a:prstGeom prst="straightConnector1">
@@ -5328,7 +5413,7 @@
           </p:nvCxnSpPr>
           <p:spPr>
             <a:xfrm>
-              <a:off x="4242816" y="4500378"/>
+              <a:off x="4215384" y="4316228"/>
               <a:ext cx="981959" cy="0"/>
             </a:xfrm>
             <a:prstGeom prst="straightConnector1">
@@ -5381,7 +5466,7 @@
           </p:nvCxnSpPr>
           <p:spPr>
             <a:xfrm>
-              <a:off x="5495544" y="4500378"/>
+              <a:off x="5477256" y="4316228"/>
               <a:ext cx="981959" cy="0"/>
             </a:xfrm>
             <a:prstGeom prst="straightConnector1">
@@ -5434,7 +5519,7 @@
           </p:nvCxnSpPr>
           <p:spPr>
             <a:xfrm>
-              <a:off x="4242816" y="6052473"/>
+              <a:off x="4215384" y="5795295"/>
               <a:ext cx="981959" cy="0"/>
             </a:xfrm>
             <a:prstGeom prst="straightConnector1">
@@ -5487,7 +5572,7 @@
           </p:nvCxnSpPr>
           <p:spPr>
             <a:xfrm>
-              <a:off x="5495544" y="6052473"/>
+              <a:off x="5477256" y="5795295"/>
               <a:ext cx="981959" cy="0"/>
             </a:xfrm>
             <a:prstGeom prst="straightConnector1">

--- a/Results/Figures/figure_04.pptx
+++ b/Results/Figures/figure_04.pptx
@@ -2,12 +2,12 @@
 <file path=ppt/presentation.xml><?xml version="1.0" encoding="utf-8"?>
 <p:presentation xmlns:a="http://schemas.openxmlformats.org/drawingml/2006/main" xmlns:r="http://schemas.openxmlformats.org/officeDocument/2006/relationships" xmlns:p="http://schemas.openxmlformats.org/presentationml/2006/main" saveSubsetFonts="1">
   <p:sldMasterIdLst>
-    <p:sldMasterId id="2147483684" r:id="rId1"/>
+    <p:sldMasterId id="2147483708" r:id="rId1"/>
   </p:sldMasterIdLst>
   <p:sldIdLst>
-    <p:sldId id="256" r:id="rId2"/>
+    <p:sldId id="257" r:id="rId2"/>
   </p:sldIdLst>
-  <p:sldSz cx="6583363" cy="6583363"/>
+  <p:sldSz cx="5486400" cy="3429000"/>
   <p:notesSz cx="6858000" cy="9144000"/>
   <p:defaultTextStyle>
     <a:defPPr>
@@ -107,12 +107,12 @@
   <p:extLst>
     <p:ext uri="{EFAFB233-063F-42B5-8137-9DF3F51BA10A}">
       <p15:sldGuideLst xmlns:p15="http://schemas.microsoft.com/office/powerpoint/2012/main">
-        <p15:guide id="1" orient="horz" pos="2074" userDrawn="1">
+        <p15:guide id="1" orient="horz" pos="1080" userDrawn="1">
           <p15:clr>
             <a:srgbClr val="A4A3A4"/>
           </p15:clr>
         </p15:guide>
-        <p15:guide id="2" pos="2074" userDrawn="1">
+        <p15:guide id="2" pos="1728" userDrawn="1">
           <p15:clr>
             <a:srgbClr val="A4A3A4"/>
           </p15:clr>
@@ -126,7 +126,7 @@
 <file path=ppt/revisionInfo.xml><?xml version="1.0" encoding="utf-8"?>
 <p1510:revInfo xmlns:a="http://schemas.openxmlformats.org/drawingml/2006/main" xmlns:r="http://schemas.openxmlformats.org/officeDocument/2006/relationships" xmlns:p1510="http://schemas.microsoft.com/office/powerpoint/2015/10/main">
   <p1510:revLst>
-    <p1510:client id="{58ECA877-5A44-417D-9F70-19BA7C32A50C}" v="1" dt="2024-12-12T16:15:09.990"/>
+    <p1510:client id="{AAC6EFE6-B2E4-4521-974C-55F595CEAFBC}" v="29" dt="2025-03-12T20:45:19.730"/>
   </p1510:revLst>
 </p1510:revInfo>
 </file>
@@ -134,466 +134,402 @@
 <file path=ppt/changesInfos/changesInfo1.xml><?xml version="1.0" encoding="utf-8"?>
 <pc:chgInfo xmlns:a="http://schemas.openxmlformats.org/drawingml/2006/main" xmlns:r="http://schemas.openxmlformats.org/officeDocument/2006/relationships" xmlns:ac="http://schemas.microsoft.com/office/drawing/2013/main/command" xmlns:pc="http://schemas.microsoft.com/office/powerpoint/2013/main/command">
   <pc:docChgLst>
-    <pc:chgData name="Gilbert, Neil" userId="37be9f5c-8f28-415b-96d6-624acf93bb3f" providerId="ADAL" clId="{58ECA877-5A44-417D-9F70-19BA7C32A50C}"/>
+    <pc:chgData name="Gilbert, Neil" userId="37be9f5c-8f28-415b-96d6-624acf93bb3f" providerId="ADAL" clId="{E47290D8-570C-4370-B6F6-1AF3FEE279C2}"/>
     <pc:docChg chg="undo custSel modSld">
-      <pc:chgData name="Gilbert, Neil" userId="37be9f5c-8f28-415b-96d6-624acf93bb3f" providerId="ADAL" clId="{58ECA877-5A44-417D-9F70-19BA7C32A50C}" dt="2024-12-12T16:18:38.725" v="147" actId="1035"/>
+      <pc:chgData name="Gilbert, Neil" userId="37be9f5c-8f28-415b-96d6-624acf93bb3f" providerId="ADAL" clId="{E47290D8-570C-4370-B6F6-1AF3FEE279C2}" dt="2024-12-11T16:00:31.114" v="620" actId="167"/>
       <pc:docMkLst>
         <pc:docMk/>
       </pc:docMkLst>
       <pc:sldChg chg="addSp delSp modSp mod">
-        <pc:chgData name="Gilbert, Neil" userId="37be9f5c-8f28-415b-96d6-624acf93bb3f" providerId="ADAL" clId="{58ECA877-5A44-417D-9F70-19BA7C32A50C}" dt="2024-12-12T16:18:38.725" v="147" actId="1035"/>
+        <pc:chgData name="Gilbert, Neil" userId="37be9f5c-8f28-415b-96d6-624acf93bb3f" providerId="ADAL" clId="{E47290D8-570C-4370-B6F6-1AF3FEE279C2}" dt="2024-12-11T16:00:31.114" v="620" actId="167"/>
         <pc:sldMkLst>
           <pc:docMk/>
-          <pc:sldMk cId="2274438376" sldId="256"/>
+          <pc:sldMk cId="268507922" sldId="256"/>
         </pc:sldMkLst>
-        <pc:spChg chg="mod">
-          <ac:chgData name="Gilbert, Neil" userId="37be9f5c-8f28-415b-96d6-624acf93bb3f" providerId="ADAL" clId="{58ECA877-5A44-417D-9F70-19BA7C32A50C}" dt="2024-12-12T16:17:59.711" v="123" actId="2711"/>
+      </pc:sldChg>
+    </pc:docChg>
+  </pc:docChgLst>
+  <pc:docChgLst>
+    <pc:chgData name="Gilbert, Neil" userId="37be9f5c-8f28-415b-96d6-624acf93bb3f" providerId="ADAL" clId="{AAC6EFE6-B2E4-4521-974C-55F595CEAFBC}"/>
+    <pc:docChg chg="undo custSel modSld">
+      <pc:chgData name="Gilbert, Neil" userId="37be9f5c-8f28-415b-96d6-624acf93bb3f" providerId="ADAL" clId="{AAC6EFE6-B2E4-4521-974C-55F595CEAFBC}" dt="2025-03-12T20:45:19.730" v="235"/>
+      <pc:docMkLst>
+        <pc:docMk/>
+      </pc:docMkLst>
+      <pc:sldChg chg="addSp delSp modSp mod">
+        <pc:chgData name="Gilbert, Neil" userId="37be9f5c-8f28-415b-96d6-624acf93bb3f" providerId="ADAL" clId="{AAC6EFE6-B2E4-4521-974C-55F595CEAFBC}" dt="2025-03-12T20:45:19.730" v="235"/>
+        <pc:sldMkLst>
+          <pc:docMk/>
+          <pc:sldMk cId="268507922" sldId="256"/>
+        </pc:sldMkLst>
+        <pc:spChg chg="mod topLvl">
+          <ac:chgData name="Gilbert, Neil" userId="37be9f5c-8f28-415b-96d6-624acf93bb3f" providerId="ADAL" clId="{AAC6EFE6-B2E4-4521-974C-55F595CEAFBC}" dt="2025-03-12T20:41:52.141" v="214" actId="14100"/>
           <ac:spMkLst>
             <pc:docMk/>
-            <pc:sldMk cId="2274438376" sldId="256"/>
-            <ac:spMk id="26" creationId="{C251790D-0AA1-D604-9E1B-305ABBF4338A}"/>
+            <pc:sldMk cId="268507922" sldId="256"/>
+            <ac:spMk id="3" creationId="{AAA16069-2F61-B03F-36D0-0E1EAD4144B9}"/>
+          </ac:spMkLst>
+        </pc:spChg>
+        <pc:spChg chg="mod topLvl">
+          <ac:chgData name="Gilbert, Neil" userId="37be9f5c-8f28-415b-96d6-624acf93bb3f" providerId="ADAL" clId="{AAC6EFE6-B2E4-4521-974C-55F595CEAFBC}" dt="2025-03-12T19:35:48.093" v="5" actId="165"/>
+          <ac:spMkLst>
+            <pc:docMk/>
+            <pc:sldMk cId="268507922" sldId="256"/>
+            <ac:spMk id="9" creationId="{639B4EDD-BD19-DB73-15C1-C51318E99990}"/>
           </ac:spMkLst>
         </pc:spChg>
         <pc:spChg chg="mod">
-          <ac:chgData name="Gilbert, Neil" userId="37be9f5c-8f28-415b-96d6-624acf93bb3f" providerId="ADAL" clId="{58ECA877-5A44-417D-9F70-19BA7C32A50C}" dt="2024-12-12T16:18:05.142" v="124" actId="2711"/>
+          <ac:chgData name="Gilbert, Neil" userId="37be9f5c-8f28-415b-96d6-624acf93bb3f" providerId="ADAL" clId="{AAC6EFE6-B2E4-4521-974C-55F595CEAFBC}" dt="2025-03-12T20:42:32.230" v="219" actId="1076"/>
           <ac:spMkLst>
             <pc:docMk/>
-            <pc:sldMk cId="2274438376" sldId="256"/>
-            <ac:spMk id="27" creationId="{3D717055-F7E1-719C-8D0A-03218046D726}"/>
+            <pc:sldMk cId="268507922" sldId="256"/>
+            <ac:spMk id="18" creationId="{1A30C909-7538-5A95-5442-35E8E6A23015}"/>
           </ac:spMkLst>
         </pc:spChg>
         <pc:spChg chg="mod">
-          <ac:chgData name="Gilbert, Neil" userId="37be9f5c-8f28-415b-96d6-624acf93bb3f" providerId="ADAL" clId="{58ECA877-5A44-417D-9F70-19BA7C32A50C}" dt="2024-12-12T16:18:24.692" v="129" actId="1035"/>
+          <ac:chgData name="Gilbert, Neil" userId="37be9f5c-8f28-415b-96d6-624acf93bb3f" providerId="ADAL" clId="{AAC6EFE6-B2E4-4521-974C-55F595CEAFBC}" dt="2025-03-12T20:44:47.932" v="231" actId="164"/>
           <ac:spMkLst>
             <pc:docMk/>
-            <pc:sldMk cId="2274438376" sldId="256"/>
-            <ac:spMk id="28" creationId="{CEC6E966-7BBC-1CE5-5BCE-F2D752AF60A9}"/>
+            <pc:sldMk cId="268507922" sldId="256"/>
+            <ac:spMk id="19" creationId="{1A19C248-609D-90C9-3C35-C389250510B4}"/>
+          </ac:spMkLst>
+        </pc:spChg>
+        <pc:spChg chg="add mod">
+          <ac:chgData name="Gilbert, Neil" userId="37be9f5c-8f28-415b-96d6-624acf93bb3f" providerId="ADAL" clId="{AAC6EFE6-B2E4-4521-974C-55F595CEAFBC}" dt="2025-03-12T20:44:47.932" v="231" actId="164"/>
+          <ac:spMkLst>
+            <pc:docMk/>
+            <pc:sldMk cId="268507922" sldId="256"/>
+            <ac:spMk id="29" creationId="{CEAAF973-1BB4-11AF-025D-90EC51C8C490}"/>
+          </ac:spMkLst>
+        </pc:spChg>
+        <pc:spChg chg="add mod">
+          <ac:chgData name="Gilbert, Neil" userId="37be9f5c-8f28-415b-96d6-624acf93bb3f" providerId="ADAL" clId="{AAC6EFE6-B2E4-4521-974C-55F595CEAFBC}" dt="2025-03-12T20:44:47.932" v="231" actId="164"/>
+          <ac:spMkLst>
+            <pc:docMk/>
+            <pc:sldMk cId="268507922" sldId="256"/>
+            <ac:spMk id="30" creationId="{8032DF14-FB9C-1CFA-65CE-05C1D8EC93F2}"/>
+          </ac:spMkLst>
+        </pc:spChg>
+        <pc:spChg chg="add mod">
+          <ac:chgData name="Gilbert, Neil" userId="37be9f5c-8f28-415b-96d6-624acf93bb3f" providerId="ADAL" clId="{AAC6EFE6-B2E4-4521-974C-55F595CEAFBC}" dt="2025-03-12T20:44:47.932" v="231" actId="164"/>
+          <ac:spMkLst>
+            <pc:docMk/>
+            <pc:sldMk cId="268507922" sldId="256"/>
+            <ac:spMk id="32" creationId="{CBFDDC0A-2B0B-7471-59CC-CDE5A8BF2080}"/>
+          </ac:spMkLst>
+        </pc:spChg>
+        <pc:spChg chg="add mod">
+          <ac:chgData name="Gilbert, Neil" userId="37be9f5c-8f28-415b-96d6-624acf93bb3f" providerId="ADAL" clId="{AAC6EFE6-B2E4-4521-974C-55F595CEAFBC}" dt="2025-03-12T20:44:47.932" v="231" actId="164"/>
+          <ac:spMkLst>
+            <pc:docMk/>
+            <pc:sldMk cId="268507922" sldId="256"/>
+            <ac:spMk id="33" creationId="{C7E97383-CCF8-410D-8D34-897133D50D4E}"/>
+          </ac:spMkLst>
+        </pc:spChg>
+        <pc:spChg chg="add mod">
+          <ac:chgData name="Gilbert, Neil" userId="37be9f5c-8f28-415b-96d6-624acf93bb3f" providerId="ADAL" clId="{AAC6EFE6-B2E4-4521-974C-55F595CEAFBC}" dt="2025-03-12T20:44:47.932" v="231" actId="164"/>
+          <ac:spMkLst>
+            <pc:docMk/>
+            <pc:sldMk cId="268507922" sldId="256"/>
+            <ac:spMk id="34" creationId="{49413E13-6B0A-FE8D-5FDD-C782E55319A3}"/>
+          </ac:spMkLst>
+        </pc:spChg>
+        <pc:spChg chg="add mod">
+          <ac:chgData name="Gilbert, Neil" userId="37be9f5c-8f28-415b-96d6-624acf93bb3f" providerId="ADAL" clId="{AAC6EFE6-B2E4-4521-974C-55F595CEAFBC}" dt="2025-03-12T20:44:47.932" v="231" actId="164"/>
+          <ac:spMkLst>
+            <pc:docMk/>
+            <pc:sldMk cId="268507922" sldId="256"/>
+            <ac:spMk id="35" creationId="{0DFA485E-16A0-908E-0D1D-801843D3BBDB}"/>
+          </ac:spMkLst>
+        </pc:spChg>
+        <pc:spChg chg="add mod">
+          <ac:chgData name="Gilbert, Neil" userId="37be9f5c-8f28-415b-96d6-624acf93bb3f" providerId="ADAL" clId="{AAC6EFE6-B2E4-4521-974C-55F595CEAFBC}" dt="2025-03-12T20:44:47.932" v="231" actId="164"/>
+          <ac:spMkLst>
+            <pc:docMk/>
+            <pc:sldMk cId="268507922" sldId="256"/>
+            <ac:spMk id="45" creationId="{3AA088F0-664B-F8E6-5987-030A711B2ED1}"/>
           </ac:spMkLst>
         </pc:spChg>
         <pc:spChg chg="mod">
-          <ac:chgData name="Gilbert, Neil" userId="37be9f5c-8f28-415b-96d6-624acf93bb3f" providerId="ADAL" clId="{58ECA877-5A44-417D-9F70-19BA7C32A50C}" dt="2024-12-12T16:18:29.945" v="135" actId="1035"/>
+          <ac:chgData name="Gilbert, Neil" userId="37be9f5c-8f28-415b-96d6-624acf93bb3f" providerId="ADAL" clId="{AAC6EFE6-B2E4-4521-974C-55F595CEAFBC}" dt="2025-03-12T20:45:19.730" v="235"/>
           <ac:spMkLst>
             <pc:docMk/>
-            <pc:sldMk cId="2274438376" sldId="256"/>
-            <ac:spMk id="29" creationId="{13E65F7A-DDDE-FD54-FA90-672600F349E5}"/>
+            <pc:sldMk cId="268507922" sldId="256"/>
+            <ac:spMk id="54" creationId="{CEAAF973-1BB4-11AF-025D-90EC51C8C490}"/>
           </ac:spMkLst>
         </pc:spChg>
         <pc:spChg chg="mod">
-          <ac:chgData name="Gilbert, Neil" userId="37be9f5c-8f28-415b-96d6-624acf93bb3f" providerId="ADAL" clId="{58ECA877-5A44-417D-9F70-19BA7C32A50C}" dt="2024-12-12T16:18:38.725" v="147" actId="1035"/>
+          <ac:chgData name="Gilbert, Neil" userId="37be9f5c-8f28-415b-96d6-624acf93bb3f" providerId="ADAL" clId="{AAC6EFE6-B2E4-4521-974C-55F595CEAFBC}" dt="2025-03-12T20:45:19.730" v="235"/>
           <ac:spMkLst>
             <pc:docMk/>
-            <pc:sldMk cId="2274438376" sldId="256"/>
-            <ac:spMk id="30" creationId="{F03526F6-5615-6765-4FB9-9F92C5EA44C4}"/>
+            <pc:sldMk cId="268507922" sldId="256"/>
+            <ac:spMk id="55" creationId="{8032DF14-FB9C-1CFA-65CE-05C1D8EC93F2}"/>
           </ac:spMkLst>
         </pc:spChg>
-        <pc:picChg chg="add mod ord">
-          <ac:chgData name="Gilbert, Neil" userId="37be9f5c-8f28-415b-96d6-624acf93bb3f" providerId="ADAL" clId="{58ECA877-5A44-417D-9F70-19BA7C32A50C}" dt="2024-12-12T16:15:24.939" v="24" actId="1076"/>
+        <pc:spChg chg="mod">
+          <ac:chgData name="Gilbert, Neil" userId="37be9f5c-8f28-415b-96d6-624acf93bb3f" providerId="ADAL" clId="{AAC6EFE6-B2E4-4521-974C-55F595CEAFBC}" dt="2025-03-12T20:45:19.730" v="235"/>
+          <ac:spMkLst>
+            <pc:docMk/>
+            <pc:sldMk cId="268507922" sldId="256"/>
+            <ac:spMk id="56" creationId="{CBFDDC0A-2B0B-7471-59CC-CDE5A8BF2080}"/>
+          </ac:spMkLst>
+        </pc:spChg>
+        <pc:spChg chg="mod">
+          <ac:chgData name="Gilbert, Neil" userId="37be9f5c-8f28-415b-96d6-624acf93bb3f" providerId="ADAL" clId="{AAC6EFE6-B2E4-4521-974C-55F595CEAFBC}" dt="2025-03-12T20:45:19.730" v="235"/>
+          <ac:spMkLst>
+            <pc:docMk/>
+            <pc:sldMk cId="268507922" sldId="256"/>
+            <ac:spMk id="57" creationId="{C7E97383-CCF8-410D-8D34-897133D50D4E}"/>
+          </ac:spMkLst>
+        </pc:spChg>
+        <pc:spChg chg="mod">
+          <ac:chgData name="Gilbert, Neil" userId="37be9f5c-8f28-415b-96d6-624acf93bb3f" providerId="ADAL" clId="{AAC6EFE6-B2E4-4521-974C-55F595CEAFBC}" dt="2025-03-12T20:45:19.730" v="235"/>
+          <ac:spMkLst>
+            <pc:docMk/>
+            <pc:sldMk cId="268507922" sldId="256"/>
+            <ac:spMk id="58" creationId="{49413E13-6B0A-FE8D-5FDD-C782E55319A3}"/>
+          </ac:spMkLst>
+        </pc:spChg>
+        <pc:spChg chg="mod">
+          <ac:chgData name="Gilbert, Neil" userId="37be9f5c-8f28-415b-96d6-624acf93bb3f" providerId="ADAL" clId="{AAC6EFE6-B2E4-4521-974C-55F595CEAFBC}" dt="2025-03-12T20:45:19.730" v="235"/>
+          <ac:spMkLst>
+            <pc:docMk/>
+            <pc:sldMk cId="268507922" sldId="256"/>
+            <ac:spMk id="59" creationId="{0DFA485E-16A0-908E-0D1D-801843D3BBDB}"/>
+          </ac:spMkLst>
+        </pc:spChg>
+        <pc:spChg chg="mod">
+          <ac:chgData name="Gilbert, Neil" userId="37be9f5c-8f28-415b-96d6-624acf93bb3f" providerId="ADAL" clId="{AAC6EFE6-B2E4-4521-974C-55F595CEAFBC}" dt="2025-03-12T20:45:19.730" v="235"/>
+          <ac:spMkLst>
+            <pc:docMk/>
+            <pc:sldMk cId="268507922" sldId="256"/>
+            <ac:spMk id="60" creationId="{3AA088F0-664B-F8E6-5987-030A711B2ED1}"/>
+          </ac:spMkLst>
+        </pc:spChg>
+        <pc:spChg chg="mod">
+          <ac:chgData name="Gilbert, Neil" userId="37be9f5c-8f28-415b-96d6-624acf93bb3f" providerId="ADAL" clId="{AAC6EFE6-B2E4-4521-974C-55F595CEAFBC}" dt="2025-03-12T20:45:19.730" v="235"/>
+          <ac:spMkLst>
+            <pc:docMk/>
+            <pc:sldMk cId="268507922" sldId="256"/>
+            <ac:spMk id="62" creationId="{1A30C909-7538-5A95-5442-35E8E6A23015}"/>
+          </ac:spMkLst>
+        </pc:spChg>
+        <pc:spChg chg="mod">
+          <ac:chgData name="Gilbert, Neil" userId="37be9f5c-8f28-415b-96d6-624acf93bb3f" providerId="ADAL" clId="{AAC6EFE6-B2E4-4521-974C-55F595CEAFBC}" dt="2025-03-12T20:45:19.730" v="235"/>
+          <ac:spMkLst>
+            <pc:docMk/>
+            <pc:sldMk cId="268507922" sldId="256"/>
+            <ac:spMk id="69" creationId="{AAA16069-2F61-B03F-36D0-0E1EAD4144B9}"/>
+          </ac:spMkLst>
+        </pc:spChg>
+        <pc:spChg chg="mod">
+          <ac:chgData name="Gilbert, Neil" userId="37be9f5c-8f28-415b-96d6-624acf93bb3f" providerId="ADAL" clId="{AAC6EFE6-B2E4-4521-974C-55F595CEAFBC}" dt="2025-03-12T20:45:19.730" v="235"/>
+          <ac:spMkLst>
+            <pc:docMk/>
+            <pc:sldMk cId="268507922" sldId="256"/>
+            <ac:spMk id="72" creationId="{639B4EDD-BD19-DB73-15C1-C51318E99990}"/>
+          </ac:spMkLst>
+        </pc:spChg>
+        <pc:grpChg chg="add mod">
+          <ac:chgData name="Gilbert, Neil" userId="37be9f5c-8f28-415b-96d6-624acf93bb3f" providerId="ADAL" clId="{AAC6EFE6-B2E4-4521-974C-55F595CEAFBC}" dt="2025-03-12T19:35:47.701" v="4" actId="338"/>
+          <ac:grpSpMkLst>
+            <pc:docMk/>
+            <pc:sldMk cId="268507922" sldId="256"/>
+            <ac:grpSpMk id="4" creationId="{188BA1B4-1988-DA14-0C44-C946E7143AD1}"/>
+          </ac:grpSpMkLst>
+        </pc:grpChg>
+        <pc:grpChg chg="add mod">
+          <ac:chgData name="Gilbert, Neil" userId="37be9f5c-8f28-415b-96d6-624acf93bb3f" providerId="ADAL" clId="{AAC6EFE6-B2E4-4521-974C-55F595CEAFBC}" dt="2025-03-12T19:35:47.701" v="4" actId="338"/>
+          <ac:grpSpMkLst>
+            <pc:docMk/>
+            <pc:sldMk cId="268507922" sldId="256"/>
+            <ac:grpSpMk id="6" creationId="{2CE96DB3-E46D-5453-0C34-5448918E5FBC}"/>
+          </ac:grpSpMkLst>
+        </pc:grpChg>
+        <pc:grpChg chg="add mod">
+          <ac:chgData name="Gilbert, Neil" userId="37be9f5c-8f28-415b-96d6-624acf93bb3f" providerId="ADAL" clId="{AAC6EFE6-B2E4-4521-974C-55F595CEAFBC}" dt="2025-03-12T19:36:08.665" v="78" actId="1038"/>
+          <ac:grpSpMkLst>
+            <pc:docMk/>
+            <pc:sldMk cId="268507922" sldId="256"/>
+            <ac:grpSpMk id="8" creationId="{4E6DC80E-6050-40CC-6E4F-C09794BE72F5}"/>
+          </ac:grpSpMkLst>
+        </pc:grpChg>
+        <pc:grpChg chg="add del mod">
+          <ac:chgData name="Gilbert, Neil" userId="37be9f5c-8f28-415b-96d6-624acf93bb3f" providerId="ADAL" clId="{AAC6EFE6-B2E4-4521-974C-55F595CEAFBC}" dt="2025-03-12T19:36:04.968" v="39" actId="164"/>
+          <ac:grpSpMkLst>
+            <pc:docMk/>
+            <pc:sldMk cId="268507922" sldId="256"/>
+            <ac:grpSpMk id="12" creationId="{C87824AF-F2D8-78A5-04FE-DF7715F9E3F3}"/>
+          </ac:grpSpMkLst>
+        </pc:grpChg>
+        <pc:grpChg chg="add del mod">
+          <ac:chgData name="Gilbert, Neil" userId="37be9f5c-8f28-415b-96d6-624acf93bb3f" providerId="ADAL" clId="{AAC6EFE6-B2E4-4521-974C-55F595CEAFBC}" dt="2025-03-12T20:41:42.088" v="211" actId="1076"/>
+          <ac:grpSpMkLst>
+            <pc:docMk/>
+            <pc:sldMk cId="268507922" sldId="256"/>
+            <ac:grpSpMk id="13" creationId="{BE2FEA2B-B9F6-2AF9-FC66-3B3ECF67B85F}"/>
+          </ac:grpSpMkLst>
+        </pc:grpChg>
+        <pc:grpChg chg="del">
+          <ac:chgData name="Gilbert, Neil" userId="37be9f5c-8f28-415b-96d6-624acf93bb3f" providerId="ADAL" clId="{AAC6EFE6-B2E4-4521-974C-55F595CEAFBC}" dt="2025-03-12T20:45:11.129" v="234" actId="21"/>
+          <ac:grpSpMkLst>
+            <pc:docMk/>
+            <pc:sldMk cId="268507922" sldId="256"/>
+            <ac:grpSpMk id="46" creationId="{A1910AA8-2A6E-0AC9-E048-5547216CEF90}"/>
+          </ac:grpSpMkLst>
+        </pc:grpChg>
+        <pc:picChg chg="add del mod">
+          <ac:chgData name="Gilbert, Neil" userId="37be9f5c-8f28-415b-96d6-624acf93bb3f" providerId="ADAL" clId="{AAC6EFE6-B2E4-4521-974C-55F595CEAFBC}" dt="2025-03-12T19:50:57.944" v="112" actId="478"/>
           <ac:picMkLst>
             <pc:docMk/>
-            <pc:sldMk cId="2274438376" sldId="256"/>
-            <ac:picMk id="3" creationId="{C7B2A065-A284-FC33-C5B1-BBE525EAF86A}"/>
+            <pc:sldMk cId="268507922" sldId="256"/>
+            <ac:picMk id="14" creationId="{60B053FE-50FC-F5ED-7DF2-0DC595886E0D}"/>
           </ac:picMkLst>
         </pc:picChg>
-        <pc:picChg chg="del">
-          <ac:chgData name="Gilbert, Neil" userId="37be9f5c-8f28-415b-96d6-624acf93bb3f" providerId="ADAL" clId="{58ECA877-5A44-417D-9F70-19BA7C32A50C}" dt="2024-12-12T16:15:05.209" v="18" actId="478"/>
+        <pc:picChg chg="add del mod">
+          <ac:chgData name="Gilbert, Neil" userId="37be9f5c-8f28-415b-96d6-624acf93bb3f" providerId="ADAL" clId="{AAC6EFE6-B2E4-4521-974C-55F595CEAFBC}" dt="2025-03-12T19:41:08.266" v="105" actId="478"/>
           <ac:picMkLst>
             <pc:docMk/>
-            <pc:sldMk cId="2274438376" sldId="256"/>
-            <ac:picMk id="15" creationId="{F041AB7B-E01E-E762-5A3B-0D6EACCF47DD}"/>
+            <pc:sldMk cId="268507922" sldId="256"/>
+            <ac:picMk id="16" creationId="{308027A3-F183-AFC7-DCE9-DB85B48ED166}"/>
+          </ac:picMkLst>
+        </pc:picChg>
+        <pc:picChg chg="add del mod">
+          <ac:chgData name="Gilbert, Neil" userId="37be9f5c-8f28-415b-96d6-624acf93bb3f" providerId="ADAL" clId="{AAC6EFE6-B2E4-4521-974C-55F595CEAFBC}" dt="2025-03-12T19:41:05.720" v="104" actId="478"/>
+          <ac:picMkLst>
+            <pc:docMk/>
+            <pc:sldMk cId="268507922" sldId="256"/>
+            <ac:picMk id="20" creationId="{8DF4AA4C-A34A-7F50-50B9-EAC09163134D}"/>
+          </ac:picMkLst>
+        </pc:picChg>
+        <pc:picChg chg="add del mod ord">
+          <ac:chgData name="Gilbert, Neil" userId="37be9f5c-8f28-415b-96d6-624acf93bb3f" providerId="ADAL" clId="{AAC6EFE6-B2E4-4521-974C-55F595CEAFBC}" dt="2025-03-12T20:42:28.463" v="217" actId="167"/>
+          <ac:picMkLst>
+            <pc:docMk/>
+            <pc:sldMk cId="268507922" sldId="256"/>
+            <ac:picMk id="22" creationId="{CB761BEC-76DB-B04F-2B23-6F85A797182A}"/>
+          </ac:picMkLst>
+        </pc:picChg>
+        <pc:picChg chg="add mod">
+          <ac:chgData name="Gilbert, Neil" userId="37be9f5c-8f28-415b-96d6-624acf93bb3f" providerId="ADAL" clId="{AAC6EFE6-B2E4-4521-974C-55F595CEAFBC}" dt="2025-03-12T20:44:47.932" v="231" actId="164"/>
+          <ac:picMkLst>
+            <pc:docMk/>
+            <pc:sldMk cId="268507922" sldId="256"/>
+            <ac:picMk id="24" creationId="{1FECD28D-032E-33B4-B72A-5330A4DC84C4}"/>
+          </ac:picMkLst>
+        </pc:picChg>
+        <pc:picChg chg="add del mod ord">
+          <ac:chgData name="Gilbert, Neil" userId="37be9f5c-8f28-415b-96d6-624acf93bb3f" providerId="ADAL" clId="{AAC6EFE6-B2E4-4521-974C-55F595CEAFBC}" dt="2025-03-12T20:34:11.583" v="141" actId="478"/>
+          <ac:picMkLst>
+            <pc:docMk/>
+            <pc:sldMk cId="268507922" sldId="256"/>
+            <ac:picMk id="26" creationId="{F1476748-E2F8-513E-B6DC-9EF719D5ADF0}"/>
+          </ac:picMkLst>
+        </pc:picChg>
+        <pc:picChg chg="add mod ord">
+          <ac:chgData name="Gilbert, Neil" userId="37be9f5c-8f28-415b-96d6-624acf93bb3f" providerId="ADAL" clId="{AAC6EFE6-B2E4-4521-974C-55F595CEAFBC}" dt="2025-03-12T20:45:02.200" v="233" actId="1037"/>
+          <ac:picMkLst>
+            <pc:docMk/>
+            <pc:sldMk cId="268507922" sldId="256"/>
+            <ac:picMk id="28" creationId="{EAA28EEE-CCB6-7603-5AEC-D115F0A4B0B7}"/>
+          </ac:picMkLst>
+        </pc:picChg>
+        <pc:picChg chg="del mod">
+          <ac:chgData name="Gilbert, Neil" userId="37be9f5c-8f28-415b-96d6-624acf93bb3f" providerId="ADAL" clId="{AAC6EFE6-B2E4-4521-974C-55F595CEAFBC}" dt="2025-03-12T20:13:24.883" v="124" actId="478"/>
+          <ac:picMkLst>
+            <pc:docMk/>
+            <pc:sldMk cId="268507922" sldId="256"/>
+            <ac:picMk id="31" creationId="{E718996A-2393-985D-5035-124DAB536EFB}"/>
+          </ac:picMkLst>
+        </pc:picChg>
+        <pc:picChg chg="del mod">
+          <ac:chgData name="Gilbert, Neil" userId="37be9f5c-8f28-415b-96d6-624acf93bb3f" providerId="ADAL" clId="{AAC6EFE6-B2E4-4521-974C-55F595CEAFBC}" dt="2025-03-12T19:43:00.502" v="110" actId="478"/>
+          <ac:picMkLst>
+            <pc:docMk/>
+            <pc:sldMk cId="268507922" sldId="256"/>
+            <ac:picMk id="36" creationId="{62E34BFF-2B76-3D36-FBD3-0EE7558D9C58}"/>
+          </ac:picMkLst>
+        </pc:picChg>
+        <pc:picChg chg="mod topLvl">
+          <ac:chgData name="Gilbert, Neil" userId="37be9f5c-8f28-415b-96d6-624acf93bb3f" providerId="ADAL" clId="{AAC6EFE6-B2E4-4521-974C-55F595CEAFBC}" dt="2025-03-12T20:36:51.114" v="169" actId="1076"/>
+          <ac:picMkLst>
+            <pc:docMk/>
+            <pc:sldMk cId="268507922" sldId="256"/>
+            <ac:picMk id="38" creationId="{87EBA3DF-FF8E-5AAC-DBB1-E166D7CDA0AC}"/>
+          </ac:picMkLst>
+        </pc:picChg>
+        <pc:picChg chg="mod topLvl">
+          <ac:chgData name="Gilbert, Neil" userId="37be9f5c-8f28-415b-96d6-624acf93bb3f" providerId="ADAL" clId="{AAC6EFE6-B2E4-4521-974C-55F595CEAFBC}" dt="2025-03-12T20:36:31.372" v="166" actId="1076"/>
+          <ac:picMkLst>
+            <pc:docMk/>
+            <pc:sldMk cId="268507922" sldId="256"/>
+            <ac:picMk id="39" creationId="{51ED987C-0937-D95D-F8E1-2A4F8EF9F3D7}"/>
+          </ac:picMkLst>
+        </pc:picChg>
+        <pc:picChg chg="mod topLvl">
+          <ac:chgData name="Gilbert, Neil" userId="37be9f5c-8f28-415b-96d6-624acf93bb3f" providerId="ADAL" clId="{AAC6EFE6-B2E4-4521-974C-55F595CEAFBC}" dt="2025-03-12T20:41:08.478" v="209" actId="1076"/>
+          <ac:picMkLst>
+            <pc:docMk/>
+            <pc:sldMk cId="268507922" sldId="256"/>
+            <ac:picMk id="40" creationId="{16FF750D-4091-51D2-6013-A6DDC5CB6B71}"/>
+          </ac:picMkLst>
+        </pc:picChg>
+        <pc:picChg chg="mod topLvl">
+          <ac:chgData name="Gilbert, Neil" userId="37be9f5c-8f28-415b-96d6-624acf93bb3f" providerId="ADAL" clId="{AAC6EFE6-B2E4-4521-974C-55F595CEAFBC}" dt="2025-03-12T20:36:55.332" v="170" actId="1076"/>
+          <ac:picMkLst>
+            <pc:docMk/>
+            <pc:sldMk cId="268507922" sldId="256"/>
+            <ac:picMk id="41" creationId="{6F5AFEBD-68A4-D22A-9A1F-56DCDA88B0B2}"/>
+          </ac:picMkLst>
+        </pc:picChg>
+        <pc:picChg chg="mod topLvl">
+          <ac:chgData name="Gilbert, Neil" userId="37be9f5c-8f28-415b-96d6-624acf93bb3f" providerId="ADAL" clId="{AAC6EFE6-B2E4-4521-974C-55F595CEAFBC}" dt="2025-03-12T20:36:35.811" v="167" actId="1076"/>
+          <ac:picMkLst>
+            <pc:docMk/>
+            <pc:sldMk cId="268507922" sldId="256"/>
+            <ac:picMk id="42" creationId="{362DF697-E4BF-B744-F31F-3E1FE661F785}"/>
+          </ac:picMkLst>
+        </pc:picChg>
+        <pc:picChg chg="mod topLvl">
+          <ac:chgData name="Gilbert, Neil" userId="37be9f5c-8f28-415b-96d6-624acf93bb3f" providerId="ADAL" clId="{AAC6EFE6-B2E4-4521-974C-55F595CEAFBC}" dt="2025-03-12T20:40:52.508" v="203" actId="14100"/>
+          <ac:picMkLst>
+            <pc:docMk/>
+            <pc:sldMk cId="268507922" sldId="256"/>
+            <ac:picMk id="43" creationId="{DEF1755A-474F-B06D-264A-B8A9348E1DF7}"/>
           </ac:picMkLst>
         </pc:picChg>
         <pc:cxnChg chg="mod">
-          <ac:chgData name="Gilbert, Neil" userId="37be9f5c-8f28-415b-96d6-624acf93bb3f" providerId="ADAL" clId="{58ECA877-5A44-417D-9F70-19BA7C32A50C}" dt="2024-12-12T16:15:44.729" v="42" actId="1037"/>
+          <ac:chgData name="Gilbert, Neil" userId="37be9f5c-8f28-415b-96d6-624acf93bb3f" providerId="ADAL" clId="{AAC6EFE6-B2E4-4521-974C-55F595CEAFBC}" dt="2025-03-12T20:41:49.185" v="213" actId="14100"/>
           <ac:cxnSpMkLst>
             <pc:docMk/>
-            <pc:sldMk cId="2274438376" sldId="256"/>
-            <ac:cxnSpMk id="25" creationId="{6F5D603B-0B3E-C085-59C0-21E81CD8188A}"/>
+            <pc:sldMk cId="268507922" sldId="256"/>
+            <ac:cxnSpMk id="7" creationId="{2970EB5C-D6BC-6116-67B7-1FD6E6368C40}"/>
           </ac:cxnSpMkLst>
         </pc:cxnChg>
         <pc:cxnChg chg="mod">
-          <ac:chgData name="Gilbert, Neil" userId="37be9f5c-8f28-415b-96d6-624acf93bb3f" providerId="ADAL" clId="{58ECA877-5A44-417D-9F70-19BA7C32A50C}" dt="2024-12-12T16:16:53.551" v="54" actId="1076"/>
+          <ac:chgData name="Gilbert, Neil" userId="37be9f5c-8f28-415b-96d6-624acf93bb3f" providerId="ADAL" clId="{AAC6EFE6-B2E4-4521-974C-55F595CEAFBC}" dt="2025-03-12T20:41:46.749" v="212" actId="14100"/>
           <ac:cxnSpMkLst>
             <pc:docMk/>
-            <pc:sldMk cId="2274438376" sldId="256"/>
-            <ac:cxnSpMk id="32" creationId="{76478CF5-D66A-864E-0545-754861328290}"/>
-          </ac:cxnSpMkLst>
-        </pc:cxnChg>
-        <pc:cxnChg chg="mod">
-          <ac:chgData name="Gilbert, Neil" userId="37be9f5c-8f28-415b-96d6-624acf93bb3f" providerId="ADAL" clId="{58ECA877-5A44-417D-9F70-19BA7C32A50C}" dt="2024-12-12T16:17:25.261" v="84" actId="1035"/>
-          <ac:cxnSpMkLst>
-            <pc:docMk/>
-            <pc:sldMk cId="2274438376" sldId="256"/>
-            <ac:cxnSpMk id="33" creationId="{98AF517D-BDB0-D667-6E8B-44196B779148}"/>
-          </ac:cxnSpMkLst>
-        </pc:cxnChg>
-        <pc:cxnChg chg="mod">
-          <ac:chgData name="Gilbert, Neil" userId="37be9f5c-8f28-415b-96d6-624acf93bb3f" providerId="ADAL" clId="{58ECA877-5A44-417D-9F70-19BA7C32A50C}" dt="2024-12-12T16:17:25.261" v="84" actId="1035"/>
-          <ac:cxnSpMkLst>
-            <pc:docMk/>
-            <pc:sldMk cId="2274438376" sldId="256"/>
-            <ac:cxnSpMk id="34" creationId="{67FC8DFA-9CAD-C6C3-F9B7-A30ABF8F7ADB}"/>
-          </ac:cxnSpMkLst>
-        </pc:cxnChg>
-        <pc:cxnChg chg="mod">
-          <ac:chgData name="Gilbert, Neil" userId="37be9f5c-8f28-415b-96d6-624acf93bb3f" providerId="ADAL" clId="{58ECA877-5A44-417D-9F70-19BA7C32A50C}" dt="2024-12-12T16:17:35.901" v="101" actId="1035"/>
-          <ac:cxnSpMkLst>
-            <pc:docMk/>
-            <pc:sldMk cId="2274438376" sldId="256"/>
-            <ac:cxnSpMk id="36" creationId="{AC65409D-2EEC-F363-E75B-3AAB3BE7C2C3}"/>
-          </ac:cxnSpMkLst>
-        </pc:cxnChg>
-        <pc:cxnChg chg="mod">
-          <ac:chgData name="Gilbert, Neil" userId="37be9f5c-8f28-415b-96d6-624acf93bb3f" providerId="ADAL" clId="{58ECA877-5A44-417D-9F70-19BA7C32A50C}" dt="2024-12-12T16:17:35.901" v="101" actId="1035"/>
-          <ac:cxnSpMkLst>
-            <pc:docMk/>
-            <pc:sldMk cId="2274438376" sldId="256"/>
-            <ac:cxnSpMk id="38" creationId="{112CDBEF-B5CC-55C8-1B7C-260DAB8C7DBF}"/>
-          </ac:cxnSpMkLst>
-        </pc:cxnChg>
-        <pc:cxnChg chg="mod">
-          <ac:chgData name="Gilbert, Neil" userId="37be9f5c-8f28-415b-96d6-624acf93bb3f" providerId="ADAL" clId="{58ECA877-5A44-417D-9F70-19BA7C32A50C}" dt="2024-12-12T16:17:48.737" v="122" actId="1035"/>
-          <ac:cxnSpMkLst>
-            <pc:docMk/>
-            <pc:sldMk cId="2274438376" sldId="256"/>
-            <ac:cxnSpMk id="44" creationId="{DBEB8CF1-4E26-18EC-3479-E0F67F5493C5}"/>
-          </ac:cxnSpMkLst>
-        </pc:cxnChg>
-        <pc:cxnChg chg="mod">
-          <ac:chgData name="Gilbert, Neil" userId="37be9f5c-8f28-415b-96d6-624acf93bb3f" providerId="ADAL" clId="{58ECA877-5A44-417D-9F70-19BA7C32A50C}" dt="2024-12-12T16:17:48.737" v="122" actId="1035"/>
-          <ac:cxnSpMkLst>
-            <pc:docMk/>
-            <pc:sldMk cId="2274438376" sldId="256"/>
-            <ac:cxnSpMk id="46" creationId="{292FBF20-147C-0442-D244-5CE463341BAD}"/>
+            <pc:sldMk cId="268507922" sldId="256"/>
+            <ac:cxnSpMk id="10" creationId="{F91C67C8-9674-0551-1511-03CFC21B3B1B}"/>
           </ac:cxnSpMkLst>
         </pc:cxnChg>
       </pc:sldChg>
     </pc:docChg>
   </pc:docChgLst>
   <pc:docChgLst>
-    <pc:chgData name="Gilbert, Neil" userId="37be9f5c-8f28-415b-96d6-624acf93bb3f" providerId="ADAL" clId="{545DF808-1DAB-4F9B-95AF-7EC5D35BFD0B}"/>
+    <pc:chgData name="Gilbert, Neil" userId="37be9f5c-8f28-415b-96d6-624acf93bb3f" providerId="ADAL" clId="{9561989A-6F4B-49C8-AB3D-2F38768059CC}"/>
     <pc:docChg chg="undo custSel modSld">
-      <pc:chgData name="Gilbert, Neil" userId="37be9f5c-8f28-415b-96d6-624acf93bb3f" providerId="ADAL" clId="{545DF808-1DAB-4F9B-95AF-7EC5D35BFD0B}" dt="2024-11-20T21:26:46.834" v="388" actId="1076"/>
+      <pc:chgData name="Gilbert, Neil" userId="37be9f5c-8f28-415b-96d6-624acf93bb3f" providerId="ADAL" clId="{9561989A-6F4B-49C8-AB3D-2F38768059CC}" dt="2024-11-20T21:06:27.726" v="233" actId="1076"/>
       <pc:docMkLst>
         <pc:docMk/>
       </pc:docMkLst>
       <pc:sldChg chg="addSp delSp modSp mod">
-        <pc:chgData name="Gilbert, Neil" userId="37be9f5c-8f28-415b-96d6-624acf93bb3f" providerId="ADAL" clId="{545DF808-1DAB-4F9B-95AF-7EC5D35BFD0B}" dt="2024-11-20T21:26:46.834" v="388" actId="1076"/>
+        <pc:chgData name="Gilbert, Neil" userId="37be9f5c-8f28-415b-96d6-624acf93bb3f" providerId="ADAL" clId="{9561989A-6F4B-49C8-AB3D-2F38768059CC}" dt="2024-11-20T21:06:27.726" v="233" actId="1076"/>
         <pc:sldMkLst>
           <pc:docMk/>
-          <pc:sldMk cId="2274438376" sldId="256"/>
+          <pc:sldMk cId="268507922" sldId="256"/>
         </pc:sldMkLst>
-        <pc:spChg chg="mod">
-          <ac:chgData name="Gilbert, Neil" userId="37be9f5c-8f28-415b-96d6-624acf93bb3f" providerId="ADAL" clId="{545DF808-1DAB-4F9B-95AF-7EC5D35BFD0B}" dt="2024-11-20T21:26:39.620" v="387"/>
-          <ac:spMkLst>
-            <pc:docMk/>
-            <pc:sldMk cId="2274438376" sldId="256"/>
-            <ac:spMk id="18" creationId="{09AAD42A-D1A1-5E25-0577-91BBBACCF585}"/>
-          </ac:spMkLst>
-        </pc:spChg>
-        <pc:spChg chg="mod">
-          <ac:chgData name="Gilbert, Neil" userId="37be9f5c-8f28-415b-96d6-624acf93bb3f" providerId="ADAL" clId="{545DF808-1DAB-4F9B-95AF-7EC5D35BFD0B}" dt="2024-11-20T21:26:39.620" v="387"/>
-          <ac:spMkLst>
-            <pc:docMk/>
-            <pc:sldMk cId="2274438376" sldId="256"/>
-            <ac:spMk id="20" creationId="{1B8B7562-665E-5FF8-C0FE-85FAAE7F7B07}"/>
-          </ac:spMkLst>
-        </pc:spChg>
-        <pc:spChg chg="mod">
-          <ac:chgData name="Gilbert, Neil" userId="37be9f5c-8f28-415b-96d6-624acf93bb3f" providerId="ADAL" clId="{545DF808-1DAB-4F9B-95AF-7EC5D35BFD0B}" dt="2024-11-20T21:26:39.620" v="387"/>
-          <ac:spMkLst>
-            <pc:docMk/>
-            <pc:sldMk cId="2274438376" sldId="256"/>
-            <ac:spMk id="22" creationId="{EB414946-9540-9E0E-9B47-BC41121B44B3}"/>
-          </ac:spMkLst>
-        </pc:spChg>
-        <pc:spChg chg="mod">
-          <ac:chgData name="Gilbert, Neil" userId="37be9f5c-8f28-415b-96d6-624acf93bb3f" providerId="ADAL" clId="{545DF808-1DAB-4F9B-95AF-7EC5D35BFD0B}" dt="2024-11-20T21:26:39.620" v="387"/>
-          <ac:spMkLst>
-            <pc:docMk/>
-            <pc:sldMk cId="2274438376" sldId="256"/>
-            <ac:spMk id="24" creationId="{1239E492-CCFB-8F05-3B28-1BFEA5006121}"/>
-          </ac:spMkLst>
-        </pc:spChg>
-        <pc:spChg chg="mod">
-          <ac:chgData name="Gilbert, Neil" userId="37be9f5c-8f28-415b-96d6-624acf93bb3f" providerId="ADAL" clId="{545DF808-1DAB-4F9B-95AF-7EC5D35BFD0B}" dt="2024-11-20T21:26:39.620" v="387"/>
-          <ac:spMkLst>
-            <pc:docMk/>
-            <pc:sldMk cId="2274438376" sldId="256"/>
-            <ac:spMk id="26" creationId="{C251790D-0AA1-D604-9E1B-305ABBF4338A}"/>
-          </ac:spMkLst>
-        </pc:spChg>
-        <pc:spChg chg="mod">
-          <ac:chgData name="Gilbert, Neil" userId="37be9f5c-8f28-415b-96d6-624acf93bb3f" providerId="ADAL" clId="{545DF808-1DAB-4F9B-95AF-7EC5D35BFD0B}" dt="2024-11-20T21:26:39.620" v="387"/>
-          <ac:spMkLst>
-            <pc:docMk/>
-            <pc:sldMk cId="2274438376" sldId="256"/>
-            <ac:spMk id="27" creationId="{3D717055-F7E1-719C-8D0A-03218046D726}"/>
-          </ac:spMkLst>
-        </pc:spChg>
-        <pc:spChg chg="mod">
-          <ac:chgData name="Gilbert, Neil" userId="37be9f5c-8f28-415b-96d6-624acf93bb3f" providerId="ADAL" clId="{545DF808-1DAB-4F9B-95AF-7EC5D35BFD0B}" dt="2024-11-20T21:26:39.620" v="387"/>
-          <ac:spMkLst>
-            <pc:docMk/>
-            <pc:sldMk cId="2274438376" sldId="256"/>
-            <ac:spMk id="28" creationId="{CEC6E966-7BBC-1CE5-5BCE-F2D752AF60A9}"/>
-          </ac:spMkLst>
-        </pc:spChg>
-        <pc:spChg chg="mod">
-          <ac:chgData name="Gilbert, Neil" userId="37be9f5c-8f28-415b-96d6-624acf93bb3f" providerId="ADAL" clId="{545DF808-1DAB-4F9B-95AF-7EC5D35BFD0B}" dt="2024-11-20T21:26:39.620" v="387"/>
-          <ac:spMkLst>
-            <pc:docMk/>
-            <pc:sldMk cId="2274438376" sldId="256"/>
-            <ac:spMk id="29" creationId="{13E65F7A-DDDE-FD54-FA90-672600F349E5}"/>
-          </ac:spMkLst>
-        </pc:spChg>
-        <pc:spChg chg="mod">
-          <ac:chgData name="Gilbert, Neil" userId="37be9f5c-8f28-415b-96d6-624acf93bb3f" providerId="ADAL" clId="{545DF808-1DAB-4F9B-95AF-7EC5D35BFD0B}" dt="2024-11-20T21:26:39.620" v="387"/>
-          <ac:spMkLst>
-            <pc:docMk/>
-            <pc:sldMk cId="2274438376" sldId="256"/>
-            <ac:spMk id="30" creationId="{F03526F6-5615-6765-4FB9-9F92C5EA44C4}"/>
-          </ac:spMkLst>
-        </pc:spChg>
-        <pc:spChg chg="mod">
-          <ac:chgData name="Gilbert, Neil" userId="37be9f5c-8f28-415b-96d6-624acf93bb3f" providerId="ADAL" clId="{545DF808-1DAB-4F9B-95AF-7EC5D35BFD0B}" dt="2024-11-20T21:26:39.620" v="387"/>
-          <ac:spMkLst>
-            <pc:docMk/>
-            <pc:sldMk cId="2274438376" sldId="256"/>
-            <ac:spMk id="50" creationId="{09AAD42A-D1A1-5E25-0577-91BBBACCF585}"/>
-          </ac:spMkLst>
-        </pc:spChg>
-        <pc:spChg chg="mod">
-          <ac:chgData name="Gilbert, Neil" userId="37be9f5c-8f28-415b-96d6-624acf93bb3f" providerId="ADAL" clId="{545DF808-1DAB-4F9B-95AF-7EC5D35BFD0B}" dt="2024-11-20T21:26:39.620" v="387"/>
-          <ac:spMkLst>
-            <pc:docMk/>
-            <pc:sldMk cId="2274438376" sldId="256"/>
-            <ac:spMk id="53" creationId="{1B8B7562-665E-5FF8-C0FE-85FAAE7F7B07}"/>
-          </ac:spMkLst>
-        </pc:spChg>
-        <pc:spChg chg="mod">
-          <ac:chgData name="Gilbert, Neil" userId="37be9f5c-8f28-415b-96d6-624acf93bb3f" providerId="ADAL" clId="{545DF808-1DAB-4F9B-95AF-7EC5D35BFD0B}" dt="2024-11-20T21:26:39.620" v="387"/>
-          <ac:spMkLst>
-            <pc:docMk/>
-            <pc:sldMk cId="2274438376" sldId="256"/>
-            <ac:spMk id="55" creationId="{EB414946-9540-9E0E-9B47-BC41121B44B3}"/>
-          </ac:spMkLst>
-        </pc:spChg>
-        <pc:spChg chg="mod">
-          <ac:chgData name="Gilbert, Neil" userId="37be9f5c-8f28-415b-96d6-624acf93bb3f" providerId="ADAL" clId="{545DF808-1DAB-4F9B-95AF-7EC5D35BFD0B}" dt="2024-11-20T21:26:39.620" v="387"/>
-          <ac:spMkLst>
-            <pc:docMk/>
-            <pc:sldMk cId="2274438376" sldId="256"/>
-            <ac:spMk id="80" creationId="{A3E5B1CD-16C2-E3C8-5385-FCD882A55351}"/>
-          </ac:spMkLst>
-        </pc:spChg>
-        <pc:spChg chg="mod">
-          <ac:chgData name="Gilbert, Neil" userId="37be9f5c-8f28-415b-96d6-624acf93bb3f" providerId="ADAL" clId="{545DF808-1DAB-4F9B-95AF-7EC5D35BFD0B}" dt="2024-11-20T21:26:39.620" v="387"/>
-          <ac:spMkLst>
-            <pc:docMk/>
-            <pc:sldMk cId="2274438376" sldId="256"/>
-            <ac:spMk id="82" creationId="{D6AACA2C-D4C9-BF68-1243-C4F5FE95E9E8}"/>
-          </ac:spMkLst>
-        </pc:spChg>
-        <pc:spChg chg="mod">
-          <ac:chgData name="Gilbert, Neil" userId="37be9f5c-8f28-415b-96d6-624acf93bb3f" providerId="ADAL" clId="{545DF808-1DAB-4F9B-95AF-7EC5D35BFD0B}" dt="2024-11-20T21:26:39.620" v="387"/>
-          <ac:spMkLst>
-            <pc:docMk/>
-            <pc:sldMk cId="2274438376" sldId="256"/>
-            <ac:spMk id="83" creationId="{EA2EF6E1-1B81-0DD3-F308-C4DD645CD0AC}"/>
-          </ac:spMkLst>
-        </pc:spChg>
-        <pc:spChg chg="mod">
-          <ac:chgData name="Gilbert, Neil" userId="37be9f5c-8f28-415b-96d6-624acf93bb3f" providerId="ADAL" clId="{545DF808-1DAB-4F9B-95AF-7EC5D35BFD0B}" dt="2024-11-20T21:26:39.620" v="387"/>
-          <ac:spMkLst>
-            <pc:docMk/>
-            <pc:sldMk cId="2274438376" sldId="256"/>
-            <ac:spMk id="84" creationId="{A3E5B1CD-16C2-E3C8-5385-FCD882A55351}"/>
-          </ac:spMkLst>
-        </pc:spChg>
-        <pc:spChg chg="mod">
-          <ac:chgData name="Gilbert, Neil" userId="37be9f5c-8f28-415b-96d6-624acf93bb3f" providerId="ADAL" clId="{545DF808-1DAB-4F9B-95AF-7EC5D35BFD0B}" dt="2024-11-20T21:26:39.620" v="387"/>
-          <ac:spMkLst>
-            <pc:docMk/>
-            <pc:sldMk cId="2274438376" sldId="256"/>
-            <ac:spMk id="86" creationId="{D6AACA2C-D4C9-BF68-1243-C4F5FE95E9E8}"/>
-          </ac:spMkLst>
-        </pc:spChg>
-        <pc:spChg chg="mod">
-          <ac:chgData name="Gilbert, Neil" userId="37be9f5c-8f28-415b-96d6-624acf93bb3f" providerId="ADAL" clId="{545DF808-1DAB-4F9B-95AF-7EC5D35BFD0B}" dt="2024-11-20T21:26:39.620" v="387"/>
-          <ac:spMkLst>
-            <pc:docMk/>
-            <pc:sldMk cId="2274438376" sldId="256"/>
-            <ac:spMk id="87" creationId="{EA2EF6E1-1B81-0DD3-F308-C4DD645CD0AC}"/>
-          </ac:spMkLst>
-        </pc:spChg>
-        <pc:grpChg chg="add mod">
-          <ac:chgData name="Gilbert, Neil" userId="37be9f5c-8f28-415b-96d6-624acf93bb3f" providerId="ADAL" clId="{545DF808-1DAB-4F9B-95AF-7EC5D35BFD0B}" dt="2024-11-20T21:26:46.834" v="388" actId="1076"/>
-          <ac:grpSpMkLst>
-            <pc:docMk/>
-            <pc:sldMk cId="2274438376" sldId="256"/>
-            <ac:grpSpMk id="14" creationId="{50ADBE48-36C7-F418-32B1-54CC27C7D0D7}"/>
-          </ac:grpSpMkLst>
-        </pc:grpChg>
-        <pc:grpChg chg="mod">
-          <ac:chgData name="Gilbert, Neil" userId="37be9f5c-8f28-415b-96d6-624acf93bb3f" providerId="ADAL" clId="{545DF808-1DAB-4F9B-95AF-7EC5D35BFD0B}" dt="2024-11-20T21:26:39.620" v="387"/>
-          <ac:grpSpMkLst>
-            <pc:docMk/>
-            <pc:sldMk cId="2274438376" sldId="256"/>
-            <ac:grpSpMk id="17" creationId="{FA916D9B-43AC-AD47-46C0-36529DEF91C0}"/>
-          </ac:grpSpMkLst>
-        </pc:grpChg>
-        <pc:grpChg chg="mod">
-          <ac:chgData name="Gilbert, Neil" userId="37be9f5c-8f28-415b-96d6-624acf93bb3f" providerId="ADAL" clId="{545DF808-1DAB-4F9B-95AF-7EC5D35BFD0B}" dt="2024-11-20T21:26:39.620" v="387"/>
-          <ac:grpSpMkLst>
-            <pc:docMk/>
-            <pc:sldMk cId="2274438376" sldId="256"/>
-            <ac:grpSpMk id="31" creationId="{337567D1-27BE-6AD9-C41B-917F986071A3}"/>
-          </ac:grpSpMkLst>
-        </pc:grpChg>
-        <pc:grpChg chg="mod">
-          <ac:chgData name="Gilbert, Neil" userId="37be9f5c-8f28-415b-96d6-624acf93bb3f" providerId="ADAL" clId="{545DF808-1DAB-4F9B-95AF-7EC5D35BFD0B}" dt="2024-11-20T21:26:39.620" v="387"/>
-          <ac:grpSpMkLst>
-            <pc:docMk/>
-            <pc:sldMk cId="2274438376" sldId="256"/>
-            <ac:grpSpMk id="47" creationId="{FA916D9B-43AC-AD47-46C0-36529DEF91C0}"/>
-          </ac:grpSpMkLst>
-        </pc:grpChg>
-        <pc:picChg chg="mod">
-          <ac:chgData name="Gilbert, Neil" userId="37be9f5c-8f28-415b-96d6-624acf93bb3f" providerId="ADAL" clId="{545DF808-1DAB-4F9B-95AF-7EC5D35BFD0B}" dt="2024-11-20T21:26:39.620" v="387"/>
-          <ac:picMkLst>
-            <pc:docMk/>
-            <pc:sldMk cId="2274438376" sldId="256"/>
-            <ac:picMk id="16" creationId="{CA051D8C-76F8-3D6B-6ABA-A299280F8CB7}"/>
-          </ac:picMkLst>
-        </pc:picChg>
-        <pc:cxnChg chg="mod">
-          <ac:chgData name="Gilbert, Neil" userId="37be9f5c-8f28-415b-96d6-624acf93bb3f" providerId="ADAL" clId="{545DF808-1DAB-4F9B-95AF-7EC5D35BFD0B}" dt="2024-11-20T21:26:39.620" v="387"/>
-          <ac:cxnSpMkLst>
-            <pc:docMk/>
-            <pc:sldMk cId="2274438376" sldId="256"/>
-            <ac:cxnSpMk id="19" creationId="{0A524109-64A2-2325-DAB9-FE4544E7083E}"/>
-          </ac:cxnSpMkLst>
-        </pc:cxnChg>
-        <pc:cxnChg chg="mod">
-          <ac:chgData name="Gilbert, Neil" userId="37be9f5c-8f28-415b-96d6-624acf93bb3f" providerId="ADAL" clId="{545DF808-1DAB-4F9B-95AF-7EC5D35BFD0B}" dt="2024-11-20T21:26:39.620" v="387"/>
-          <ac:cxnSpMkLst>
-            <pc:docMk/>
-            <pc:sldMk cId="2274438376" sldId="256"/>
-            <ac:cxnSpMk id="21" creationId="{7298496A-F513-3746-8EEB-89A12FF3847E}"/>
-          </ac:cxnSpMkLst>
-        </pc:cxnChg>
-        <pc:cxnChg chg="mod">
-          <ac:chgData name="Gilbert, Neil" userId="37be9f5c-8f28-415b-96d6-624acf93bb3f" providerId="ADAL" clId="{545DF808-1DAB-4F9B-95AF-7EC5D35BFD0B}" dt="2024-11-20T21:26:39.620" v="387"/>
-          <ac:cxnSpMkLst>
-            <pc:docMk/>
-            <pc:sldMk cId="2274438376" sldId="256"/>
-            <ac:cxnSpMk id="23" creationId="{5A217284-653D-DA4B-FD1C-4F11427E0D49}"/>
-          </ac:cxnSpMkLst>
-        </pc:cxnChg>
-        <pc:cxnChg chg="mod">
-          <ac:chgData name="Gilbert, Neil" userId="37be9f5c-8f28-415b-96d6-624acf93bb3f" providerId="ADAL" clId="{545DF808-1DAB-4F9B-95AF-7EC5D35BFD0B}" dt="2024-11-20T21:26:39.620" v="387"/>
-          <ac:cxnSpMkLst>
-            <pc:docMk/>
-            <pc:sldMk cId="2274438376" sldId="256"/>
-            <ac:cxnSpMk id="25" creationId="{6F5D603B-0B3E-C085-59C0-21E81CD8188A}"/>
-          </ac:cxnSpMkLst>
-        </pc:cxnChg>
-        <pc:cxnChg chg="mod">
-          <ac:chgData name="Gilbert, Neil" userId="37be9f5c-8f28-415b-96d6-624acf93bb3f" providerId="ADAL" clId="{545DF808-1DAB-4F9B-95AF-7EC5D35BFD0B}" dt="2024-11-20T21:26:39.620" v="387"/>
-          <ac:cxnSpMkLst>
-            <pc:docMk/>
-            <pc:sldMk cId="2274438376" sldId="256"/>
-            <ac:cxnSpMk id="32" creationId="{76478CF5-D66A-864E-0545-754861328290}"/>
-          </ac:cxnSpMkLst>
-        </pc:cxnChg>
-        <pc:cxnChg chg="mod">
-          <ac:chgData name="Gilbert, Neil" userId="37be9f5c-8f28-415b-96d6-624acf93bb3f" providerId="ADAL" clId="{545DF808-1DAB-4F9B-95AF-7EC5D35BFD0B}" dt="2024-11-20T21:26:39.620" v="387"/>
-          <ac:cxnSpMkLst>
-            <pc:docMk/>
-            <pc:sldMk cId="2274438376" sldId="256"/>
-            <ac:cxnSpMk id="33" creationId="{98AF517D-BDB0-D667-6E8B-44196B779148}"/>
-          </ac:cxnSpMkLst>
-        </pc:cxnChg>
-        <pc:cxnChg chg="mod">
-          <ac:chgData name="Gilbert, Neil" userId="37be9f5c-8f28-415b-96d6-624acf93bb3f" providerId="ADAL" clId="{545DF808-1DAB-4F9B-95AF-7EC5D35BFD0B}" dt="2024-11-20T21:26:39.620" v="387"/>
-          <ac:cxnSpMkLst>
-            <pc:docMk/>
-            <pc:sldMk cId="2274438376" sldId="256"/>
-            <ac:cxnSpMk id="34" creationId="{67FC8DFA-9CAD-C6C3-F9B7-A30ABF8F7ADB}"/>
-          </ac:cxnSpMkLst>
-        </pc:cxnChg>
-        <pc:cxnChg chg="mod">
-          <ac:chgData name="Gilbert, Neil" userId="37be9f5c-8f28-415b-96d6-624acf93bb3f" providerId="ADAL" clId="{545DF808-1DAB-4F9B-95AF-7EC5D35BFD0B}" dt="2024-11-20T21:26:39.620" v="387"/>
-          <ac:cxnSpMkLst>
-            <pc:docMk/>
-            <pc:sldMk cId="2274438376" sldId="256"/>
-            <ac:cxnSpMk id="36" creationId="{AC65409D-2EEC-F363-E75B-3AAB3BE7C2C3}"/>
-          </ac:cxnSpMkLst>
-        </pc:cxnChg>
-        <pc:cxnChg chg="mod">
-          <ac:chgData name="Gilbert, Neil" userId="37be9f5c-8f28-415b-96d6-624acf93bb3f" providerId="ADAL" clId="{545DF808-1DAB-4F9B-95AF-7EC5D35BFD0B}" dt="2024-11-20T21:26:39.620" v="387"/>
-          <ac:cxnSpMkLst>
-            <pc:docMk/>
-            <pc:sldMk cId="2274438376" sldId="256"/>
-            <ac:cxnSpMk id="38" creationId="{112CDBEF-B5CC-55C8-1B7C-260DAB8C7DBF}"/>
-          </ac:cxnSpMkLst>
-        </pc:cxnChg>
-        <pc:cxnChg chg="mod">
-          <ac:chgData name="Gilbert, Neil" userId="37be9f5c-8f28-415b-96d6-624acf93bb3f" providerId="ADAL" clId="{545DF808-1DAB-4F9B-95AF-7EC5D35BFD0B}" dt="2024-11-20T21:26:39.620" v="387"/>
-          <ac:cxnSpMkLst>
-            <pc:docMk/>
-            <pc:sldMk cId="2274438376" sldId="256"/>
-            <ac:cxnSpMk id="44" creationId="{DBEB8CF1-4E26-18EC-3479-E0F67F5493C5}"/>
-          </ac:cxnSpMkLst>
-        </pc:cxnChg>
-        <pc:cxnChg chg="mod">
-          <ac:chgData name="Gilbert, Neil" userId="37be9f5c-8f28-415b-96d6-624acf93bb3f" providerId="ADAL" clId="{545DF808-1DAB-4F9B-95AF-7EC5D35BFD0B}" dt="2024-11-20T21:26:39.620" v="387"/>
-          <ac:cxnSpMkLst>
-            <pc:docMk/>
-            <pc:sldMk cId="2274438376" sldId="256"/>
-            <ac:cxnSpMk id="46" creationId="{292FBF20-147C-0442-D244-5CE463341BAD}"/>
-          </ac:cxnSpMkLst>
-        </pc:cxnChg>
-        <pc:cxnChg chg="mod">
-          <ac:chgData name="Gilbert, Neil" userId="37be9f5c-8f28-415b-96d6-624acf93bb3f" providerId="ADAL" clId="{545DF808-1DAB-4F9B-95AF-7EC5D35BFD0B}" dt="2024-11-20T21:26:39.620" v="387"/>
-          <ac:cxnSpMkLst>
-            <pc:docMk/>
-            <pc:sldMk cId="2274438376" sldId="256"/>
-            <ac:cxnSpMk id="52" creationId="{0A524109-64A2-2325-DAB9-FE4544E7083E}"/>
-          </ac:cxnSpMkLst>
-        </pc:cxnChg>
-        <pc:cxnChg chg="mod">
-          <ac:chgData name="Gilbert, Neil" userId="37be9f5c-8f28-415b-96d6-624acf93bb3f" providerId="ADAL" clId="{545DF808-1DAB-4F9B-95AF-7EC5D35BFD0B}" dt="2024-11-20T21:26:39.620" v="387"/>
-          <ac:cxnSpMkLst>
-            <pc:docMk/>
-            <pc:sldMk cId="2274438376" sldId="256"/>
-            <ac:cxnSpMk id="81" creationId="{843ACF6E-7305-40F1-596A-1B0D2B153F97}"/>
-          </ac:cxnSpMkLst>
-        </pc:cxnChg>
-        <pc:cxnChg chg="mod">
-          <ac:chgData name="Gilbert, Neil" userId="37be9f5c-8f28-415b-96d6-624acf93bb3f" providerId="ADAL" clId="{545DF808-1DAB-4F9B-95AF-7EC5D35BFD0B}" dt="2024-11-20T21:26:39.620" v="387"/>
-          <ac:cxnSpMkLst>
-            <pc:docMk/>
-            <pc:sldMk cId="2274438376" sldId="256"/>
-            <ac:cxnSpMk id="85" creationId="{843ACF6E-7305-40F1-596A-1B0D2B153F97}"/>
-          </ac:cxnSpMkLst>
-        </pc:cxnChg>
-        <pc:cxnChg chg="mod">
-          <ac:chgData name="Gilbert, Neil" userId="37be9f5c-8f28-415b-96d6-624acf93bb3f" providerId="ADAL" clId="{545DF808-1DAB-4F9B-95AF-7EC5D35BFD0B}" dt="2024-11-20T21:26:39.620" v="387"/>
-          <ac:cxnSpMkLst>
-            <pc:docMk/>
-            <pc:sldMk cId="2274438376" sldId="256"/>
-            <ac:cxnSpMk id="88" creationId="{647BC4FB-6118-925C-BD58-63D01493DE54}"/>
-          </ac:cxnSpMkLst>
-        </pc:cxnChg>
-        <pc:cxnChg chg="mod">
-          <ac:chgData name="Gilbert, Neil" userId="37be9f5c-8f28-415b-96d6-624acf93bb3f" providerId="ADAL" clId="{545DF808-1DAB-4F9B-95AF-7EC5D35BFD0B}" dt="2024-11-20T21:26:39.620" v="387"/>
-          <ac:cxnSpMkLst>
-            <pc:docMk/>
-            <pc:sldMk cId="2274438376" sldId="256"/>
-            <ac:cxnSpMk id="89" creationId="{CC2D9442-039B-3FE0-4D4C-BF897A051003}"/>
-          </ac:cxnSpMkLst>
-        </pc:cxnChg>
       </pc:sldChg>
     </pc:docChg>
   </pc:docChgLst>
@@ -629,15 +565,15 @@
         </p:nvSpPr>
         <p:spPr>
           <a:xfrm>
-            <a:off x="493752" y="1077416"/>
-            <a:ext cx="5595859" cy="2291986"/>
+            <a:off x="685800" y="561182"/>
+            <a:ext cx="4114800" cy="1193800"/>
           </a:xfrm>
         </p:spPr>
         <p:txBody>
           <a:bodyPr anchor="b"/>
           <a:lstStyle>
             <a:lvl1pPr algn="ctr">
-              <a:defRPr sz="4320"/>
+              <a:defRPr sz="2700"/>
             </a:lvl1pPr>
           </a:lstStyle>
           <a:p>
@@ -661,8 +597,8 @@
         </p:nvSpPr>
         <p:spPr>
           <a:xfrm>
-            <a:off x="822921" y="3457790"/>
-            <a:ext cx="4937522" cy="1589455"/>
+            <a:off x="685800" y="1801019"/>
+            <a:ext cx="4114800" cy="827881"/>
           </a:xfrm>
         </p:spPr>
         <p:txBody>
@@ -670,39 +606,39 @@
           <a:lstStyle>
             <a:lvl1pPr marL="0" indent="0" algn="ctr">
               <a:buNone/>
-              <a:defRPr sz="1728"/>
+              <a:defRPr sz="1080"/>
             </a:lvl1pPr>
-            <a:lvl2pPr marL="329184" indent="0" algn="ctr">
-              <a:buNone/>
-              <a:defRPr sz="1440"/>
+            <a:lvl2pPr marL="205740" indent="0" algn="ctr">
+              <a:buNone/>
+              <a:defRPr sz="900"/>
             </a:lvl2pPr>
-            <a:lvl3pPr marL="658368" indent="0" algn="ctr">
-              <a:buNone/>
-              <a:defRPr sz="1296"/>
+            <a:lvl3pPr marL="411480" indent="0" algn="ctr">
+              <a:buNone/>
+              <a:defRPr sz="810"/>
             </a:lvl3pPr>
-            <a:lvl4pPr marL="987552" indent="0" algn="ctr">
-              <a:buNone/>
-              <a:defRPr sz="1152"/>
+            <a:lvl4pPr marL="617220" indent="0" algn="ctr">
+              <a:buNone/>
+              <a:defRPr sz="720"/>
             </a:lvl4pPr>
-            <a:lvl5pPr marL="1316736" indent="0" algn="ctr">
-              <a:buNone/>
-              <a:defRPr sz="1152"/>
+            <a:lvl5pPr marL="822960" indent="0" algn="ctr">
+              <a:buNone/>
+              <a:defRPr sz="720"/>
             </a:lvl5pPr>
-            <a:lvl6pPr marL="1645920" indent="0" algn="ctr">
-              <a:buNone/>
-              <a:defRPr sz="1152"/>
+            <a:lvl6pPr marL="1028700" indent="0" algn="ctr">
+              <a:buNone/>
+              <a:defRPr sz="720"/>
             </a:lvl6pPr>
-            <a:lvl7pPr marL="1975104" indent="0" algn="ctr">
-              <a:buNone/>
-              <a:defRPr sz="1152"/>
+            <a:lvl7pPr marL="1234440" indent="0" algn="ctr">
+              <a:buNone/>
+              <a:defRPr sz="720"/>
             </a:lvl7pPr>
-            <a:lvl8pPr marL="2304288" indent="0" algn="ctr">
-              <a:buNone/>
-              <a:defRPr sz="1152"/>
+            <a:lvl8pPr marL="1440180" indent="0" algn="ctr">
+              <a:buNone/>
+              <a:defRPr sz="720"/>
             </a:lvl8pPr>
-            <a:lvl9pPr marL="2633472" indent="0" algn="ctr">
-              <a:buNone/>
-              <a:defRPr sz="1152"/>
+            <a:lvl9pPr marL="1645920" indent="0" algn="ctr">
+              <a:buNone/>
+              <a:defRPr sz="720"/>
             </a:lvl9pPr>
           </a:lstStyle>
           <a:p>
@@ -729,9 +665,9 @@
           <a:bodyPr/>
           <a:lstStyle/>
           <a:p>
-            <a:fld id="{0060E5B6-8B05-4C07-AEFE-0C95C3CF4001}" type="datetimeFigureOut">
+            <a:fld id="{2F68B2EA-A892-46A1-BEA1-475FA51A3827}" type="datetimeFigureOut">
               <a:rPr lang="en-US" smtClean="0"/>
-              <a:t>12/12/2024</a:t>
+              <a:t>4/2/2025</a:t>
             </a:fld>
             <a:endParaRPr lang="en-US"/>
           </a:p>
@@ -771,7 +707,7 @@
           <a:bodyPr/>
           <a:lstStyle/>
           <a:p>
-            <a:fld id="{9ECB011B-60C2-46EE-93A4-BC5B21DFDCCB}" type="slidenum">
+            <a:fld id="{2A28BFE2-CB1D-463F-B270-B73A55D9BF53}" type="slidenum">
               <a:rPr lang="en-US" smtClean="0"/>
               <a:t>‹#›</a:t>
             </a:fld>
@@ -782,7 +718,7 @@
     </p:spTree>
     <p:extLst>
       <p:ext uri="{BB962C8B-B14F-4D97-AF65-F5344CB8AC3E}">
-        <p14:creationId xmlns:p14="http://schemas.microsoft.com/office/powerpoint/2010/main" val="2343901786"/>
+        <p14:creationId xmlns:p14="http://schemas.microsoft.com/office/powerpoint/2010/main" val="931351841"/>
       </p:ext>
     </p:extLst>
   </p:cSld>
@@ -899,9 +835,9 @@
           <a:bodyPr/>
           <a:lstStyle/>
           <a:p>
-            <a:fld id="{0060E5B6-8B05-4C07-AEFE-0C95C3CF4001}" type="datetimeFigureOut">
+            <a:fld id="{2F68B2EA-A892-46A1-BEA1-475FA51A3827}" type="datetimeFigureOut">
               <a:rPr lang="en-US" smtClean="0"/>
-              <a:t>12/12/2024</a:t>
+              <a:t>4/2/2025</a:t>
             </a:fld>
             <a:endParaRPr lang="en-US"/>
           </a:p>
@@ -941,7 +877,7 @@
           <a:bodyPr/>
           <a:lstStyle/>
           <a:p>
-            <a:fld id="{9ECB011B-60C2-46EE-93A4-BC5B21DFDCCB}" type="slidenum">
+            <a:fld id="{2A28BFE2-CB1D-463F-B270-B73A55D9BF53}" type="slidenum">
               <a:rPr lang="en-US" smtClean="0"/>
               <a:t>‹#›</a:t>
             </a:fld>
@@ -952,7 +888,7 @@
     </p:spTree>
     <p:extLst>
       <p:ext uri="{BB962C8B-B14F-4D97-AF65-F5344CB8AC3E}">
-        <p14:creationId xmlns:p14="http://schemas.microsoft.com/office/powerpoint/2010/main" val="1674816737"/>
+        <p14:creationId xmlns:p14="http://schemas.microsoft.com/office/powerpoint/2010/main" val="2419956755"/>
       </p:ext>
     </p:extLst>
   </p:cSld>
@@ -991,8 +927,8 @@
         </p:nvSpPr>
         <p:spPr>
           <a:xfrm>
-            <a:off x="4711219" y="350503"/>
-            <a:ext cx="1419538" cy="5579096"/>
+            <a:off x="3926205" y="182563"/>
+            <a:ext cx="1183005" cy="2905919"/>
           </a:xfrm>
         </p:spPr>
         <p:txBody>
@@ -1019,8 +955,8 @@
         </p:nvSpPr>
         <p:spPr>
           <a:xfrm>
-            <a:off x="452607" y="350503"/>
-            <a:ext cx="4176321" cy="5579096"/>
+            <a:off x="377190" y="182563"/>
+            <a:ext cx="3480435" cy="2905919"/>
           </a:xfrm>
         </p:spPr>
         <p:txBody>
@@ -1079,9 +1015,9 @@
           <a:bodyPr/>
           <a:lstStyle/>
           <a:p>
-            <a:fld id="{0060E5B6-8B05-4C07-AEFE-0C95C3CF4001}" type="datetimeFigureOut">
+            <a:fld id="{2F68B2EA-A892-46A1-BEA1-475FA51A3827}" type="datetimeFigureOut">
               <a:rPr lang="en-US" smtClean="0"/>
-              <a:t>12/12/2024</a:t>
+              <a:t>4/2/2025</a:t>
             </a:fld>
             <a:endParaRPr lang="en-US"/>
           </a:p>
@@ -1121,7 +1057,7 @@
           <a:bodyPr/>
           <a:lstStyle/>
           <a:p>
-            <a:fld id="{9ECB011B-60C2-46EE-93A4-BC5B21DFDCCB}" type="slidenum">
+            <a:fld id="{2A28BFE2-CB1D-463F-B270-B73A55D9BF53}" type="slidenum">
               <a:rPr lang="en-US" smtClean="0"/>
               <a:t>‹#›</a:t>
             </a:fld>
@@ -1132,7 +1068,7 @@
     </p:spTree>
     <p:extLst>
       <p:ext uri="{BB962C8B-B14F-4D97-AF65-F5344CB8AC3E}">
-        <p14:creationId xmlns:p14="http://schemas.microsoft.com/office/powerpoint/2010/main" val="2442794133"/>
+        <p14:creationId xmlns:p14="http://schemas.microsoft.com/office/powerpoint/2010/main" val="3162056335"/>
       </p:ext>
     </p:extLst>
   </p:cSld>
@@ -1249,9 +1185,9 @@
           <a:bodyPr/>
           <a:lstStyle/>
           <a:p>
-            <a:fld id="{0060E5B6-8B05-4C07-AEFE-0C95C3CF4001}" type="datetimeFigureOut">
+            <a:fld id="{2F68B2EA-A892-46A1-BEA1-475FA51A3827}" type="datetimeFigureOut">
               <a:rPr lang="en-US" smtClean="0"/>
-              <a:t>12/12/2024</a:t>
+              <a:t>4/2/2025</a:t>
             </a:fld>
             <a:endParaRPr lang="en-US"/>
           </a:p>
@@ -1291,7 +1227,7 @@
           <a:bodyPr/>
           <a:lstStyle/>
           <a:p>
-            <a:fld id="{9ECB011B-60C2-46EE-93A4-BC5B21DFDCCB}" type="slidenum">
+            <a:fld id="{2A28BFE2-CB1D-463F-B270-B73A55D9BF53}" type="slidenum">
               <a:rPr lang="en-US" smtClean="0"/>
               <a:t>‹#›</a:t>
             </a:fld>
@@ -1302,7 +1238,7 @@
     </p:spTree>
     <p:extLst>
       <p:ext uri="{BB962C8B-B14F-4D97-AF65-F5344CB8AC3E}">
-        <p14:creationId xmlns:p14="http://schemas.microsoft.com/office/powerpoint/2010/main" val="3435933218"/>
+        <p14:creationId xmlns:p14="http://schemas.microsoft.com/office/powerpoint/2010/main" val="1292214340"/>
       </p:ext>
     </p:extLst>
   </p:cSld>
@@ -1341,15 +1277,15 @@
         </p:nvSpPr>
         <p:spPr>
           <a:xfrm>
-            <a:off x="449178" y="1641271"/>
-            <a:ext cx="5678151" cy="2738496"/>
+            <a:off x="374333" y="854869"/>
+            <a:ext cx="4732020" cy="1426369"/>
           </a:xfrm>
         </p:spPr>
         <p:txBody>
           <a:bodyPr anchor="b"/>
           <a:lstStyle>
             <a:lvl1pPr>
-              <a:defRPr sz="4320"/>
+              <a:defRPr sz="2700"/>
             </a:lvl1pPr>
           </a:lstStyle>
           <a:p>
@@ -1373,8 +1309,8 @@
         </p:nvSpPr>
         <p:spPr>
           <a:xfrm>
-            <a:off x="449178" y="4405674"/>
-            <a:ext cx="5678151" cy="1440110"/>
+            <a:off x="374333" y="2294732"/>
+            <a:ext cx="4732020" cy="750094"/>
           </a:xfrm>
         </p:spPr>
         <p:txBody>
@@ -1382,7 +1318,7 @@
           <a:lstStyle>
             <a:lvl1pPr marL="0" indent="0">
               <a:buNone/>
-              <a:defRPr sz="1728">
+              <a:defRPr sz="1080">
                 <a:solidFill>
                   <a:schemeClr val="tx1">
                     <a:tint val="82000"/>
@@ -1390,9 +1326,9 @@
                 </a:solidFill>
               </a:defRPr>
             </a:lvl1pPr>
-            <a:lvl2pPr marL="329184" indent="0">
-              <a:buNone/>
-              <a:defRPr sz="1440">
+            <a:lvl2pPr marL="205740" indent="0">
+              <a:buNone/>
+              <a:defRPr sz="900">
                 <a:solidFill>
                   <a:schemeClr val="tx1">
                     <a:tint val="82000"/>
@@ -1400,9 +1336,9 @@
                 </a:solidFill>
               </a:defRPr>
             </a:lvl2pPr>
-            <a:lvl3pPr marL="658368" indent="0">
-              <a:buNone/>
-              <a:defRPr sz="1296">
+            <a:lvl3pPr marL="411480" indent="0">
+              <a:buNone/>
+              <a:defRPr sz="810">
                 <a:solidFill>
                   <a:schemeClr val="tx1">
                     <a:tint val="82000"/>
@@ -1410,9 +1346,9 @@
                 </a:solidFill>
               </a:defRPr>
             </a:lvl3pPr>
-            <a:lvl4pPr marL="987552" indent="0">
-              <a:buNone/>
-              <a:defRPr sz="1152">
+            <a:lvl4pPr marL="617220" indent="0">
+              <a:buNone/>
+              <a:defRPr sz="720">
                 <a:solidFill>
                   <a:schemeClr val="tx1">
                     <a:tint val="82000"/>
@@ -1420,9 +1356,9 @@
                 </a:solidFill>
               </a:defRPr>
             </a:lvl4pPr>
-            <a:lvl5pPr marL="1316736" indent="0">
-              <a:buNone/>
-              <a:defRPr sz="1152">
+            <a:lvl5pPr marL="822960" indent="0">
+              <a:buNone/>
+              <a:defRPr sz="720">
                 <a:solidFill>
                   <a:schemeClr val="tx1">
                     <a:tint val="82000"/>
@@ -1430,9 +1366,9 @@
                 </a:solidFill>
               </a:defRPr>
             </a:lvl5pPr>
-            <a:lvl6pPr marL="1645920" indent="0">
-              <a:buNone/>
-              <a:defRPr sz="1152">
+            <a:lvl6pPr marL="1028700" indent="0">
+              <a:buNone/>
+              <a:defRPr sz="720">
                 <a:solidFill>
                   <a:schemeClr val="tx1">
                     <a:tint val="82000"/>
@@ -1440,9 +1376,9 @@
                 </a:solidFill>
               </a:defRPr>
             </a:lvl6pPr>
-            <a:lvl7pPr marL="1975104" indent="0">
-              <a:buNone/>
-              <a:defRPr sz="1152">
+            <a:lvl7pPr marL="1234440" indent="0">
+              <a:buNone/>
+              <a:defRPr sz="720">
                 <a:solidFill>
                   <a:schemeClr val="tx1">
                     <a:tint val="82000"/>
@@ -1450,9 +1386,9 @@
                 </a:solidFill>
               </a:defRPr>
             </a:lvl7pPr>
-            <a:lvl8pPr marL="2304288" indent="0">
-              <a:buNone/>
-              <a:defRPr sz="1152">
+            <a:lvl8pPr marL="1440180" indent="0">
+              <a:buNone/>
+              <a:defRPr sz="720">
                 <a:solidFill>
                   <a:schemeClr val="tx1">
                     <a:tint val="82000"/>
@@ -1460,9 +1396,9 @@
                 </a:solidFill>
               </a:defRPr>
             </a:lvl8pPr>
-            <a:lvl9pPr marL="2633472" indent="0">
-              <a:buNone/>
-              <a:defRPr sz="1152">
+            <a:lvl9pPr marL="1645920" indent="0">
+              <a:buNone/>
+              <a:defRPr sz="720">
                 <a:solidFill>
                   <a:schemeClr val="tx1">
                     <a:tint val="82000"/>
@@ -1495,9 +1431,9 @@
           <a:bodyPr/>
           <a:lstStyle/>
           <a:p>
-            <a:fld id="{0060E5B6-8B05-4C07-AEFE-0C95C3CF4001}" type="datetimeFigureOut">
+            <a:fld id="{2F68B2EA-A892-46A1-BEA1-475FA51A3827}" type="datetimeFigureOut">
               <a:rPr lang="en-US" smtClean="0"/>
-              <a:t>12/12/2024</a:t>
+              <a:t>4/2/2025</a:t>
             </a:fld>
             <a:endParaRPr lang="en-US"/>
           </a:p>
@@ -1537,7 +1473,7 @@
           <a:bodyPr/>
           <a:lstStyle/>
           <a:p>
-            <a:fld id="{9ECB011B-60C2-46EE-93A4-BC5B21DFDCCB}" type="slidenum">
+            <a:fld id="{2A28BFE2-CB1D-463F-B270-B73A55D9BF53}" type="slidenum">
               <a:rPr lang="en-US" smtClean="0"/>
               <a:t>‹#›</a:t>
             </a:fld>
@@ -1548,7 +1484,7 @@
     </p:spTree>
     <p:extLst>
       <p:ext uri="{BB962C8B-B14F-4D97-AF65-F5344CB8AC3E}">
-        <p14:creationId xmlns:p14="http://schemas.microsoft.com/office/powerpoint/2010/main" val="3252681335"/>
+        <p14:creationId xmlns:p14="http://schemas.microsoft.com/office/powerpoint/2010/main" val="933089192"/>
       </p:ext>
     </p:extLst>
   </p:cSld>
@@ -1610,8 +1546,8 @@
         </p:nvSpPr>
         <p:spPr>
           <a:xfrm>
-            <a:off x="452606" y="1752516"/>
-            <a:ext cx="2797929" cy="4177083"/>
+            <a:off x="377190" y="912812"/>
+            <a:ext cx="2331720" cy="2175669"/>
           </a:xfrm>
         </p:spPr>
         <p:txBody>
@@ -1667,8 +1603,8 @@
         </p:nvSpPr>
         <p:spPr>
           <a:xfrm>
-            <a:off x="3332828" y="1752516"/>
-            <a:ext cx="2797929" cy="4177083"/>
+            <a:off x="2777490" y="912812"/>
+            <a:ext cx="2331720" cy="2175669"/>
           </a:xfrm>
         </p:spPr>
         <p:txBody>
@@ -1727,9 +1663,9 @@
           <a:bodyPr/>
           <a:lstStyle/>
           <a:p>
-            <a:fld id="{0060E5B6-8B05-4C07-AEFE-0C95C3CF4001}" type="datetimeFigureOut">
+            <a:fld id="{2F68B2EA-A892-46A1-BEA1-475FA51A3827}" type="datetimeFigureOut">
               <a:rPr lang="en-US" smtClean="0"/>
-              <a:t>12/12/2024</a:t>
+              <a:t>4/2/2025</a:t>
             </a:fld>
             <a:endParaRPr lang="en-US"/>
           </a:p>
@@ -1769,7 +1705,7 @@
           <a:bodyPr/>
           <a:lstStyle/>
           <a:p>
-            <a:fld id="{9ECB011B-60C2-46EE-93A4-BC5B21DFDCCB}" type="slidenum">
+            <a:fld id="{2A28BFE2-CB1D-463F-B270-B73A55D9BF53}" type="slidenum">
               <a:rPr lang="en-US" smtClean="0"/>
               <a:t>‹#›</a:t>
             </a:fld>
@@ -1780,7 +1716,7 @@
     </p:spTree>
     <p:extLst>
       <p:ext uri="{BB962C8B-B14F-4D97-AF65-F5344CB8AC3E}">
-        <p14:creationId xmlns:p14="http://schemas.microsoft.com/office/powerpoint/2010/main" val="3868421611"/>
+        <p14:creationId xmlns:p14="http://schemas.microsoft.com/office/powerpoint/2010/main" val="2064912823"/>
       </p:ext>
     </p:extLst>
   </p:cSld>
@@ -1819,8 +1755,8 @@
         </p:nvSpPr>
         <p:spPr>
           <a:xfrm>
-            <a:off x="453463" y="350505"/>
-            <a:ext cx="5678151" cy="1272479"/>
+            <a:off x="377905" y="182563"/>
+            <a:ext cx="4732020" cy="662782"/>
           </a:xfrm>
         </p:spPr>
         <p:txBody>
@@ -1847,8 +1783,8 @@
         </p:nvSpPr>
         <p:spPr>
           <a:xfrm>
-            <a:off x="453464" y="1613839"/>
-            <a:ext cx="2785071" cy="790917"/>
+            <a:off x="377905" y="840582"/>
+            <a:ext cx="2321004" cy="411956"/>
           </a:xfrm>
         </p:spPr>
         <p:txBody>
@@ -1856,39 +1792,39 @@
           <a:lstStyle>
             <a:lvl1pPr marL="0" indent="0">
               <a:buNone/>
-              <a:defRPr sz="1728" b="1"/>
+              <a:defRPr sz="1080" b="1"/>
             </a:lvl1pPr>
-            <a:lvl2pPr marL="329184" indent="0">
-              <a:buNone/>
-              <a:defRPr sz="1440" b="1"/>
+            <a:lvl2pPr marL="205740" indent="0">
+              <a:buNone/>
+              <a:defRPr sz="900" b="1"/>
             </a:lvl2pPr>
-            <a:lvl3pPr marL="658368" indent="0">
-              <a:buNone/>
-              <a:defRPr sz="1296" b="1"/>
+            <a:lvl3pPr marL="411480" indent="0">
+              <a:buNone/>
+              <a:defRPr sz="810" b="1"/>
             </a:lvl3pPr>
-            <a:lvl4pPr marL="987552" indent="0">
-              <a:buNone/>
-              <a:defRPr sz="1152" b="1"/>
+            <a:lvl4pPr marL="617220" indent="0">
+              <a:buNone/>
+              <a:defRPr sz="720" b="1"/>
             </a:lvl4pPr>
-            <a:lvl5pPr marL="1316736" indent="0">
-              <a:buNone/>
-              <a:defRPr sz="1152" b="1"/>
+            <a:lvl5pPr marL="822960" indent="0">
+              <a:buNone/>
+              <a:defRPr sz="720" b="1"/>
             </a:lvl5pPr>
-            <a:lvl6pPr marL="1645920" indent="0">
-              <a:buNone/>
-              <a:defRPr sz="1152" b="1"/>
+            <a:lvl6pPr marL="1028700" indent="0">
+              <a:buNone/>
+              <a:defRPr sz="720" b="1"/>
             </a:lvl6pPr>
-            <a:lvl7pPr marL="1975104" indent="0">
-              <a:buNone/>
-              <a:defRPr sz="1152" b="1"/>
+            <a:lvl7pPr marL="1234440" indent="0">
+              <a:buNone/>
+              <a:defRPr sz="720" b="1"/>
             </a:lvl7pPr>
-            <a:lvl8pPr marL="2304288" indent="0">
-              <a:buNone/>
-              <a:defRPr sz="1152" b="1"/>
+            <a:lvl8pPr marL="1440180" indent="0">
+              <a:buNone/>
+              <a:defRPr sz="720" b="1"/>
             </a:lvl8pPr>
-            <a:lvl9pPr marL="2633472" indent="0">
-              <a:buNone/>
-              <a:defRPr sz="1152" b="1"/>
+            <a:lvl9pPr marL="1645920" indent="0">
+              <a:buNone/>
+              <a:defRPr sz="720" b="1"/>
             </a:lvl9pPr>
           </a:lstStyle>
           <a:p>
@@ -1912,8 +1848,8 @@
         </p:nvSpPr>
         <p:spPr>
           <a:xfrm>
-            <a:off x="453464" y="2404756"/>
-            <a:ext cx="2785071" cy="3537034"/>
+            <a:off x="377905" y="1252538"/>
+            <a:ext cx="2321004" cy="1842294"/>
           </a:xfrm>
         </p:spPr>
         <p:txBody>
@@ -1969,8 +1905,8 @@
         </p:nvSpPr>
         <p:spPr>
           <a:xfrm>
-            <a:off x="3332828" y="1613839"/>
-            <a:ext cx="2798787" cy="790917"/>
+            <a:off x="2777490" y="840582"/>
+            <a:ext cx="2332435" cy="411956"/>
           </a:xfrm>
         </p:spPr>
         <p:txBody>
@@ -1978,39 +1914,39 @@
           <a:lstStyle>
             <a:lvl1pPr marL="0" indent="0">
               <a:buNone/>
-              <a:defRPr sz="1728" b="1"/>
+              <a:defRPr sz="1080" b="1"/>
             </a:lvl1pPr>
-            <a:lvl2pPr marL="329184" indent="0">
-              <a:buNone/>
-              <a:defRPr sz="1440" b="1"/>
+            <a:lvl2pPr marL="205740" indent="0">
+              <a:buNone/>
+              <a:defRPr sz="900" b="1"/>
             </a:lvl2pPr>
-            <a:lvl3pPr marL="658368" indent="0">
-              <a:buNone/>
-              <a:defRPr sz="1296" b="1"/>
+            <a:lvl3pPr marL="411480" indent="0">
+              <a:buNone/>
+              <a:defRPr sz="810" b="1"/>
             </a:lvl3pPr>
-            <a:lvl4pPr marL="987552" indent="0">
-              <a:buNone/>
-              <a:defRPr sz="1152" b="1"/>
+            <a:lvl4pPr marL="617220" indent="0">
+              <a:buNone/>
+              <a:defRPr sz="720" b="1"/>
             </a:lvl4pPr>
-            <a:lvl5pPr marL="1316736" indent="0">
-              <a:buNone/>
-              <a:defRPr sz="1152" b="1"/>
+            <a:lvl5pPr marL="822960" indent="0">
+              <a:buNone/>
+              <a:defRPr sz="720" b="1"/>
             </a:lvl5pPr>
-            <a:lvl6pPr marL="1645920" indent="0">
-              <a:buNone/>
-              <a:defRPr sz="1152" b="1"/>
+            <a:lvl6pPr marL="1028700" indent="0">
+              <a:buNone/>
+              <a:defRPr sz="720" b="1"/>
             </a:lvl6pPr>
-            <a:lvl7pPr marL="1975104" indent="0">
-              <a:buNone/>
-              <a:defRPr sz="1152" b="1"/>
+            <a:lvl7pPr marL="1234440" indent="0">
+              <a:buNone/>
+              <a:defRPr sz="720" b="1"/>
             </a:lvl7pPr>
-            <a:lvl8pPr marL="2304288" indent="0">
-              <a:buNone/>
-              <a:defRPr sz="1152" b="1"/>
+            <a:lvl8pPr marL="1440180" indent="0">
+              <a:buNone/>
+              <a:defRPr sz="720" b="1"/>
             </a:lvl8pPr>
-            <a:lvl9pPr marL="2633472" indent="0">
-              <a:buNone/>
-              <a:defRPr sz="1152" b="1"/>
+            <a:lvl9pPr marL="1645920" indent="0">
+              <a:buNone/>
+              <a:defRPr sz="720" b="1"/>
             </a:lvl9pPr>
           </a:lstStyle>
           <a:p>
@@ -2034,8 +1970,8 @@
         </p:nvSpPr>
         <p:spPr>
           <a:xfrm>
-            <a:off x="3332828" y="2404756"/>
-            <a:ext cx="2798787" cy="3537034"/>
+            <a:off x="2777490" y="1252538"/>
+            <a:ext cx="2332435" cy="1842294"/>
           </a:xfrm>
         </p:spPr>
         <p:txBody>
@@ -2094,9 +2030,9 @@
           <a:bodyPr/>
           <a:lstStyle/>
           <a:p>
-            <a:fld id="{0060E5B6-8B05-4C07-AEFE-0C95C3CF4001}" type="datetimeFigureOut">
+            <a:fld id="{2F68B2EA-A892-46A1-BEA1-475FA51A3827}" type="datetimeFigureOut">
               <a:rPr lang="en-US" smtClean="0"/>
-              <a:t>12/12/2024</a:t>
+              <a:t>4/2/2025</a:t>
             </a:fld>
             <a:endParaRPr lang="en-US"/>
           </a:p>
@@ -2136,7 +2072,7 @@
           <a:bodyPr/>
           <a:lstStyle/>
           <a:p>
-            <a:fld id="{9ECB011B-60C2-46EE-93A4-BC5B21DFDCCB}" type="slidenum">
+            <a:fld id="{2A28BFE2-CB1D-463F-B270-B73A55D9BF53}" type="slidenum">
               <a:rPr lang="en-US" smtClean="0"/>
               <a:t>‹#›</a:t>
             </a:fld>
@@ -2147,7 +2083,7 @@
     </p:spTree>
     <p:extLst>
       <p:ext uri="{BB962C8B-B14F-4D97-AF65-F5344CB8AC3E}">
-        <p14:creationId xmlns:p14="http://schemas.microsoft.com/office/powerpoint/2010/main" val="582930845"/>
+        <p14:creationId xmlns:p14="http://schemas.microsoft.com/office/powerpoint/2010/main" val="2968290609"/>
       </p:ext>
     </p:extLst>
   </p:cSld>
@@ -2212,9 +2148,9 @@
           <a:bodyPr/>
           <a:lstStyle/>
           <a:p>
-            <a:fld id="{0060E5B6-8B05-4C07-AEFE-0C95C3CF4001}" type="datetimeFigureOut">
+            <a:fld id="{2F68B2EA-A892-46A1-BEA1-475FA51A3827}" type="datetimeFigureOut">
               <a:rPr lang="en-US" smtClean="0"/>
-              <a:t>12/12/2024</a:t>
+              <a:t>4/2/2025</a:t>
             </a:fld>
             <a:endParaRPr lang="en-US"/>
           </a:p>
@@ -2254,7 +2190,7 @@
           <a:bodyPr/>
           <a:lstStyle/>
           <a:p>
-            <a:fld id="{9ECB011B-60C2-46EE-93A4-BC5B21DFDCCB}" type="slidenum">
+            <a:fld id="{2A28BFE2-CB1D-463F-B270-B73A55D9BF53}" type="slidenum">
               <a:rPr lang="en-US" smtClean="0"/>
               <a:t>‹#›</a:t>
             </a:fld>
@@ -2265,7 +2201,7 @@
     </p:spTree>
     <p:extLst>
       <p:ext uri="{BB962C8B-B14F-4D97-AF65-F5344CB8AC3E}">
-        <p14:creationId xmlns:p14="http://schemas.microsoft.com/office/powerpoint/2010/main" val="3800084940"/>
+        <p14:creationId xmlns:p14="http://schemas.microsoft.com/office/powerpoint/2010/main" val="2795277024"/>
       </p:ext>
     </p:extLst>
   </p:cSld>
@@ -2307,9 +2243,9 @@
           <a:bodyPr/>
           <a:lstStyle/>
           <a:p>
-            <a:fld id="{0060E5B6-8B05-4C07-AEFE-0C95C3CF4001}" type="datetimeFigureOut">
+            <a:fld id="{2F68B2EA-A892-46A1-BEA1-475FA51A3827}" type="datetimeFigureOut">
               <a:rPr lang="en-US" smtClean="0"/>
-              <a:t>12/12/2024</a:t>
+              <a:t>4/2/2025</a:t>
             </a:fld>
             <a:endParaRPr lang="en-US"/>
           </a:p>
@@ -2349,7 +2285,7 @@
           <a:bodyPr/>
           <a:lstStyle/>
           <a:p>
-            <a:fld id="{9ECB011B-60C2-46EE-93A4-BC5B21DFDCCB}" type="slidenum">
+            <a:fld id="{2A28BFE2-CB1D-463F-B270-B73A55D9BF53}" type="slidenum">
               <a:rPr lang="en-US" smtClean="0"/>
               <a:t>‹#›</a:t>
             </a:fld>
@@ -2360,7 +2296,7 @@
     </p:spTree>
     <p:extLst>
       <p:ext uri="{BB962C8B-B14F-4D97-AF65-F5344CB8AC3E}">
-        <p14:creationId xmlns:p14="http://schemas.microsoft.com/office/powerpoint/2010/main" val="4266151145"/>
+        <p14:creationId xmlns:p14="http://schemas.microsoft.com/office/powerpoint/2010/main" val="2883246807"/>
       </p:ext>
     </p:extLst>
   </p:cSld>
@@ -2399,15 +2335,15 @@
         </p:nvSpPr>
         <p:spPr>
           <a:xfrm>
-            <a:off x="453464" y="438891"/>
-            <a:ext cx="2123306" cy="1536118"/>
+            <a:off x="377905" y="228600"/>
+            <a:ext cx="1769507" cy="800100"/>
           </a:xfrm>
         </p:spPr>
         <p:txBody>
           <a:bodyPr anchor="b"/>
           <a:lstStyle>
             <a:lvl1pPr>
-              <a:defRPr sz="2304"/>
+              <a:defRPr sz="1440"/>
             </a:lvl1pPr>
           </a:lstStyle>
           <a:p>
@@ -2431,39 +2367,39 @@
         </p:nvSpPr>
         <p:spPr>
           <a:xfrm>
-            <a:off x="2798787" y="947884"/>
-            <a:ext cx="3332828" cy="4678455"/>
+            <a:off x="2332435" y="493713"/>
+            <a:ext cx="2777490" cy="2436813"/>
           </a:xfrm>
         </p:spPr>
         <p:txBody>
           <a:bodyPr/>
           <a:lstStyle>
             <a:lvl1pPr>
-              <a:defRPr sz="2304"/>
+              <a:defRPr sz="1440"/>
             </a:lvl1pPr>
             <a:lvl2pPr>
-              <a:defRPr sz="2016"/>
+              <a:defRPr sz="1260"/>
             </a:lvl2pPr>
             <a:lvl3pPr>
-              <a:defRPr sz="1728"/>
+              <a:defRPr sz="1080"/>
             </a:lvl3pPr>
             <a:lvl4pPr>
-              <a:defRPr sz="1440"/>
+              <a:defRPr sz="900"/>
             </a:lvl4pPr>
             <a:lvl5pPr>
-              <a:defRPr sz="1440"/>
+              <a:defRPr sz="900"/>
             </a:lvl5pPr>
             <a:lvl6pPr>
-              <a:defRPr sz="1440"/>
+              <a:defRPr sz="900"/>
             </a:lvl6pPr>
             <a:lvl7pPr>
-              <a:defRPr sz="1440"/>
+              <a:defRPr sz="900"/>
             </a:lvl7pPr>
             <a:lvl8pPr>
-              <a:defRPr sz="1440"/>
+              <a:defRPr sz="900"/>
             </a:lvl8pPr>
             <a:lvl9pPr>
-              <a:defRPr sz="1440"/>
+              <a:defRPr sz="900"/>
             </a:lvl9pPr>
           </a:lstStyle>
           <a:p>
@@ -2516,8 +2452,8 @@
         </p:nvSpPr>
         <p:spPr>
           <a:xfrm>
-            <a:off x="453464" y="1975009"/>
-            <a:ext cx="2123306" cy="3658948"/>
+            <a:off x="377905" y="1028700"/>
+            <a:ext cx="1769507" cy="1905794"/>
           </a:xfrm>
         </p:spPr>
         <p:txBody>
@@ -2525,39 +2461,39 @@
           <a:lstStyle>
             <a:lvl1pPr marL="0" indent="0">
               <a:buNone/>
-              <a:defRPr sz="1152"/>
+              <a:defRPr sz="720"/>
             </a:lvl1pPr>
-            <a:lvl2pPr marL="329184" indent="0">
-              <a:buNone/>
-              <a:defRPr sz="1008"/>
+            <a:lvl2pPr marL="205740" indent="0">
+              <a:buNone/>
+              <a:defRPr sz="630"/>
             </a:lvl2pPr>
-            <a:lvl3pPr marL="658368" indent="0">
-              <a:buNone/>
-              <a:defRPr sz="864"/>
+            <a:lvl3pPr marL="411480" indent="0">
+              <a:buNone/>
+              <a:defRPr sz="540"/>
             </a:lvl3pPr>
-            <a:lvl4pPr marL="987552" indent="0">
-              <a:buNone/>
-              <a:defRPr sz="720"/>
+            <a:lvl4pPr marL="617220" indent="0">
+              <a:buNone/>
+              <a:defRPr sz="450"/>
             </a:lvl4pPr>
-            <a:lvl5pPr marL="1316736" indent="0">
-              <a:buNone/>
-              <a:defRPr sz="720"/>
+            <a:lvl5pPr marL="822960" indent="0">
+              <a:buNone/>
+              <a:defRPr sz="450"/>
             </a:lvl5pPr>
-            <a:lvl6pPr marL="1645920" indent="0">
-              <a:buNone/>
-              <a:defRPr sz="720"/>
+            <a:lvl6pPr marL="1028700" indent="0">
+              <a:buNone/>
+              <a:defRPr sz="450"/>
             </a:lvl6pPr>
-            <a:lvl7pPr marL="1975104" indent="0">
-              <a:buNone/>
-              <a:defRPr sz="720"/>
+            <a:lvl7pPr marL="1234440" indent="0">
+              <a:buNone/>
+              <a:defRPr sz="450"/>
             </a:lvl7pPr>
-            <a:lvl8pPr marL="2304288" indent="0">
-              <a:buNone/>
-              <a:defRPr sz="720"/>
+            <a:lvl8pPr marL="1440180" indent="0">
+              <a:buNone/>
+              <a:defRPr sz="450"/>
             </a:lvl8pPr>
-            <a:lvl9pPr marL="2633472" indent="0">
-              <a:buNone/>
-              <a:defRPr sz="720"/>
+            <a:lvl9pPr marL="1645920" indent="0">
+              <a:buNone/>
+              <a:defRPr sz="450"/>
             </a:lvl9pPr>
           </a:lstStyle>
           <a:p>
@@ -2584,9 +2520,9 @@
           <a:bodyPr/>
           <a:lstStyle/>
           <a:p>
-            <a:fld id="{0060E5B6-8B05-4C07-AEFE-0C95C3CF4001}" type="datetimeFigureOut">
+            <a:fld id="{2F68B2EA-A892-46A1-BEA1-475FA51A3827}" type="datetimeFigureOut">
               <a:rPr lang="en-US" smtClean="0"/>
-              <a:t>12/12/2024</a:t>
+              <a:t>4/2/2025</a:t>
             </a:fld>
             <a:endParaRPr lang="en-US"/>
           </a:p>
@@ -2626,7 +2562,7 @@
           <a:bodyPr/>
           <a:lstStyle/>
           <a:p>
-            <a:fld id="{9ECB011B-60C2-46EE-93A4-BC5B21DFDCCB}" type="slidenum">
+            <a:fld id="{2A28BFE2-CB1D-463F-B270-B73A55D9BF53}" type="slidenum">
               <a:rPr lang="en-US" smtClean="0"/>
               <a:t>‹#›</a:t>
             </a:fld>
@@ -2637,7 +2573,7 @@
     </p:spTree>
     <p:extLst>
       <p:ext uri="{BB962C8B-B14F-4D97-AF65-F5344CB8AC3E}">
-        <p14:creationId xmlns:p14="http://schemas.microsoft.com/office/powerpoint/2010/main" val="3918018777"/>
+        <p14:creationId xmlns:p14="http://schemas.microsoft.com/office/powerpoint/2010/main" val="3960061198"/>
       </p:ext>
     </p:extLst>
   </p:cSld>
@@ -2676,15 +2612,15 @@
         </p:nvSpPr>
         <p:spPr>
           <a:xfrm>
-            <a:off x="453464" y="438891"/>
-            <a:ext cx="2123306" cy="1536118"/>
+            <a:off x="377905" y="228600"/>
+            <a:ext cx="1769507" cy="800100"/>
           </a:xfrm>
         </p:spPr>
         <p:txBody>
           <a:bodyPr anchor="b"/>
           <a:lstStyle>
             <a:lvl1pPr>
-              <a:defRPr sz="2304"/>
+              <a:defRPr sz="1440"/>
             </a:lvl1pPr>
           </a:lstStyle>
           <a:p>
@@ -2708,8 +2644,8 @@
         </p:nvSpPr>
         <p:spPr>
           <a:xfrm>
-            <a:off x="2798787" y="947884"/>
-            <a:ext cx="3332828" cy="4678455"/>
+            <a:off x="2332435" y="493713"/>
+            <a:ext cx="2777490" cy="2436813"/>
           </a:xfrm>
         </p:spPr>
         <p:txBody>
@@ -2717,39 +2653,39 @@
           <a:lstStyle>
             <a:lvl1pPr marL="0" indent="0">
               <a:buNone/>
-              <a:defRPr sz="2304"/>
+              <a:defRPr sz="1440"/>
             </a:lvl1pPr>
-            <a:lvl2pPr marL="329184" indent="0">
-              <a:buNone/>
-              <a:defRPr sz="2016"/>
+            <a:lvl2pPr marL="205740" indent="0">
+              <a:buNone/>
+              <a:defRPr sz="1260"/>
             </a:lvl2pPr>
-            <a:lvl3pPr marL="658368" indent="0">
-              <a:buNone/>
-              <a:defRPr sz="1728"/>
+            <a:lvl3pPr marL="411480" indent="0">
+              <a:buNone/>
+              <a:defRPr sz="1080"/>
             </a:lvl3pPr>
-            <a:lvl4pPr marL="987552" indent="0">
-              <a:buNone/>
-              <a:defRPr sz="1440"/>
+            <a:lvl4pPr marL="617220" indent="0">
+              <a:buNone/>
+              <a:defRPr sz="900"/>
             </a:lvl4pPr>
-            <a:lvl5pPr marL="1316736" indent="0">
-              <a:buNone/>
-              <a:defRPr sz="1440"/>
+            <a:lvl5pPr marL="822960" indent="0">
+              <a:buNone/>
+              <a:defRPr sz="900"/>
             </a:lvl5pPr>
-            <a:lvl6pPr marL="1645920" indent="0">
-              <a:buNone/>
-              <a:defRPr sz="1440"/>
+            <a:lvl6pPr marL="1028700" indent="0">
+              <a:buNone/>
+              <a:defRPr sz="900"/>
             </a:lvl6pPr>
-            <a:lvl7pPr marL="1975104" indent="0">
-              <a:buNone/>
-              <a:defRPr sz="1440"/>
+            <a:lvl7pPr marL="1234440" indent="0">
+              <a:buNone/>
+              <a:defRPr sz="900"/>
             </a:lvl7pPr>
-            <a:lvl8pPr marL="2304288" indent="0">
-              <a:buNone/>
-              <a:defRPr sz="1440"/>
+            <a:lvl8pPr marL="1440180" indent="0">
+              <a:buNone/>
+              <a:defRPr sz="900"/>
             </a:lvl8pPr>
-            <a:lvl9pPr marL="2633472" indent="0">
-              <a:buNone/>
-              <a:defRPr sz="1440"/>
+            <a:lvl9pPr marL="1645920" indent="0">
+              <a:buNone/>
+              <a:defRPr sz="900"/>
             </a:lvl9pPr>
           </a:lstStyle>
           <a:p>
@@ -2773,8 +2709,8 @@
         </p:nvSpPr>
         <p:spPr>
           <a:xfrm>
-            <a:off x="453464" y="1975009"/>
-            <a:ext cx="2123306" cy="3658948"/>
+            <a:off x="377905" y="1028700"/>
+            <a:ext cx="1769507" cy="1905794"/>
           </a:xfrm>
         </p:spPr>
         <p:txBody>
@@ -2782,39 +2718,39 @@
           <a:lstStyle>
             <a:lvl1pPr marL="0" indent="0">
               <a:buNone/>
-              <a:defRPr sz="1152"/>
+              <a:defRPr sz="720"/>
             </a:lvl1pPr>
-            <a:lvl2pPr marL="329184" indent="0">
-              <a:buNone/>
-              <a:defRPr sz="1008"/>
+            <a:lvl2pPr marL="205740" indent="0">
+              <a:buNone/>
+              <a:defRPr sz="630"/>
             </a:lvl2pPr>
-            <a:lvl3pPr marL="658368" indent="0">
-              <a:buNone/>
-              <a:defRPr sz="864"/>
+            <a:lvl3pPr marL="411480" indent="0">
+              <a:buNone/>
+              <a:defRPr sz="540"/>
             </a:lvl3pPr>
-            <a:lvl4pPr marL="987552" indent="0">
-              <a:buNone/>
-              <a:defRPr sz="720"/>
+            <a:lvl4pPr marL="617220" indent="0">
+              <a:buNone/>
+              <a:defRPr sz="450"/>
             </a:lvl4pPr>
-            <a:lvl5pPr marL="1316736" indent="0">
-              <a:buNone/>
-              <a:defRPr sz="720"/>
+            <a:lvl5pPr marL="822960" indent="0">
+              <a:buNone/>
+              <a:defRPr sz="450"/>
             </a:lvl5pPr>
-            <a:lvl6pPr marL="1645920" indent="0">
-              <a:buNone/>
-              <a:defRPr sz="720"/>
+            <a:lvl6pPr marL="1028700" indent="0">
+              <a:buNone/>
+              <a:defRPr sz="450"/>
             </a:lvl6pPr>
-            <a:lvl7pPr marL="1975104" indent="0">
-              <a:buNone/>
-              <a:defRPr sz="720"/>
+            <a:lvl7pPr marL="1234440" indent="0">
+              <a:buNone/>
+              <a:defRPr sz="450"/>
             </a:lvl7pPr>
-            <a:lvl8pPr marL="2304288" indent="0">
-              <a:buNone/>
-              <a:defRPr sz="720"/>
+            <a:lvl8pPr marL="1440180" indent="0">
+              <a:buNone/>
+              <a:defRPr sz="450"/>
             </a:lvl8pPr>
-            <a:lvl9pPr marL="2633472" indent="0">
-              <a:buNone/>
-              <a:defRPr sz="720"/>
+            <a:lvl9pPr marL="1645920" indent="0">
+              <a:buNone/>
+              <a:defRPr sz="450"/>
             </a:lvl9pPr>
           </a:lstStyle>
           <a:p>
@@ -2841,9 +2777,9 @@
           <a:bodyPr/>
           <a:lstStyle/>
           <a:p>
-            <a:fld id="{0060E5B6-8B05-4C07-AEFE-0C95C3CF4001}" type="datetimeFigureOut">
+            <a:fld id="{2F68B2EA-A892-46A1-BEA1-475FA51A3827}" type="datetimeFigureOut">
               <a:rPr lang="en-US" smtClean="0"/>
-              <a:t>12/12/2024</a:t>
+              <a:t>4/2/2025</a:t>
             </a:fld>
             <a:endParaRPr lang="en-US"/>
           </a:p>
@@ -2883,7 +2819,7 @@
           <a:bodyPr/>
           <a:lstStyle/>
           <a:p>
-            <a:fld id="{9ECB011B-60C2-46EE-93A4-BC5B21DFDCCB}" type="slidenum">
+            <a:fld id="{2A28BFE2-CB1D-463F-B270-B73A55D9BF53}" type="slidenum">
               <a:rPr lang="en-US" smtClean="0"/>
               <a:t>‹#›</a:t>
             </a:fld>
@@ -2894,7 +2830,7 @@
     </p:spTree>
     <p:extLst>
       <p:ext uri="{BB962C8B-B14F-4D97-AF65-F5344CB8AC3E}">
-        <p14:creationId xmlns:p14="http://schemas.microsoft.com/office/powerpoint/2010/main" val="2467829971"/>
+        <p14:creationId xmlns:p14="http://schemas.microsoft.com/office/powerpoint/2010/main" val="1170803170"/>
       </p:ext>
     </p:extLst>
   </p:cSld>
@@ -2938,8 +2874,8 @@
         </p:nvSpPr>
         <p:spPr>
           <a:xfrm>
-            <a:off x="452606" y="350505"/>
-            <a:ext cx="5678151" cy="1272479"/>
+            <a:off x="377190" y="182563"/>
+            <a:ext cx="4732020" cy="662782"/>
           </a:xfrm>
           <a:prstGeom prst="rect">
             <a:avLst/>
@@ -2971,8 +2907,8 @@
         </p:nvSpPr>
         <p:spPr>
           <a:xfrm>
-            <a:off x="452606" y="1752516"/>
-            <a:ext cx="5678151" cy="4177083"/>
+            <a:off x="377190" y="912812"/>
+            <a:ext cx="4732020" cy="2175669"/>
           </a:xfrm>
           <a:prstGeom prst="rect">
             <a:avLst/>
@@ -3033,8 +2969,8 @@
         </p:nvSpPr>
         <p:spPr>
           <a:xfrm>
-            <a:off x="452606" y="6101804"/>
-            <a:ext cx="1481257" cy="350503"/>
+            <a:off x="377190" y="3178175"/>
+            <a:ext cx="1234440" cy="182563"/>
           </a:xfrm>
           <a:prstGeom prst="rect">
             <a:avLst/>
@@ -3044,7 +2980,7 @@
           <a:bodyPr vert="horz" lIns="91440" tIns="45720" rIns="91440" bIns="45720" rtlCol="0" anchor="ctr"/>
           <a:lstStyle>
             <a:lvl1pPr algn="l">
-              <a:defRPr sz="864">
+              <a:defRPr sz="540">
                 <a:solidFill>
                   <a:schemeClr val="tx1">
                     <a:tint val="82000"/>
@@ -3054,9 +2990,9 @@
             </a:lvl1pPr>
           </a:lstStyle>
           <a:p>
-            <a:fld id="{0060E5B6-8B05-4C07-AEFE-0C95C3CF4001}" type="datetimeFigureOut">
+            <a:fld id="{2F68B2EA-A892-46A1-BEA1-475FA51A3827}" type="datetimeFigureOut">
               <a:rPr lang="en-US" smtClean="0"/>
-              <a:t>12/12/2024</a:t>
+              <a:t>4/2/2025</a:t>
             </a:fld>
             <a:endParaRPr lang="en-US"/>
           </a:p>
@@ -3074,8 +3010,8 @@
         </p:nvSpPr>
         <p:spPr>
           <a:xfrm>
-            <a:off x="2180739" y="6101804"/>
-            <a:ext cx="2221885" cy="350503"/>
+            <a:off x="1817370" y="3178175"/>
+            <a:ext cx="1851660" cy="182563"/>
           </a:xfrm>
           <a:prstGeom prst="rect">
             <a:avLst/>
@@ -3085,7 +3021,7 @@
           <a:bodyPr vert="horz" lIns="91440" tIns="45720" rIns="91440" bIns="45720" rtlCol="0" anchor="ctr"/>
           <a:lstStyle>
             <a:lvl1pPr algn="ctr">
-              <a:defRPr sz="864">
+              <a:defRPr sz="540">
                 <a:solidFill>
                   <a:schemeClr val="tx1">
                     <a:tint val="82000"/>
@@ -3111,8 +3047,8 @@
         </p:nvSpPr>
         <p:spPr>
           <a:xfrm>
-            <a:off x="4649500" y="6101804"/>
-            <a:ext cx="1481257" cy="350503"/>
+            <a:off x="3874770" y="3178175"/>
+            <a:ext cx="1234440" cy="182563"/>
           </a:xfrm>
           <a:prstGeom prst="rect">
             <a:avLst/>
@@ -3122,7 +3058,7 @@
           <a:bodyPr vert="horz" lIns="91440" tIns="45720" rIns="91440" bIns="45720" rtlCol="0" anchor="ctr"/>
           <a:lstStyle>
             <a:lvl1pPr algn="r">
-              <a:defRPr sz="864">
+              <a:defRPr sz="540">
                 <a:solidFill>
                   <a:schemeClr val="tx1">
                     <a:tint val="82000"/>
@@ -3132,7 +3068,7 @@
             </a:lvl1pPr>
           </a:lstStyle>
           <a:p>
-            <a:fld id="{9ECB011B-60C2-46EE-93A4-BC5B21DFDCCB}" type="slidenum">
+            <a:fld id="{2A28BFE2-CB1D-463F-B270-B73A55D9BF53}" type="slidenum">
               <a:rPr lang="en-US" smtClean="0"/>
               <a:t>‹#›</a:t>
             </a:fld>
@@ -3143,27 +3079,27 @@
     </p:spTree>
     <p:extLst>
       <p:ext uri="{BB962C8B-B14F-4D97-AF65-F5344CB8AC3E}">
-        <p14:creationId xmlns:p14="http://schemas.microsoft.com/office/powerpoint/2010/main" val="3209887702"/>
+        <p14:creationId xmlns:p14="http://schemas.microsoft.com/office/powerpoint/2010/main" val="3183641772"/>
       </p:ext>
     </p:extLst>
   </p:cSld>
   <p:clrMap bg1="lt1" tx1="dk1" bg2="lt2" tx2="dk2" accent1="accent1" accent2="accent2" accent3="accent3" accent4="accent4" accent5="accent5" accent6="accent6" hlink="hlink" folHlink="folHlink"/>
   <p:sldLayoutIdLst>
-    <p:sldLayoutId id="2147483685" r:id="rId1"/>
-    <p:sldLayoutId id="2147483686" r:id="rId2"/>
-    <p:sldLayoutId id="2147483687" r:id="rId3"/>
-    <p:sldLayoutId id="2147483688" r:id="rId4"/>
-    <p:sldLayoutId id="2147483689" r:id="rId5"/>
-    <p:sldLayoutId id="2147483690" r:id="rId6"/>
-    <p:sldLayoutId id="2147483691" r:id="rId7"/>
-    <p:sldLayoutId id="2147483692" r:id="rId8"/>
-    <p:sldLayoutId id="2147483693" r:id="rId9"/>
-    <p:sldLayoutId id="2147483694" r:id="rId10"/>
-    <p:sldLayoutId id="2147483695" r:id="rId11"/>
+    <p:sldLayoutId id="2147483709" r:id="rId1"/>
+    <p:sldLayoutId id="2147483710" r:id="rId2"/>
+    <p:sldLayoutId id="2147483711" r:id="rId3"/>
+    <p:sldLayoutId id="2147483712" r:id="rId4"/>
+    <p:sldLayoutId id="2147483713" r:id="rId5"/>
+    <p:sldLayoutId id="2147483714" r:id="rId6"/>
+    <p:sldLayoutId id="2147483715" r:id="rId7"/>
+    <p:sldLayoutId id="2147483716" r:id="rId8"/>
+    <p:sldLayoutId id="2147483717" r:id="rId9"/>
+    <p:sldLayoutId id="2147483718" r:id="rId10"/>
+    <p:sldLayoutId id="2147483719" r:id="rId11"/>
   </p:sldLayoutIdLst>
   <p:txStyles>
     <p:titleStyle>
-      <a:lvl1pPr algn="l" defTabSz="658368" rtl="0" eaLnBrk="1" latinLnBrk="0" hangingPunct="1">
+      <a:lvl1pPr algn="l" defTabSz="411480" rtl="0" eaLnBrk="1" latinLnBrk="0" hangingPunct="1">
         <a:lnSpc>
           <a:spcPct val="90000"/>
         </a:lnSpc>
@@ -3171,7 +3107,7 @@
           <a:spcPct val="0"/>
         </a:spcBef>
         <a:buNone/>
-        <a:defRPr sz="3168" kern="1200">
+        <a:defRPr sz="1980" kern="1200">
           <a:solidFill>
             <a:schemeClr val="tx1"/>
           </a:solidFill>
@@ -3182,16 +3118,16 @@
       </a:lvl1pPr>
     </p:titleStyle>
     <p:bodyStyle>
-      <a:lvl1pPr marL="164592" indent="-164592" algn="l" defTabSz="658368" rtl="0" eaLnBrk="1" latinLnBrk="0" hangingPunct="1">
+      <a:lvl1pPr marL="102870" indent="-102870" algn="l" defTabSz="411480" rtl="0" eaLnBrk="1" latinLnBrk="0" hangingPunct="1">
         <a:lnSpc>
           <a:spcPct val="90000"/>
         </a:lnSpc>
         <a:spcBef>
-          <a:spcPts val="720"/>
+          <a:spcPts val="450"/>
         </a:spcBef>
         <a:buFont typeface="Arial" panose="020B0604020202020204" pitchFamily="34" charset="0"/>
         <a:buChar char="•"/>
-        <a:defRPr sz="2016" kern="1200">
+        <a:defRPr sz="1260" kern="1200">
           <a:solidFill>
             <a:schemeClr val="tx1"/>
           </a:solidFill>
@@ -3200,16 +3136,16 @@
           <a:cs typeface="+mn-cs"/>
         </a:defRPr>
       </a:lvl1pPr>
-      <a:lvl2pPr marL="493776" indent="-164592" algn="l" defTabSz="658368" rtl="0" eaLnBrk="1" latinLnBrk="0" hangingPunct="1">
+      <a:lvl2pPr marL="308610" indent="-102870" algn="l" defTabSz="411480" rtl="0" eaLnBrk="1" latinLnBrk="0" hangingPunct="1">
         <a:lnSpc>
           <a:spcPct val="90000"/>
         </a:lnSpc>
         <a:spcBef>
-          <a:spcPts val="360"/>
+          <a:spcPts val="225"/>
         </a:spcBef>
         <a:buFont typeface="Arial" panose="020B0604020202020204" pitchFamily="34" charset="0"/>
         <a:buChar char="•"/>
-        <a:defRPr sz="1728" kern="1200">
+        <a:defRPr sz="1080" kern="1200">
           <a:solidFill>
             <a:schemeClr val="tx1"/>
           </a:solidFill>
@@ -3218,16 +3154,16 @@
           <a:cs typeface="+mn-cs"/>
         </a:defRPr>
       </a:lvl2pPr>
-      <a:lvl3pPr marL="822960" indent="-164592" algn="l" defTabSz="658368" rtl="0" eaLnBrk="1" latinLnBrk="0" hangingPunct="1">
+      <a:lvl3pPr marL="514350" indent="-102870" algn="l" defTabSz="411480" rtl="0" eaLnBrk="1" latinLnBrk="0" hangingPunct="1">
         <a:lnSpc>
           <a:spcPct val="90000"/>
         </a:lnSpc>
         <a:spcBef>
-          <a:spcPts val="360"/>
+          <a:spcPts val="225"/>
         </a:spcBef>
         <a:buFont typeface="Arial" panose="020B0604020202020204" pitchFamily="34" charset="0"/>
         <a:buChar char="•"/>
-        <a:defRPr sz="1440" kern="1200">
+        <a:defRPr sz="900" kern="1200">
           <a:solidFill>
             <a:schemeClr val="tx1"/>
           </a:solidFill>
@@ -3236,16 +3172,16 @@
           <a:cs typeface="+mn-cs"/>
         </a:defRPr>
       </a:lvl3pPr>
-      <a:lvl4pPr marL="1152144" indent="-164592" algn="l" defTabSz="658368" rtl="0" eaLnBrk="1" latinLnBrk="0" hangingPunct="1">
+      <a:lvl4pPr marL="720090" indent="-102870" algn="l" defTabSz="411480" rtl="0" eaLnBrk="1" latinLnBrk="0" hangingPunct="1">
         <a:lnSpc>
           <a:spcPct val="90000"/>
         </a:lnSpc>
         <a:spcBef>
-          <a:spcPts val="360"/>
+          <a:spcPts val="225"/>
         </a:spcBef>
         <a:buFont typeface="Arial" panose="020B0604020202020204" pitchFamily="34" charset="0"/>
         <a:buChar char="•"/>
-        <a:defRPr sz="1296" kern="1200">
+        <a:defRPr sz="810" kern="1200">
           <a:solidFill>
             <a:schemeClr val="tx1"/>
           </a:solidFill>
@@ -3254,16 +3190,16 @@
           <a:cs typeface="+mn-cs"/>
         </a:defRPr>
       </a:lvl4pPr>
-      <a:lvl5pPr marL="1481328" indent="-164592" algn="l" defTabSz="658368" rtl="0" eaLnBrk="1" latinLnBrk="0" hangingPunct="1">
+      <a:lvl5pPr marL="925830" indent="-102870" algn="l" defTabSz="411480" rtl="0" eaLnBrk="1" latinLnBrk="0" hangingPunct="1">
         <a:lnSpc>
           <a:spcPct val="90000"/>
         </a:lnSpc>
         <a:spcBef>
-          <a:spcPts val="360"/>
+          <a:spcPts val="225"/>
         </a:spcBef>
         <a:buFont typeface="Arial" panose="020B0604020202020204" pitchFamily="34" charset="0"/>
         <a:buChar char="•"/>
-        <a:defRPr sz="1296" kern="1200">
+        <a:defRPr sz="810" kern="1200">
           <a:solidFill>
             <a:schemeClr val="tx1"/>
           </a:solidFill>
@@ -3272,16 +3208,16 @@
           <a:cs typeface="+mn-cs"/>
         </a:defRPr>
       </a:lvl5pPr>
-      <a:lvl6pPr marL="1810512" indent="-164592" algn="l" defTabSz="658368" rtl="0" eaLnBrk="1" latinLnBrk="0" hangingPunct="1">
+      <a:lvl6pPr marL="1131570" indent="-102870" algn="l" defTabSz="411480" rtl="0" eaLnBrk="1" latinLnBrk="0" hangingPunct="1">
         <a:lnSpc>
           <a:spcPct val="90000"/>
         </a:lnSpc>
         <a:spcBef>
-          <a:spcPts val="360"/>
+          <a:spcPts val="225"/>
         </a:spcBef>
         <a:buFont typeface="Arial" panose="020B0604020202020204" pitchFamily="34" charset="0"/>
         <a:buChar char="•"/>
-        <a:defRPr sz="1296" kern="1200">
+        <a:defRPr sz="810" kern="1200">
           <a:solidFill>
             <a:schemeClr val="tx1"/>
           </a:solidFill>
@@ -3290,16 +3226,16 @@
           <a:cs typeface="+mn-cs"/>
         </a:defRPr>
       </a:lvl6pPr>
-      <a:lvl7pPr marL="2139696" indent="-164592" algn="l" defTabSz="658368" rtl="0" eaLnBrk="1" latinLnBrk="0" hangingPunct="1">
+      <a:lvl7pPr marL="1337310" indent="-102870" algn="l" defTabSz="411480" rtl="0" eaLnBrk="1" latinLnBrk="0" hangingPunct="1">
         <a:lnSpc>
           <a:spcPct val="90000"/>
         </a:lnSpc>
         <a:spcBef>
-          <a:spcPts val="360"/>
+          <a:spcPts val="225"/>
         </a:spcBef>
         <a:buFont typeface="Arial" panose="020B0604020202020204" pitchFamily="34" charset="0"/>
         <a:buChar char="•"/>
-        <a:defRPr sz="1296" kern="1200">
+        <a:defRPr sz="810" kern="1200">
           <a:solidFill>
             <a:schemeClr val="tx1"/>
           </a:solidFill>
@@ -3308,16 +3244,16 @@
           <a:cs typeface="+mn-cs"/>
         </a:defRPr>
       </a:lvl7pPr>
-      <a:lvl8pPr marL="2468880" indent="-164592" algn="l" defTabSz="658368" rtl="0" eaLnBrk="1" latinLnBrk="0" hangingPunct="1">
+      <a:lvl8pPr marL="1543050" indent="-102870" algn="l" defTabSz="411480" rtl="0" eaLnBrk="1" latinLnBrk="0" hangingPunct="1">
         <a:lnSpc>
           <a:spcPct val="90000"/>
         </a:lnSpc>
         <a:spcBef>
-          <a:spcPts val="360"/>
+          <a:spcPts val="225"/>
         </a:spcBef>
         <a:buFont typeface="Arial" panose="020B0604020202020204" pitchFamily="34" charset="0"/>
         <a:buChar char="•"/>
-        <a:defRPr sz="1296" kern="1200">
+        <a:defRPr sz="810" kern="1200">
           <a:solidFill>
             <a:schemeClr val="tx1"/>
           </a:solidFill>
@@ -3326,16 +3262,16 @@
           <a:cs typeface="+mn-cs"/>
         </a:defRPr>
       </a:lvl8pPr>
-      <a:lvl9pPr marL="2798064" indent="-164592" algn="l" defTabSz="658368" rtl="0" eaLnBrk="1" latinLnBrk="0" hangingPunct="1">
+      <a:lvl9pPr marL="1748790" indent="-102870" algn="l" defTabSz="411480" rtl="0" eaLnBrk="1" latinLnBrk="0" hangingPunct="1">
         <a:lnSpc>
           <a:spcPct val="90000"/>
         </a:lnSpc>
         <a:spcBef>
-          <a:spcPts val="360"/>
+          <a:spcPts val="225"/>
         </a:spcBef>
         <a:buFont typeface="Arial" panose="020B0604020202020204" pitchFamily="34" charset="0"/>
         <a:buChar char="•"/>
-        <a:defRPr sz="1296" kern="1200">
+        <a:defRPr sz="810" kern="1200">
           <a:solidFill>
             <a:schemeClr val="tx1"/>
           </a:solidFill>
@@ -3349,8 +3285,8 @@
       <a:defPPr>
         <a:defRPr lang="en-US"/>
       </a:defPPr>
-      <a:lvl1pPr marL="0" algn="l" defTabSz="658368" rtl="0" eaLnBrk="1" latinLnBrk="0" hangingPunct="1">
-        <a:defRPr sz="1296" kern="1200">
+      <a:lvl1pPr marL="0" algn="l" defTabSz="411480" rtl="0" eaLnBrk="1" latinLnBrk="0" hangingPunct="1">
+        <a:defRPr sz="810" kern="1200">
           <a:solidFill>
             <a:schemeClr val="tx1"/>
           </a:solidFill>
@@ -3359,8 +3295,8 @@
           <a:cs typeface="+mn-cs"/>
         </a:defRPr>
       </a:lvl1pPr>
-      <a:lvl2pPr marL="329184" algn="l" defTabSz="658368" rtl="0" eaLnBrk="1" latinLnBrk="0" hangingPunct="1">
-        <a:defRPr sz="1296" kern="1200">
+      <a:lvl2pPr marL="205740" algn="l" defTabSz="411480" rtl="0" eaLnBrk="1" latinLnBrk="0" hangingPunct="1">
+        <a:defRPr sz="810" kern="1200">
           <a:solidFill>
             <a:schemeClr val="tx1"/>
           </a:solidFill>
@@ -3369,8 +3305,8 @@
           <a:cs typeface="+mn-cs"/>
         </a:defRPr>
       </a:lvl2pPr>
-      <a:lvl3pPr marL="658368" algn="l" defTabSz="658368" rtl="0" eaLnBrk="1" latinLnBrk="0" hangingPunct="1">
-        <a:defRPr sz="1296" kern="1200">
+      <a:lvl3pPr marL="411480" algn="l" defTabSz="411480" rtl="0" eaLnBrk="1" latinLnBrk="0" hangingPunct="1">
+        <a:defRPr sz="810" kern="1200">
           <a:solidFill>
             <a:schemeClr val="tx1"/>
           </a:solidFill>
@@ -3379,8 +3315,8 @@
           <a:cs typeface="+mn-cs"/>
         </a:defRPr>
       </a:lvl3pPr>
-      <a:lvl4pPr marL="987552" algn="l" defTabSz="658368" rtl="0" eaLnBrk="1" latinLnBrk="0" hangingPunct="1">
-        <a:defRPr sz="1296" kern="1200">
+      <a:lvl4pPr marL="617220" algn="l" defTabSz="411480" rtl="0" eaLnBrk="1" latinLnBrk="0" hangingPunct="1">
+        <a:defRPr sz="810" kern="1200">
           <a:solidFill>
             <a:schemeClr val="tx1"/>
           </a:solidFill>
@@ -3389,8 +3325,8 @@
           <a:cs typeface="+mn-cs"/>
         </a:defRPr>
       </a:lvl4pPr>
-      <a:lvl5pPr marL="1316736" algn="l" defTabSz="658368" rtl="0" eaLnBrk="1" latinLnBrk="0" hangingPunct="1">
-        <a:defRPr sz="1296" kern="1200">
+      <a:lvl5pPr marL="822960" algn="l" defTabSz="411480" rtl="0" eaLnBrk="1" latinLnBrk="0" hangingPunct="1">
+        <a:defRPr sz="810" kern="1200">
           <a:solidFill>
             <a:schemeClr val="tx1"/>
           </a:solidFill>
@@ -3399,8 +3335,8 @@
           <a:cs typeface="+mn-cs"/>
         </a:defRPr>
       </a:lvl5pPr>
-      <a:lvl6pPr marL="1645920" algn="l" defTabSz="658368" rtl="0" eaLnBrk="1" latinLnBrk="0" hangingPunct="1">
-        <a:defRPr sz="1296" kern="1200">
+      <a:lvl6pPr marL="1028700" algn="l" defTabSz="411480" rtl="0" eaLnBrk="1" latinLnBrk="0" hangingPunct="1">
+        <a:defRPr sz="810" kern="1200">
           <a:solidFill>
             <a:schemeClr val="tx1"/>
           </a:solidFill>
@@ -3409,8 +3345,8 @@
           <a:cs typeface="+mn-cs"/>
         </a:defRPr>
       </a:lvl6pPr>
-      <a:lvl7pPr marL="1975104" algn="l" defTabSz="658368" rtl="0" eaLnBrk="1" latinLnBrk="0" hangingPunct="1">
-        <a:defRPr sz="1296" kern="1200">
+      <a:lvl7pPr marL="1234440" algn="l" defTabSz="411480" rtl="0" eaLnBrk="1" latinLnBrk="0" hangingPunct="1">
+        <a:defRPr sz="810" kern="1200">
           <a:solidFill>
             <a:schemeClr val="tx1"/>
           </a:solidFill>
@@ -3419,8 +3355,8 @@
           <a:cs typeface="+mn-cs"/>
         </a:defRPr>
       </a:lvl7pPr>
-      <a:lvl8pPr marL="2304288" algn="l" defTabSz="658368" rtl="0" eaLnBrk="1" latinLnBrk="0" hangingPunct="1">
-        <a:defRPr sz="1296" kern="1200">
+      <a:lvl8pPr marL="1440180" algn="l" defTabSz="411480" rtl="0" eaLnBrk="1" latinLnBrk="0" hangingPunct="1">
+        <a:defRPr sz="810" kern="1200">
           <a:solidFill>
             <a:schemeClr val="tx1"/>
           </a:solidFill>
@@ -3429,8 +3365,8 @@
           <a:cs typeface="+mn-cs"/>
         </a:defRPr>
       </a:lvl8pPr>
-      <a:lvl9pPr marL="2633472" algn="l" defTabSz="658368" rtl="0" eaLnBrk="1" latinLnBrk="0" hangingPunct="1">
-        <a:defRPr sz="1296" kern="1200">
+      <a:lvl9pPr marL="1645920" algn="l" defTabSz="411480" rtl="0" eaLnBrk="1" latinLnBrk="0" hangingPunct="1">
+        <a:defRPr sz="810" kern="1200">
           <a:solidFill>
             <a:schemeClr val="tx1"/>
           </a:solidFill>
@@ -3461,48 +3397,12 @@
           <a:chExt cx="0" cy="0"/>
         </a:xfrm>
       </p:grpSpPr>
-      <p:pic>
-        <p:nvPicPr>
-          <p:cNvPr id="3" name="Picture 2" descr="A graph of different colored lines&#10;&#10;Description automatically generated with medium confidence">
+      <p:grpSp>
+        <p:nvGrpSpPr>
+          <p:cNvPr id="32" name="Group 31">
             <a:extLst>
               <a:ext uri="{FF2B5EF4-FFF2-40B4-BE49-F238E27FC236}">
-                <a16:creationId xmlns:a16="http://schemas.microsoft.com/office/drawing/2014/main" id="{C7B2A065-A284-FC33-C5B1-BBE525EAF86A}"/>
-              </a:ext>
-            </a:extLst>
-          </p:cNvPr>
-          <p:cNvPicPr>
-            <a:picLocks noChangeAspect="1"/>
-          </p:cNvPicPr>
-          <p:nvPr/>
-        </p:nvPicPr>
-        <p:blipFill>
-          <a:blip r:embed="rId2">
-            <a:extLst>
-              <a:ext uri="{28A0092B-C50C-407E-A947-70E740481C1C}">
-                <a14:useLocalDpi xmlns:a14="http://schemas.microsoft.com/office/drawing/2010/main" val="0"/>
-              </a:ext>
-            </a:extLst>
-          </a:blip>
-          <a:stretch>
-            <a:fillRect/>
-          </a:stretch>
-        </p:blipFill>
-        <p:spPr>
-          <a:xfrm>
-            <a:off x="3777311" y="0"/>
-            <a:ext cx="2743068" cy="6583363"/>
-          </a:xfrm>
-          <a:prstGeom prst="rect">
-            <a:avLst/>
-          </a:prstGeom>
-        </p:spPr>
-      </p:pic>
-      <p:grpSp>
-        <p:nvGrpSpPr>
-          <p:cNvPr id="14" name="Group 13">
-            <a:extLst>
-              <a:ext uri="{FF2B5EF4-FFF2-40B4-BE49-F238E27FC236}">
-                <a16:creationId xmlns:a16="http://schemas.microsoft.com/office/drawing/2014/main" id="{50ADBE48-36C7-F418-32B1-54CC27C7D0D7}"/>
+                <a16:creationId xmlns:a16="http://schemas.microsoft.com/office/drawing/2014/main" id="{C07CA099-4C7C-11E0-AC31-0629EC12D0F0}"/>
               </a:ext>
             </a:extLst>
           </p:cNvPr>
@@ -3511,54 +3411,18 @@
         </p:nvGrpSpPr>
         <p:grpSpPr>
           <a:xfrm>
-            <a:off x="0" y="-1"/>
-            <a:ext cx="6413495" cy="6584761"/>
-            <a:chOff x="45720" y="-1"/>
-            <a:chExt cx="6413495" cy="6584761"/>
+            <a:off x="0" y="0"/>
+            <a:ext cx="5486400" cy="3429000"/>
+            <a:chOff x="0" y="0"/>
+            <a:chExt cx="5486400" cy="3429000"/>
           </a:xfrm>
         </p:grpSpPr>
-        <p:pic>
-          <p:nvPicPr>
-            <p:cNvPr id="16" name="Picture 15" descr="A diagram of a number of data&#10;&#10;Description automatically generated with medium confidence">
+        <p:grpSp>
+          <p:nvGrpSpPr>
+            <p:cNvPr id="2" name="Group 1">
               <a:extLst>
                 <a:ext uri="{FF2B5EF4-FFF2-40B4-BE49-F238E27FC236}">
-                  <a16:creationId xmlns:a16="http://schemas.microsoft.com/office/drawing/2014/main" id="{CA051D8C-76F8-3D6B-6ABA-A299280F8CB7}"/>
-                </a:ext>
-              </a:extLst>
-            </p:cNvPr>
-            <p:cNvPicPr>
-              <a:picLocks noChangeAspect="1"/>
-            </p:cNvPicPr>
-            <p:nvPr/>
-          </p:nvPicPr>
-          <p:blipFill>
-            <a:blip r:embed="rId3">
-              <a:extLst>
-                <a:ext uri="{28A0092B-C50C-407E-A947-70E740481C1C}">
-                  <a14:useLocalDpi xmlns:a14="http://schemas.microsoft.com/office/drawing/2010/main" val="0"/>
-                </a:ext>
-              </a:extLst>
-            </a:blip>
-            <a:stretch>
-              <a:fillRect/>
-            </a:stretch>
-          </p:blipFill>
-          <p:spPr>
-            <a:xfrm>
-              <a:off x="48017" y="0"/>
-              <a:ext cx="3886013" cy="6583363"/>
-            </a:xfrm>
-            <a:prstGeom prst="rect">
-              <a:avLst/>
-            </a:prstGeom>
-          </p:spPr>
-        </p:pic>
-        <p:grpSp>
-          <p:nvGrpSpPr>
-            <p:cNvPr id="17" name="Group 16">
-              <a:extLst>
-                <a:ext uri="{FF2B5EF4-FFF2-40B4-BE49-F238E27FC236}">
-                  <a16:creationId xmlns:a16="http://schemas.microsoft.com/office/drawing/2014/main" id="{FA916D9B-43AC-AD47-46C0-36529DEF91C0}"/>
+                  <a16:creationId xmlns:a16="http://schemas.microsoft.com/office/drawing/2014/main" id="{F40675F7-F5F7-E9F5-5920-3DB6486B446D}"/>
                 </a:ext>
               </a:extLst>
             </p:cNvPr>
@@ -3567,18 +3431,574 @@
           </p:nvGrpSpPr>
           <p:grpSpPr>
             <a:xfrm>
-              <a:off x="688657" y="501461"/>
-              <a:ext cx="1186657" cy="1763711"/>
-              <a:chOff x="642937" y="500063"/>
-              <a:chExt cx="1186657" cy="1763711"/>
+              <a:off x="0" y="0"/>
+              <a:ext cx="2971800" cy="3429000"/>
+              <a:chOff x="2512442" y="0"/>
+              <a:chExt cx="2971800" cy="3429000"/>
             </a:xfrm>
           </p:grpSpPr>
+          <p:pic>
+            <p:nvPicPr>
+              <p:cNvPr id="3" name="Picture 2" descr="A map of the world with different colored squares&#10;&#10;AI-generated content may be incorrect.">
+                <a:extLst>
+                  <a:ext uri="{FF2B5EF4-FFF2-40B4-BE49-F238E27FC236}">
+                    <a16:creationId xmlns:a16="http://schemas.microsoft.com/office/drawing/2014/main" id="{002FED7B-0713-06F7-B77A-3F140D84E296}"/>
+                  </a:ext>
+                </a:extLst>
+              </p:cNvPr>
+              <p:cNvPicPr>
+                <a:picLocks noChangeAspect="1"/>
+              </p:cNvPicPr>
+              <p:nvPr/>
+            </p:nvPicPr>
+            <p:blipFill>
+              <a:blip r:embed="rId2">
+                <a:extLst>
+                  <a:ext uri="{28A0092B-C50C-407E-A947-70E740481C1C}">
+                    <a14:useLocalDpi xmlns:a14="http://schemas.microsoft.com/office/drawing/2010/main" val="0"/>
+                  </a:ext>
+                </a:extLst>
+              </a:blip>
+              <a:stretch>
+                <a:fillRect/>
+              </a:stretch>
+            </p:blipFill>
+            <p:spPr>
+              <a:xfrm>
+                <a:off x="2512442" y="0"/>
+                <a:ext cx="2971800" cy="3429000"/>
+              </a:xfrm>
+              <a:prstGeom prst="rect">
+                <a:avLst/>
+              </a:prstGeom>
+            </p:spPr>
+          </p:pic>
+          <p:grpSp>
+            <p:nvGrpSpPr>
+              <p:cNvPr id="4" name="Group 3">
+                <a:extLst>
+                  <a:ext uri="{FF2B5EF4-FFF2-40B4-BE49-F238E27FC236}">
+                    <a16:creationId xmlns:a16="http://schemas.microsoft.com/office/drawing/2014/main" id="{D27C72F9-A347-8655-79B8-52A8CA42BEA5}"/>
+                  </a:ext>
+                </a:extLst>
+              </p:cNvPr>
+              <p:cNvGrpSpPr/>
+              <p:nvPr/>
+            </p:nvGrpSpPr>
+            <p:grpSpPr>
+              <a:xfrm>
+                <a:off x="3490952" y="3115866"/>
+                <a:ext cx="1014386" cy="182880"/>
+                <a:chOff x="2318222" y="3291840"/>
+                <a:chExt cx="1014386" cy="182880"/>
+              </a:xfrm>
+            </p:grpSpPr>
+            <p:sp>
+              <p:nvSpPr>
+                <p:cNvPr id="19" name="Rectangle 18">
+                  <a:extLst>
+                    <a:ext uri="{FF2B5EF4-FFF2-40B4-BE49-F238E27FC236}">
+                      <a16:creationId xmlns:a16="http://schemas.microsoft.com/office/drawing/2014/main" id="{EA9A5787-7F3D-2D96-7E3D-1C2859816BE7}"/>
+                    </a:ext>
+                  </a:extLst>
+                </p:cNvPr>
+                <p:cNvSpPr/>
+                <p:nvPr/>
+              </p:nvSpPr>
+              <p:spPr>
+                <a:xfrm>
+                  <a:off x="2852094" y="3291840"/>
+                  <a:ext cx="434094" cy="182880"/>
+                </a:xfrm>
+                <a:prstGeom prst="rect">
+                  <a:avLst/>
+                </a:prstGeom>
+                <a:noFill/>
+                <a:ln>
+                  <a:noFill/>
+                </a:ln>
+              </p:spPr>
+              <p:style>
+                <a:lnRef idx="2">
+                  <a:schemeClr val="accent1">
+                    <a:shade val="15000"/>
+                  </a:schemeClr>
+                </a:lnRef>
+                <a:fillRef idx="1">
+                  <a:schemeClr val="accent1"/>
+                </a:fillRef>
+                <a:effectRef idx="0">
+                  <a:schemeClr val="accent1"/>
+                </a:effectRef>
+                <a:fontRef idx="minor">
+                  <a:schemeClr val="lt1"/>
+                </a:fontRef>
+              </p:style>
+              <p:txBody>
+                <a:bodyPr lIns="0" rIns="0" rtlCol="0" anchor="ctr"/>
+                <a:lstStyle/>
+                <a:p>
+                  <a:pPr algn="ctr"/>
+                  <a:r>
+                    <a:rPr lang="en-US" sz="800" i="1" dirty="0">
+                      <a:solidFill>
+                        <a:schemeClr val="tx1"/>
+                      </a:solidFill>
+                      <a:latin typeface="Arial" panose="020B0604020202020204" pitchFamily="34" charset="0"/>
+                      <a:cs typeface="Arial" panose="020B0604020202020204" pitchFamily="34" charset="0"/>
+                    </a:rPr>
+                    <a:t>delay</a:t>
+                  </a:r>
+                </a:p>
+              </p:txBody>
+            </p:sp>
+            <p:cxnSp>
+              <p:nvCxnSpPr>
+                <p:cNvPr id="20" name="Straight Connector 19">
+                  <a:extLst>
+                    <a:ext uri="{FF2B5EF4-FFF2-40B4-BE49-F238E27FC236}">
+                      <a16:creationId xmlns:a16="http://schemas.microsoft.com/office/drawing/2014/main" id="{C75A7C37-BBA4-56F2-F798-866B9A3BDD32}"/>
+                    </a:ext>
+                  </a:extLst>
+                </p:cNvPr>
+                <p:cNvCxnSpPr>
+                  <a:cxnSpLocks/>
+                </p:cNvCxnSpPr>
+                <p:nvPr/>
+              </p:nvCxnSpPr>
+              <p:spPr>
+                <a:xfrm>
+                  <a:off x="2852094" y="3340889"/>
+                  <a:ext cx="0" cy="130969"/>
+                </a:xfrm>
+                <a:prstGeom prst="line">
+                  <a:avLst/>
+                </a:prstGeom>
+                <a:ln w="6350">
+                  <a:solidFill>
+                    <a:schemeClr val="tx1"/>
+                  </a:solidFill>
+                </a:ln>
+              </p:spPr>
+              <p:style>
+                <a:lnRef idx="2">
+                  <a:schemeClr val="accent1"/>
+                </a:lnRef>
+                <a:fillRef idx="0">
+                  <a:schemeClr val="accent1"/>
+                </a:fillRef>
+                <a:effectRef idx="1">
+                  <a:schemeClr val="accent1"/>
+                </a:effectRef>
+                <a:fontRef idx="minor">
+                  <a:schemeClr val="tx1"/>
+                </a:fontRef>
+              </p:style>
+            </p:cxnSp>
+            <p:cxnSp>
+              <p:nvCxnSpPr>
+                <p:cNvPr id="21" name="Straight Connector 20">
+                  <a:extLst>
+                    <a:ext uri="{FF2B5EF4-FFF2-40B4-BE49-F238E27FC236}">
+                      <a16:creationId xmlns:a16="http://schemas.microsoft.com/office/drawing/2014/main" id="{83653EE6-96D0-C649-9989-4A72D4D17B20}"/>
+                    </a:ext>
+                  </a:extLst>
+                </p:cNvPr>
+                <p:cNvCxnSpPr>
+                  <a:cxnSpLocks/>
+                </p:cNvCxnSpPr>
+                <p:nvPr/>
+              </p:nvCxnSpPr>
+              <p:spPr>
+                <a:xfrm flipH="1">
+                  <a:off x="2931200" y="3471858"/>
+                  <a:ext cx="401408" cy="1268"/>
+                </a:xfrm>
+                <a:prstGeom prst="line">
+                  <a:avLst/>
+                </a:prstGeom>
+                <a:ln w="6350">
+                  <a:solidFill>
+                    <a:schemeClr val="bg1">
+                      <a:lumMod val="65000"/>
+                    </a:schemeClr>
+                  </a:solidFill>
+                  <a:headEnd type="triangle" w="sm" len="sm"/>
+                  <a:tailEnd type="none"/>
+                </a:ln>
+              </p:spPr>
+              <p:style>
+                <a:lnRef idx="2">
+                  <a:schemeClr val="accent1"/>
+                </a:lnRef>
+                <a:fillRef idx="0">
+                  <a:schemeClr val="accent1"/>
+                </a:fillRef>
+                <a:effectRef idx="1">
+                  <a:schemeClr val="accent1"/>
+                </a:effectRef>
+                <a:fontRef idx="minor">
+                  <a:schemeClr val="tx1"/>
+                </a:fontRef>
+              </p:style>
+            </p:cxnSp>
+            <p:sp>
+              <p:nvSpPr>
+                <p:cNvPr id="22" name="Rectangle 21">
+                  <a:extLst>
+                    <a:ext uri="{FF2B5EF4-FFF2-40B4-BE49-F238E27FC236}">
+                      <a16:creationId xmlns:a16="http://schemas.microsoft.com/office/drawing/2014/main" id="{7796A49D-E11A-6894-A61D-84F881623014}"/>
+                    </a:ext>
+                  </a:extLst>
+                </p:cNvPr>
+                <p:cNvSpPr/>
+                <p:nvPr/>
+              </p:nvSpPr>
+              <p:spPr>
+                <a:xfrm>
+                  <a:off x="2318222" y="3291840"/>
+                  <a:ext cx="533872" cy="182880"/>
+                </a:xfrm>
+                <a:prstGeom prst="rect">
+                  <a:avLst/>
+                </a:prstGeom>
+                <a:noFill/>
+                <a:ln>
+                  <a:noFill/>
+                </a:ln>
+              </p:spPr>
+              <p:style>
+                <a:lnRef idx="2">
+                  <a:schemeClr val="accent1">
+                    <a:shade val="15000"/>
+                  </a:schemeClr>
+                </a:lnRef>
+                <a:fillRef idx="1">
+                  <a:schemeClr val="accent1"/>
+                </a:fillRef>
+                <a:effectRef idx="0">
+                  <a:schemeClr val="accent1"/>
+                </a:effectRef>
+                <a:fontRef idx="minor">
+                  <a:schemeClr val="lt1"/>
+                </a:fontRef>
+              </p:style>
+              <p:txBody>
+                <a:bodyPr lIns="0" rIns="0" rtlCol="0" anchor="ctr"/>
+                <a:lstStyle/>
+                <a:p>
+                  <a:pPr algn="ctr"/>
+                  <a:r>
+                    <a:rPr lang="en-US" sz="800" i="1" dirty="0">
+                      <a:solidFill>
+                        <a:schemeClr val="tx1"/>
+                      </a:solidFill>
+                      <a:latin typeface="Arial" panose="020B0604020202020204" pitchFamily="34" charset="0"/>
+                      <a:cs typeface="Arial" panose="020B0604020202020204" pitchFamily="34" charset="0"/>
+                    </a:rPr>
+                    <a:t>advance</a:t>
+                  </a:r>
+                  <a:endParaRPr lang="en-US" sz="850" i="1" dirty="0">
+                    <a:solidFill>
+                      <a:schemeClr val="tx1"/>
+                    </a:solidFill>
+                    <a:latin typeface="Arial" panose="020B0604020202020204" pitchFamily="34" charset="0"/>
+                    <a:cs typeface="Arial" panose="020B0604020202020204" pitchFamily="34" charset="0"/>
+                  </a:endParaRPr>
+                </a:p>
+              </p:txBody>
+            </p:sp>
+            <p:cxnSp>
+              <p:nvCxnSpPr>
+                <p:cNvPr id="23" name="Straight Connector 22">
+                  <a:extLst>
+                    <a:ext uri="{FF2B5EF4-FFF2-40B4-BE49-F238E27FC236}">
+                      <a16:creationId xmlns:a16="http://schemas.microsoft.com/office/drawing/2014/main" id="{92A975FD-92E4-1B36-199A-062E3ED5D54C}"/>
+                    </a:ext>
+                  </a:extLst>
+                </p:cNvPr>
+                <p:cNvCxnSpPr>
+                  <a:cxnSpLocks/>
+                </p:cNvCxnSpPr>
+                <p:nvPr/>
+              </p:nvCxnSpPr>
+              <p:spPr>
+                <a:xfrm>
+                  <a:off x="2384858" y="3473126"/>
+                  <a:ext cx="417232" cy="0"/>
+                </a:xfrm>
+                <a:prstGeom prst="line">
+                  <a:avLst/>
+                </a:prstGeom>
+                <a:ln w="6350">
+                  <a:solidFill>
+                    <a:schemeClr val="bg1">
+                      <a:lumMod val="65000"/>
+                    </a:schemeClr>
+                  </a:solidFill>
+                  <a:headEnd type="triangle" w="sm" len="sm"/>
+                  <a:tailEnd type="none"/>
+                </a:ln>
+              </p:spPr>
+              <p:style>
+                <a:lnRef idx="2">
+                  <a:schemeClr val="accent1"/>
+                </a:lnRef>
+                <a:fillRef idx="0">
+                  <a:schemeClr val="accent1"/>
+                </a:fillRef>
+                <a:effectRef idx="1">
+                  <a:schemeClr val="accent1"/>
+                </a:effectRef>
+                <a:fontRef idx="minor">
+                  <a:schemeClr val="tx1"/>
+                </a:fontRef>
+              </p:style>
+            </p:cxnSp>
+          </p:grpSp>
+          <p:grpSp>
+            <p:nvGrpSpPr>
+              <p:cNvPr id="5" name="Group 4">
+                <a:extLst>
+                  <a:ext uri="{FF2B5EF4-FFF2-40B4-BE49-F238E27FC236}">
+                    <a16:creationId xmlns:a16="http://schemas.microsoft.com/office/drawing/2014/main" id="{316B6764-902A-3F10-C48A-7E739ADB77CE}"/>
+                  </a:ext>
+                </a:extLst>
+              </p:cNvPr>
+              <p:cNvGrpSpPr/>
+              <p:nvPr/>
+            </p:nvGrpSpPr>
+            <p:grpSpPr>
+              <a:xfrm>
+                <a:off x="2674543" y="380047"/>
+                <a:ext cx="2497983" cy="2887472"/>
+                <a:chOff x="1502960" y="432440"/>
+                <a:chExt cx="2497983" cy="2887472"/>
+              </a:xfrm>
+            </p:grpSpPr>
+            <p:pic>
+              <p:nvPicPr>
+                <p:cNvPr id="13" name="Picture 12" descr="A close up of a bird&#10;&#10;Description automatically generated">
+                  <a:extLst>
+                    <a:ext uri="{FF2B5EF4-FFF2-40B4-BE49-F238E27FC236}">
+                      <a16:creationId xmlns:a16="http://schemas.microsoft.com/office/drawing/2014/main" id="{56465C87-EE3F-5E15-A6E7-D709EDACC8E5}"/>
+                    </a:ext>
+                  </a:extLst>
+                </p:cNvPr>
+                <p:cNvPicPr>
+                  <a:picLocks noChangeAspect="1"/>
+                </p:cNvPicPr>
+                <p:nvPr/>
+              </p:nvPicPr>
+              <p:blipFill>
+                <a:blip r:embed="rId3">
+                  <a:extLst>
+                    <a:ext uri="{28A0092B-C50C-407E-A947-70E740481C1C}">
+                      <a14:useLocalDpi xmlns:a14="http://schemas.microsoft.com/office/drawing/2010/main" val="0"/>
+                    </a:ext>
+                  </a:extLst>
+                </a:blip>
+                <a:stretch>
+                  <a:fillRect/>
+                </a:stretch>
+              </p:blipFill>
+              <p:spPr>
+                <a:xfrm>
+                  <a:off x="1502960" y="919005"/>
+                  <a:ext cx="365760" cy="365760"/>
+                </a:xfrm>
+                <a:prstGeom prst="rect">
+                  <a:avLst/>
+                </a:prstGeom>
+              </p:spPr>
+            </p:pic>
+            <p:pic>
+              <p:nvPicPr>
+                <p:cNvPr id="14" name="Picture 13" descr="A black bird with yellow beak&#10;&#10;Description automatically generated">
+                  <a:extLst>
+                    <a:ext uri="{FF2B5EF4-FFF2-40B4-BE49-F238E27FC236}">
+                      <a16:creationId xmlns:a16="http://schemas.microsoft.com/office/drawing/2014/main" id="{F5320841-BE23-B214-7A2D-A434D33D4868}"/>
+                    </a:ext>
+                  </a:extLst>
+                </p:cNvPr>
+                <p:cNvPicPr>
+                  <a:picLocks noChangeAspect="1"/>
+                </p:cNvPicPr>
+                <p:nvPr/>
+              </p:nvPicPr>
+              <p:blipFill>
+                <a:blip r:embed="rId4">
+                  <a:extLst>
+                    <a:ext uri="{28A0092B-C50C-407E-A947-70E740481C1C}">
+                      <a14:useLocalDpi xmlns:a14="http://schemas.microsoft.com/office/drawing/2010/main" val="0"/>
+                    </a:ext>
+                  </a:extLst>
+                </a:blip>
+                <a:stretch>
+                  <a:fillRect/>
+                </a:stretch>
+              </p:blipFill>
+              <p:spPr>
+                <a:xfrm>
+                  <a:off x="2967995" y="432440"/>
+                  <a:ext cx="365760" cy="365760"/>
+                </a:xfrm>
+                <a:prstGeom prst="rect">
+                  <a:avLst/>
+                </a:prstGeom>
+              </p:spPr>
+            </p:pic>
+            <p:pic>
+              <p:nvPicPr>
+                <p:cNvPr id="15" name="Picture 14" descr="A black and white bird with yellow circle&#10;&#10;Description automatically generated">
+                  <a:extLst>
+                    <a:ext uri="{FF2B5EF4-FFF2-40B4-BE49-F238E27FC236}">
+                      <a16:creationId xmlns:a16="http://schemas.microsoft.com/office/drawing/2014/main" id="{ADA95C17-5323-314D-48F3-ED172F2F35BB}"/>
+                    </a:ext>
+                  </a:extLst>
+                </p:cNvPr>
+                <p:cNvPicPr>
+                  <a:picLocks noChangeAspect="1"/>
+                </p:cNvPicPr>
+                <p:nvPr/>
+              </p:nvPicPr>
+              <p:blipFill>
+                <a:blip r:embed="rId5">
+                  <a:extLst>
+                    <a:ext uri="{28A0092B-C50C-407E-A947-70E740481C1C}">
+                      <a14:useLocalDpi xmlns:a14="http://schemas.microsoft.com/office/drawing/2010/main" val="0"/>
+                    </a:ext>
+                  </a:extLst>
+                </a:blip>
+                <a:stretch>
+                  <a:fillRect/>
+                </a:stretch>
+              </p:blipFill>
+              <p:spPr>
+                <a:xfrm>
+                  <a:off x="3632397" y="1516204"/>
+                  <a:ext cx="365760" cy="365760"/>
+                </a:xfrm>
+                <a:prstGeom prst="rect">
+                  <a:avLst/>
+                </a:prstGeom>
+              </p:spPr>
+            </p:pic>
+            <p:pic>
+              <p:nvPicPr>
+                <p:cNvPr id="16" name="Picture 15" descr="A close up of a bird&#10;&#10;Description automatically generated">
+                  <a:extLst>
+                    <a:ext uri="{FF2B5EF4-FFF2-40B4-BE49-F238E27FC236}">
+                      <a16:creationId xmlns:a16="http://schemas.microsoft.com/office/drawing/2014/main" id="{E0917EE6-96F8-55E1-5D61-98F27144E432}"/>
+                    </a:ext>
+                  </a:extLst>
+                </p:cNvPr>
+                <p:cNvPicPr>
+                  <a:picLocks noChangeAspect="1"/>
+                </p:cNvPicPr>
+                <p:nvPr/>
+              </p:nvPicPr>
+              <p:blipFill>
+                <a:blip r:embed="rId3">
+                  <a:extLst>
+                    <a:ext uri="{28A0092B-C50C-407E-A947-70E740481C1C}">
+                      <a14:useLocalDpi xmlns:a14="http://schemas.microsoft.com/office/drawing/2010/main" val="0"/>
+                    </a:ext>
+                  </a:extLst>
+                </a:blip>
+                <a:stretch>
+                  <a:fillRect/>
+                </a:stretch>
+              </p:blipFill>
+              <p:spPr>
+                <a:xfrm>
+                  <a:off x="1502960" y="2327392"/>
+                  <a:ext cx="365760" cy="365760"/>
+                </a:xfrm>
+                <a:prstGeom prst="rect">
+                  <a:avLst/>
+                </a:prstGeom>
+              </p:spPr>
+            </p:pic>
+            <p:pic>
+              <p:nvPicPr>
+                <p:cNvPr id="17" name="Picture 16" descr="A black bird with yellow beak&#10;&#10;Description automatically generated">
+                  <a:extLst>
+                    <a:ext uri="{FF2B5EF4-FFF2-40B4-BE49-F238E27FC236}">
+                      <a16:creationId xmlns:a16="http://schemas.microsoft.com/office/drawing/2014/main" id="{5A05F680-E6DE-6070-0D1C-FE89AC854C39}"/>
+                    </a:ext>
+                  </a:extLst>
+                </p:cNvPr>
+                <p:cNvPicPr>
+                  <a:picLocks noChangeAspect="1"/>
+                </p:cNvPicPr>
+                <p:nvPr/>
+              </p:nvPicPr>
+              <p:blipFill>
+                <a:blip r:embed="rId4">
+                  <a:extLst>
+                    <a:ext uri="{28A0092B-C50C-407E-A947-70E740481C1C}">
+                      <a14:useLocalDpi xmlns:a14="http://schemas.microsoft.com/office/drawing/2010/main" val="0"/>
+                    </a:ext>
+                  </a:extLst>
+                </a:blip>
+                <a:stretch>
+                  <a:fillRect/>
+                </a:stretch>
+              </p:blipFill>
+              <p:spPr>
+                <a:xfrm>
+                  <a:off x="2967995" y="1888127"/>
+                  <a:ext cx="365760" cy="365760"/>
+                </a:xfrm>
+                <a:prstGeom prst="rect">
+                  <a:avLst/>
+                </a:prstGeom>
+              </p:spPr>
+            </p:pic>
+            <p:pic>
+              <p:nvPicPr>
+                <p:cNvPr id="18" name="Picture 17" descr="A black and white bird with yellow circle&#10;&#10;Description automatically generated">
+                  <a:extLst>
+                    <a:ext uri="{FF2B5EF4-FFF2-40B4-BE49-F238E27FC236}">
+                      <a16:creationId xmlns:a16="http://schemas.microsoft.com/office/drawing/2014/main" id="{0F59E11D-B05B-04E9-6DB7-609E55DD65E1}"/>
+                    </a:ext>
+                  </a:extLst>
+                </p:cNvPr>
+                <p:cNvPicPr>
+                  <a:picLocks noChangeAspect="1"/>
+                </p:cNvPicPr>
+                <p:nvPr/>
+              </p:nvPicPr>
+              <p:blipFill>
+                <a:blip r:embed="rId5">
+                  <a:extLst>
+                    <a:ext uri="{28A0092B-C50C-407E-A947-70E740481C1C}">
+                      <a14:useLocalDpi xmlns:a14="http://schemas.microsoft.com/office/drawing/2010/main" val="0"/>
+                    </a:ext>
+                  </a:extLst>
+                </a:blip>
+                <a:stretch>
+                  <a:fillRect/>
+                </a:stretch>
+              </p:blipFill>
+              <p:spPr>
+                <a:xfrm>
+                  <a:off x="3635183" y="2903906"/>
+                  <a:ext cx="365760" cy="416006"/>
+                </a:xfrm>
+                <a:prstGeom prst="rect">
+                  <a:avLst/>
+                </a:prstGeom>
+              </p:spPr>
+            </p:pic>
+          </p:grpSp>
           <p:sp>
             <p:nvSpPr>
-              <p:cNvPr id="84" name="Rectangle 83">
+              <p:cNvPr id="6" name="Rectangle 5">
                 <a:extLst>
                   <a:ext uri="{FF2B5EF4-FFF2-40B4-BE49-F238E27FC236}">
-                    <a16:creationId xmlns:a16="http://schemas.microsoft.com/office/drawing/2014/main" id="{A3E5B1CD-16C2-E3C8-5385-FCD882A55351}"/>
+                    <a16:creationId xmlns:a16="http://schemas.microsoft.com/office/drawing/2014/main" id="{201B7230-97C1-5D0B-0EC4-EC38785F1498}"/>
                   </a:ext>
                 </a:extLst>
               </p:cNvPr>
@@ -3587,112 +4007,8 @@
             </p:nvSpPr>
             <p:spPr>
               <a:xfrm>
-                <a:off x="642938" y="1438275"/>
-                <a:ext cx="1074738" cy="825499"/>
-              </a:xfrm>
-              <a:prstGeom prst="rect">
-                <a:avLst/>
-              </a:prstGeom>
-              <a:solidFill>
-                <a:schemeClr val="bg1"/>
-              </a:solidFill>
-              <a:ln>
-                <a:noFill/>
-              </a:ln>
-            </p:spPr>
-            <p:style>
-              <a:lnRef idx="2">
-                <a:schemeClr val="accent1">
-                  <a:shade val="15000"/>
-                </a:schemeClr>
-              </a:lnRef>
-              <a:fillRef idx="1">
-                <a:schemeClr val="accent1"/>
-              </a:fillRef>
-              <a:effectRef idx="0">
-                <a:schemeClr val="accent1"/>
-              </a:effectRef>
-              <a:fontRef idx="minor">
-                <a:schemeClr val="lt1"/>
-              </a:fontRef>
-            </p:style>
-            <p:txBody>
-              <a:bodyPr rtlCol="0" anchor="ctr"/>
-              <a:lstStyle/>
-              <a:p>
-                <a:pPr algn="ctr"/>
-                <a:r>
-                  <a:rPr lang="en-US" sz="900" b="1" i="1" dirty="0">
-                    <a:solidFill>
-                      <a:schemeClr val="tx1"/>
-                    </a:solidFill>
-                    <a:latin typeface="Arial" panose="020B0604020202020204" pitchFamily="34" charset="0"/>
-                    <a:cs typeface="Arial" panose="020B0604020202020204" pitchFamily="34" charset="0"/>
-                  </a:rPr>
-                  <a:t>Baseline onset</a:t>
-                </a:r>
-              </a:p>
-            </p:txBody>
-          </p:sp>
-          <p:cxnSp>
-            <p:nvCxnSpPr>
-              <p:cNvPr id="85" name="Straight Connector 84">
-                <a:extLst>
-                  <a:ext uri="{FF2B5EF4-FFF2-40B4-BE49-F238E27FC236}">
-                    <a16:creationId xmlns:a16="http://schemas.microsoft.com/office/drawing/2014/main" id="{843ACF6E-7305-40F1-596A-1B0D2B153F97}"/>
-                  </a:ext>
-                </a:extLst>
-              </p:cNvPr>
-              <p:cNvCxnSpPr>
-                <a:cxnSpLocks/>
-              </p:cNvCxnSpPr>
-              <p:nvPr/>
-            </p:nvCxnSpPr>
-            <p:spPr>
-              <a:xfrm>
-                <a:off x="1183482" y="500063"/>
-                <a:ext cx="0" cy="1281112"/>
-              </a:xfrm>
-              <a:prstGeom prst="line">
-                <a:avLst/>
-              </a:prstGeom>
-              <a:ln w="6350">
-                <a:solidFill>
-                  <a:schemeClr val="tx1"/>
-                </a:solidFill>
-              </a:ln>
-            </p:spPr>
-            <p:style>
-              <a:lnRef idx="2">
-                <a:schemeClr val="accent1"/>
-              </a:lnRef>
-              <a:fillRef idx="0">
-                <a:schemeClr val="accent1"/>
-              </a:fillRef>
-              <a:effectRef idx="1">
-                <a:schemeClr val="accent1"/>
-              </a:effectRef>
-              <a:fontRef idx="minor">
-                <a:schemeClr val="tx1"/>
-              </a:fontRef>
-            </p:style>
-          </p:cxnSp>
-          <p:sp>
-            <p:nvSpPr>
-              <p:cNvPr id="86" name="Rectangle 85">
-                <a:extLst>
-                  <a:ext uri="{FF2B5EF4-FFF2-40B4-BE49-F238E27FC236}">
-                    <a16:creationId xmlns:a16="http://schemas.microsoft.com/office/drawing/2014/main" id="{D6AACA2C-D4C9-BF68-1243-C4F5FE95E9E8}"/>
-                  </a:ext>
-                </a:extLst>
-              </p:cNvPr>
-              <p:cNvSpPr/>
-              <p:nvPr/>
-            </p:nvSpPr>
-            <p:spPr>
-              <a:xfrm>
-                <a:off x="972344" y="1495426"/>
-                <a:ext cx="857250" cy="285749"/>
+                <a:off x="2640375" y="1212369"/>
+                <a:ext cx="434095" cy="151057"/>
               </a:xfrm>
               <a:prstGeom prst="rect">
                 <a:avLst/>
@@ -3719,46 +4035,36 @@
               </a:fontRef>
             </p:style>
             <p:txBody>
-              <a:bodyPr rtlCol="0" anchor="ctr"/>
+              <a:bodyPr lIns="0" rIns="0" rtlCol="0" anchor="ctr"/>
               <a:lstStyle/>
               <a:p>
                 <a:pPr algn="ctr"/>
                 <a:r>
                   <a:rPr lang="en-US" sz="800" i="1" dirty="0">
                     <a:solidFill>
-                      <a:schemeClr val="bg1">
-                        <a:lumMod val="50000"/>
-                      </a:schemeClr>
+                      <a:schemeClr val="tx1"/>
                     </a:solidFill>
                     <a:latin typeface="Arial" panose="020B0604020202020204" pitchFamily="34" charset="0"/>
                     <a:cs typeface="Arial" panose="020B0604020202020204" pitchFamily="34" charset="0"/>
                   </a:rPr>
-                  <a:t>after </a:t>
+                  <a:t>May 29</a:t>
                 </a:r>
-              </a:p>
-              <a:p>
-                <a:pPr algn="ctr"/>
-                <a:r>
-                  <a:rPr lang="en-US" sz="800" i="1" dirty="0">
-                    <a:solidFill>
-                      <a:schemeClr val="bg1">
-                        <a:lumMod val="50000"/>
-                      </a:schemeClr>
-                    </a:solidFill>
-                    <a:latin typeface="Arial" panose="020B0604020202020204" pitchFamily="34" charset="0"/>
-                    <a:cs typeface="Arial" panose="020B0604020202020204" pitchFamily="34" charset="0"/>
-                  </a:rPr>
-                  <a:t>sunrise</a:t>
-                </a:r>
+                <a:endParaRPr lang="en-US" sz="850" i="1" dirty="0">
+                  <a:solidFill>
+                    <a:schemeClr val="tx1"/>
+                  </a:solidFill>
+                  <a:latin typeface="Arial" panose="020B0604020202020204" pitchFamily="34" charset="0"/>
+                  <a:cs typeface="Arial" panose="020B0604020202020204" pitchFamily="34" charset="0"/>
+                </a:endParaRPr>
               </a:p>
             </p:txBody>
           </p:sp>
           <p:sp>
             <p:nvSpPr>
-              <p:cNvPr id="87" name="Rectangle 86">
+              <p:cNvPr id="7" name="Rectangle 6">
                 <a:extLst>
                   <a:ext uri="{FF2B5EF4-FFF2-40B4-BE49-F238E27FC236}">
-                    <a16:creationId xmlns:a16="http://schemas.microsoft.com/office/drawing/2014/main" id="{EA2EF6E1-1B81-0DD3-F308-C4DD645CD0AC}"/>
+                    <a16:creationId xmlns:a16="http://schemas.microsoft.com/office/drawing/2014/main" id="{F3CF4F7A-86DA-B624-8B05-0403A5D65E98}"/>
                   </a:ext>
                 </a:extLst>
               </p:cNvPr>
@@ -3767,8 +4073,8 @@
             </p:nvSpPr>
             <p:spPr>
               <a:xfrm>
-                <a:off x="642937" y="1497808"/>
-                <a:ext cx="597391" cy="285749"/>
+                <a:off x="4105410" y="717069"/>
+                <a:ext cx="434095" cy="151057"/>
               </a:xfrm>
               <a:prstGeom prst="rect">
                 <a:avLst/>
@@ -3795,137 +4101,432 @@
               </a:fontRef>
             </p:style>
             <p:txBody>
-              <a:bodyPr rtlCol="0" anchor="ctr"/>
+              <a:bodyPr lIns="0" rIns="0" rtlCol="0" anchor="ctr"/>
               <a:lstStyle/>
               <a:p>
                 <a:pPr algn="ctr"/>
                 <a:r>
                   <a:rPr lang="en-US" sz="800" i="1" dirty="0">
                     <a:solidFill>
-                      <a:schemeClr val="bg1">
-                        <a:lumMod val="50000"/>
-                      </a:schemeClr>
+                      <a:schemeClr val="tx1"/>
                     </a:solidFill>
                     <a:latin typeface="Arial" panose="020B0604020202020204" pitchFamily="34" charset="0"/>
                     <a:cs typeface="Arial" panose="020B0604020202020204" pitchFamily="34" charset="0"/>
                   </a:rPr>
-                  <a:t>before </a:t>
+                  <a:t>Jan 29</a:t>
                 </a:r>
+                <a:endParaRPr lang="en-US" sz="850" i="1" dirty="0">
+                  <a:solidFill>
+                    <a:schemeClr val="tx1"/>
+                  </a:solidFill>
+                  <a:latin typeface="Arial" panose="020B0604020202020204" pitchFamily="34" charset="0"/>
+                  <a:cs typeface="Arial" panose="020B0604020202020204" pitchFamily="34" charset="0"/>
+                </a:endParaRPr>
               </a:p>
+            </p:txBody>
+          </p:sp>
+          <p:sp>
+            <p:nvSpPr>
+              <p:cNvPr id="8" name="Rectangle 7">
+                <a:extLst>
+                  <a:ext uri="{FF2B5EF4-FFF2-40B4-BE49-F238E27FC236}">
+                    <a16:creationId xmlns:a16="http://schemas.microsoft.com/office/drawing/2014/main" id="{A8A1CE2F-BA16-12DE-7E47-56D2C2271229}"/>
+                  </a:ext>
+                </a:extLst>
+              </p:cNvPr>
+              <p:cNvSpPr/>
+              <p:nvPr/>
+            </p:nvSpPr>
+            <p:spPr>
+              <a:xfrm>
+                <a:off x="4763462" y="1791776"/>
+                <a:ext cx="434095" cy="151057"/>
+              </a:xfrm>
+              <a:prstGeom prst="rect">
+                <a:avLst/>
+              </a:prstGeom>
+              <a:noFill/>
+              <a:ln>
+                <a:noFill/>
+              </a:ln>
+            </p:spPr>
+            <p:style>
+              <a:lnRef idx="2">
+                <a:schemeClr val="accent1">
+                  <a:shade val="15000"/>
+                </a:schemeClr>
+              </a:lnRef>
+              <a:fillRef idx="1">
+                <a:schemeClr val="accent1"/>
+              </a:fillRef>
+              <a:effectRef idx="0">
+                <a:schemeClr val="accent1"/>
+              </a:effectRef>
+              <a:fontRef idx="minor">
+                <a:schemeClr val="lt1"/>
+              </a:fontRef>
+            </p:style>
+            <p:txBody>
+              <a:bodyPr lIns="0" rIns="0" rtlCol="0" anchor="ctr"/>
+              <a:lstStyle/>
               <a:p>
                 <a:pPr algn="ctr"/>
                 <a:r>
                   <a:rPr lang="en-US" sz="800" i="1" dirty="0">
                     <a:solidFill>
-                      <a:schemeClr val="bg1">
-                        <a:lumMod val="50000"/>
-                      </a:schemeClr>
+                      <a:schemeClr val="tx1"/>
                     </a:solidFill>
                     <a:latin typeface="Arial" panose="020B0604020202020204" pitchFamily="34" charset="0"/>
                     <a:cs typeface="Arial" panose="020B0604020202020204" pitchFamily="34" charset="0"/>
                   </a:rPr>
-                  <a:t>sunrise</a:t>
+                  <a:t>Sep 29</a:t>
+                </a:r>
+                <a:endParaRPr lang="en-US" sz="850" i="1" dirty="0">
+                  <a:solidFill>
+                    <a:schemeClr val="tx1"/>
+                  </a:solidFill>
+                  <a:latin typeface="Arial" panose="020B0604020202020204" pitchFamily="34" charset="0"/>
+                  <a:cs typeface="Arial" panose="020B0604020202020204" pitchFamily="34" charset="0"/>
+                </a:endParaRPr>
+              </a:p>
+            </p:txBody>
+          </p:sp>
+          <p:sp>
+            <p:nvSpPr>
+              <p:cNvPr id="9" name="Rectangle 8">
+                <a:extLst>
+                  <a:ext uri="{FF2B5EF4-FFF2-40B4-BE49-F238E27FC236}">
+                    <a16:creationId xmlns:a16="http://schemas.microsoft.com/office/drawing/2014/main" id="{7BBF3936-CB16-8C4B-F02E-790E0EF24A08}"/>
+                  </a:ext>
+                </a:extLst>
+              </p:cNvPr>
+              <p:cNvSpPr/>
+              <p:nvPr/>
+            </p:nvSpPr>
+            <p:spPr>
+              <a:xfrm>
+                <a:off x="2635182" y="2622567"/>
+                <a:ext cx="434095" cy="151057"/>
+              </a:xfrm>
+              <a:prstGeom prst="rect">
+                <a:avLst/>
+              </a:prstGeom>
+              <a:noFill/>
+              <a:ln>
+                <a:noFill/>
+              </a:ln>
+            </p:spPr>
+            <p:style>
+              <a:lnRef idx="2">
+                <a:schemeClr val="accent1">
+                  <a:shade val="15000"/>
+                </a:schemeClr>
+              </a:lnRef>
+              <a:fillRef idx="1">
+                <a:schemeClr val="accent1"/>
+              </a:fillRef>
+              <a:effectRef idx="0">
+                <a:schemeClr val="accent1"/>
+              </a:effectRef>
+              <a:fontRef idx="minor">
+                <a:schemeClr val="lt1"/>
+              </a:fontRef>
+            </p:style>
+            <p:txBody>
+              <a:bodyPr lIns="0" rIns="0" rtlCol="0" anchor="ctr"/>
+              <a:lstStyle/>
+              <a:p>
+                <a:pPr algn="ctr"/>
+                <a:r>
+                  <a:rPr lang="en-US" sz="800" i="1" dirty="0">
+                    <a:solidFill>
+                      <a:schemeClr val="tx1"/>
+                    </a:solidFill>
+                    <a:latin typeface="Arial" panose="020B0604020202020204" pitchFamily="34" charset="0"/>
+                    <a:cs typeface="Arial" panose="020B0604020202020204" pitchFamily="34" charset="0"/>
+                  </a:rPr>
+                  <a:t>Sep 11</a:t>
+                </a:r>
+                <a:endParaRPr lang="en-US" sz="850" i="1" dirty="0">
+                  <a:solidFill>
+                    <a:schemeClr val="tx1"/>
+                  </a:solidFill>
+                  <a:latin typeface="Arial" panose="020B0604020202020204" pitchFamily="34" charset="0"/>
+                  <a:cs typeface="Arial" panose="020B0604020202020204" pitchFamily="34" charset="0"/>
+                </a:endParaRPr>
+              </a:p>
+            </p:txBody>
+          </p:sp>
+          <p:sp>
+            <p:nvSpPr>
+              <p:cNvPr id="10" name="Rectangle 9">
+                <a:extLst>
+                  <a:ext uri="{FF2B5EF4-FFF2-40B4-BE49-F238E27FC236}">
+                    <a16:creationId xmlns:a16="http://schemas.microsoft.com/office/drawing/2014/main" id="{3C834611-CC81-BC7A-81EA-76242E0E27F2}"/>
+                  </a:ext>
+                </a:extLst>
+              </p:cNvPr>
+              <p:cNvSpPr/>
+              <p:nvPr/>
+            </p:nvSpPr>
+            <p:spPr>
+              <a:xfrm>
+                <a:off x="4105410" y="2199470"/>
+                <a:ext cx="434095" cy="151057"/>
+              </a:xfrm>
+              <a:prstGeom prst="rect">
+                <a:avLst/>
+              </a:prstGeom>
+              <a:noFill/>
+              <a:ln>
+                <a:noFill/>
+              </a:ln>
+            </p:spPr>
+            <p:style>
+              <a:lnRef idx="2">
+                <a:schemeClr val="accent1">
+                  <a:shade val="15000"/>
+                </a:schemeClr>
+              </a:lnRef>
+              <a:fillRef idx="1">
+                <a:schemeClr val="accent1"/>
+              </a:fillRef>
+              <a:effectRef idx="0">
+                <a:schemeClr val="accent1"/>
+              </a:effectRef>
+              <a:fontRef idx="minor">
+                <a:schemeClr val="lt1"/>
+              </a:fontRef>
+            </p:style>
+            <p:txBody>
+              <a:bodyPr lIns="0" rIns="0" rtlCol="0" anchor="ctr"/>
+              <a:lstStyle/>
+              <a:p>
+                <a:pPr algn="ctr"/>
+                <a:r>
+                  <a:rPr lang="en-US" sz="800" i="1" dirty="0">
+                    <a:solidFill>
+                      <a:schemeClr val="tx1"/>
+                    </a:solidFill>
+                    <a:latin typeface="Arial" panose="020B0604020202020204" pitchFamily="34" charset="0"/>
+                    <a:cs typeface="Arial" panose="020B0604020202020204" pitchFamily="34" charset="0"/>
+                  </a:rPr>
+                  <a:t>Jun 19</a:t>
+                </a:r>
+                <a:endParaRPr lang="en-US" sz="850" i="1" dirty="0">
+                  <a:solidFill>
+                    <a:schemeClr val="tx1"/>
+                  </a:solidFill>
+                  <a:latin typeface="Arial" panose="020B0604020202020204" pitchFamily="34" charset="0"/>
+                  <a:cs typeface="Arial" panose="020B0604020202020204" pitchFamily="34" charset="0"/>
+                </a:endParaRPr>
+              </a:p>
+            </p:txBody>
+          </p:sp>
+          <p:sp>
+            <p:nvSpPr>
+              <p:cNvPr id="11" name="Rectangle 10">
+                <a:extLst>
+                  <a:ext uri="{FF2B5EF4-FFF2-40B4-BE49-F238E27FC236}">
+                    <a16:creationId xmlns:a16="http://schemas.microsoft.com/office/drawing/2014/main" id="{B349E3B1-A066-E5E6-83DB-FA334C7EACA5}"/>
+                  </a:ext>
+                </a:extLst>
+              </p:cNvPr>
+              <p:cNvSpPr/>
+              <p:nvPr/>
+            </p:nvSpPr>
+            <p:spPr>
+              <a:xfrm>
+                <a:off x="4772598" y="3267519"/>
+                <a:ext cx="434095" cy="151057"/>
+              </a:xfrm>
+              <a:prstGeom prst="rect">
+                <a:avLst/>
+              </a:prstGeom>
+              <a:noFill/>
+              <a:ln>
+                <a:noFill/>
+              </a:ln>
+            </p:spPr>
+            <p:style>
+              <a:lnRef idx="2">
+                <a:schemeClr val="accent1">
+                  <a:shade val="15000"/>
+                </a:schemeClr>
+              </a:lnRef>
+              <a:fillRef idx="1">
+                <a:schemeClr val="accent1"/>
+              </a:fillRef>
+              <a:effectRef idx="0">
+                <a:schemeClr val="accent1"/>
+              </a:effectRef>
+              <a:fontRef idx="minor">
+                <a:schemeClr val="lt1"/>
+              </a:fontRef>
+            </p:style>
+            <p:txBody>
+              <a:bodyPr lIns="0" rIns="0" rtlCol="0" anchor="ctr"/>
+              <a:lstStyle/>
+              <a:p>
+                <a:pPr algn="ctr"/>
+                <a:r>
+                  <a:rPr lang="en-US" sz="800" i="1" dirty="0">
+                    <a:solidFill>
+                      <a:schemeClr val="tx1"/>
+                    </a:solidFill>
+                    <a:latin typeface="Arial" panose="020B0604020202020204" pitchFamily="34" charset="0"/>
+                    <a:cs typeface="Arial" panose="020B0604020202020204" pitchFamily="34" charset="0"/>
+                  </a:rPr>
+                  <a:t>Nov 6</a:t>
+                </a:r>
+                <a:endParaRPr lang="en-US" sz="850" i="1" dirty="0">
+                  <a:solidFill>
+                    <a:schemeClr val="tx1"/>
+                  </a:solidFill>
+                  <a:latin typeface="Arial" panose="020B0604020202020204" pitchFamily="34" charset="0"/>
+                  <a:cs typeface="Arial" panose="020B0604020202020204" pitchFamily="34" charset="0"/>
+                </a:endParaRPr>
+              </a:p>
+            </p:txBody>
+          </p:sp>
+          <p:sp>
+            <p:nvSpPr>
+              <p:cNvPr id="12" name="Rectangle 11">
+                <a:extLst>
+                  <a:ext uri="{FF2B5EF4-FFF2-40B4-BE49-F238E27FC236}">
+                    <a16:creationId xmlns:a16="http://schemas.microsoft.com/office/drawing/2014/main" id="{C33D5140-4E11-73AB-63BD-C1EAA0720288}"/>
+                  </a:ext>
+                </a:extLst>
+              </p:cNvPr>
+              <p:cNvSpPr/>
+              <p:nvPr/>
+            </p:nvSpPr>
+            <p:spPr>
+              <a:xfrm>
+                <a:off x="2614527" y="73152"/>
+                <a:ext cx="182877" cy="126076"/>
+              </a:xfrm>
+              <a:prstGeom prst="rect">
+                <a:avLst/>
+              </a:prstGeom>
+              <a:noFill/>
+              <a:ln>
+                <a:noFill/>
+              </a:ln>
+            </p:spPr>
+            <p:style>
+              <a:lnRef idx="2">
+                <a:schemeClr val="accent1">
+                  <a:shade val="15000"/>
+                </a:schemeClr>
+              </a:lnRef>
+              <a:fillRef idx="1">
+                <a:schemeClr val="accent1"/>
+              </a:fillRef>
+              <a:effectRef idx="0">
+                <a:schemeClr val="accent1"/>
+              </a:effectRef>
+              <a:fontRef idx="minor">
+                <a:schemeClr val="lt1"/>
+              </a:fontRef>
+            </p:style>
+            <p:txBody>
+              <a:bodyPr lIns="0" rIns="0" rtlCol="0" anchor="ctr"/>
+              <a:lstStyle/>
+              <a:p>
+                <a:pPr algn="ctr"/>
+                <a:r>
+                  <a:rPr lang="en-US" sz="1000" b="1" dirty="0">
+                    <a:solidFill>
+                      <a:schemeClr val="tx1"/>
+                    </a:solidFill>
+                    <a:latin typeface="Arial" panose="020B0604020202020204" pitchFamily="34" charset="0"/>
+                    <a:cs typeface="Arial" panose="020B0604020202020204" pitchFamily="34" charset="0"/>
+                  </a:rPr>
+                  <a:t>(A)</a:t>
                 </a:r>
               </a:p>
             </p:txBody>
           </p:sp>
-          <p:cxnSp>
-            <p:nvCxnSpPr>
-              <p:cNvPr id="88" name="Straight Arrow Connector 87">
-                <a:extLst>
-                  <a:ext uri="{FF2B5EF4-FFF2-40B4-BE49-F238E27FC236}">
-                    <a16:creationId xmlns:a16="http://schemas.microsoft.com/office/drawing/2014/main" id="{647BC4FB-6118-925C-BD58-63D01493DE54}"/>
-                  </a:ext>
-                </a:extLst>
-              </p:cNvPr>
-              <p:cNvCxnSpPr>
-                <a:cxnSpLocks/>
-              </p:cNvCxnSpPr>
-              <p:nvPr/>
-            </p:nvCxnSpPr>
-            <p:spPr>
-              <a:xfrm>
-                <a:off x="798946" y="1472184"/>
-                <a:ext cx="274320" cy="0"/>
-              </a:xfrm>
-              <a:prstGeom prst="straightConnector1">
-                <a:avLst/>
-              </a:prstGeom>
-              <a:ln w="12700">
-                <a:solidFill>
-                  <a:schemeClr val="tx1"/>
-                </a:solidFill>
-                <a:headEnd type="triangle" w="sm" len="sm"/>
-                <a:tailEnd type="none"/>
-              </a:ln>
-            </p:spPr>
-            <p:style>
-              <a:lnRef idx="2">
-                <a:schemeClr val="accent1"/>
-              </a:lnRef>
-              <a:fillRef idx="0">
-                <a:schemeClr val="accent1"/>
-              </a:fillRef>
-              <a:effectRef idx="1">
-                <a:schemeClr val="accent1"/>
-              </a:effectRef>
-              <a:fontRef idx="minor">
-                <a:schemeClr val="tx1"/>
-              </a:fontRef>
-            </p:style>
-          </p:cxnSp>
-          <p:cxnSp>
-            <p:nvCxnSpPr>
-              <p:cNvPr id="89" name="Straight Arrow Connector 88">
-                <a:extLst>
-                  <a:ext uri="{FF2B5EF4-FFF2-40B4-BE49-F238E27FC236}">
-                    <a16:creationId xmlns:a16="http://schemas.microsoft.com/office/drawing/2014/main" id="{CC2D9442-039B-3FE0-4D4C-BF897A051003}"/>
-                  </a:ext>
-                </a:extLst>
-              </p:cNvPr>
-              <p:cNvCxnSpPr>
-                <a:cxnSpLocks/>
-              </p:cNvCxnSpPr>
-              <p:nvPr/>
-            </p:nvCxnSpPr>
-            <p:spPr>
-              <a:xfrm flipH="1" flipV="1">
-                <a:off x="1263809" y="1473519"/>
-                <a:ext cx="274320" cy="0"/>
-              </a:xfrm>
-              <a:prstGeom prst="straightConnector1">
-                <a:avLst/>
-              </a:prstGeom>
-              <a:ln w="12700">
-                <a:solidFill>
-                  <a:schemeClr val="tx1"/>
-                </a:solidFill>
-                <a:headEnd type="triangle" w="sm" len="sm"/>
-                <a:tailEnd type="none"/>
-              </a:ln>
-            </p:spPr>
-            <p:style>
-              <a:lnRef idx="2">
-                <a:schemeClr val="accent1"/>
-              </a:lnRef>
-              <a:fillRef idx="0">
-                <a:schemeClr val="accent1"/>
-              </a:fillRef>
-              <a:effectRef idx="1">
-                <a:schemeClr val="accent1"/>
-              </a:effectRef>
-              <a:fontRef idx="minor">
-                <a:schemeClr val="tx1"/>
-              </a:fontRef>
-            </p:style>
-          </p:cxnSp>
         </p:grpSp>
+        <p:pic>
+          <p:nvPicPr>
+            <p:cNvPr id="25" name="Picture 24" descr="A graph of light pollution and cossation&#10;&#10;AI-generated content may be incorrect.">
+              <a:extLst>
+                <a:ext uri="{FF2B5EF4-FFF2-40B4-BE49-F238E27FC236}">
+                  <a16:creationId xmlns:a16="http://schemas.microsoft.com/office/drawing/2014/main" id="{8BD2596F-48F4-3BBB-0A48-862E470347BE}"/>
+                </a:ext>
+              </a:extLst>
+            </p:cNvPr>
+            <p:cNvPicPr>
+              <a:picLocks noChangeAspect="1"/>
+            </p:cNvPicPr>
+            <p:nvPr/>
+          </p:nvPicPr>
+          <p:blipFill>
+            <a:blip r:embed="rId6">
+              <a:extLst>
+                <a:ext uri="{28A0092B-C50C-407E-A947-70E740481C1C}">
+                  <a14:useLocalDpi xmlns:a14="http://schemas.microsoft.com/office/drawing/2010/main" val="0"/>
+                </a:ext>
+              </a:extLst>
+            </a:blip>
+            <a:stretch>
+              <a:fillRect/>
+            </a:stretch>
+          </p:blipFill>
+          <p:spPr>
+            <a:xfrm>
+              <a:off x="2825896" y="0"/>
+              <a:ext cx="1371600" cy="3429000"/>
+            </a:xfrm>
+            <a:prstGeom prst="rect">
+              <a:avLst/>
+            </a:prstGeom>
+          </p:spPr>
+        </p:pic>
+        <p:pic>
+          <p:nvPicPr>
+            <p:cNvPr id="29" name="Picture 28" descr="A graph with a red line&#10;&#10;AI-generated content may be incorrect.">
+              <a:extLst>
+                <a:ext uri="{FF2B5EF4-FFF2-40B4-BE49-F238E27FC236}">
+                  <a16:creationId xmlns:a16="http://schemas.microsoft.com/office/drawing/2014/main" id="{1E8D0B39-CBF8-6BB0-A647-AC8D67A47F53}"/>
+                </a:ext>
+              </a:extLst>
+            </p:cNvPr>
+            <p:cNvPicPr>
+              <a:picLocks noChangeAspect="1"/>
+            </p:cNvPicPr>
+            <p:nvPr/>
+          </p:nvPicPr>
+          <p:blipFill>
+            <a:blip r:embed="rId7">
+              <a:extLst>
+                <a:ext uri="{28A0092B-C50C-407E-A947-70E740481C1C}">
+                  <a14:useLocalDpi xmlns:a14="http://schemas.microsoft.com/office/drawing/2010/main" val="0"/>
+                </a:ext>
+              </a:extLst>
+            </a:blip>
+            <a:stretch>
+              <a:fillRect/>
+            </a:stretch>
+          </p:blipFill>
+          <p:spPr>
+            <a:xfrm>
+              <a:off x="4114800" y="0"/>
+              <a:ext cx="1371600" cy="3429000"/>
+            </a:xfrm>
+            <a:prstGeom prst="rect">
+              <a:avLst/>
+            </a:prstGeom>
+          </p:spPr>
+        </p:pic>
         <p:sp>
           <p:nvSpPr>
-            <p:cNvPr id="18" name="Rectangle 17">
+            <p:cNvPr id="30" name="Rectangle 29">
               <a:extLst>
                 <a:ext uri="{FF2B5EF4-FFF2-40B4-BE49-F238E27FC236}">
-                  <a16:creationId xmlns:a16="http://schemas.microsoft.com/office/drawing/2014/main" id="{09AAD42A-D1A1-5E25-0577-91BBBACCF585}"/>
+                  <a16:creationId xmlns:a16="http://schemas.microsoft.com/office/drawing/2014/main" id="{F394E698-12F1-B6C7-D330-189B781713F2}"/>
                 </a:ext>
               </a:extLst>
             </p:cNvPr>
@@ -3933,133 +4534,9 @@
             <p:nvPr/>
           </p:nvSpPr>
           <p:spPr>
-            <a:xfrm rot="16200000">
-              <a:off x="-265130" y="662262"/>
-              <a:ext cx="1370967" cy="646138"/>
-            </a:xfrm>
-            <a:prstGeom prst="rect">
-              <a:avLst/>
-            </a:prstGeom>
-            <a:solidFill>
-              <a:schemeClr val="bg1"/>
-            </a:solidFill>
-            <a:ln>
-              <a:noFill/>
-            </a:ln>
-          </p:spPr>
-          <p:style>
-            <a:lnRef idx="2">
-              <a:schemeClr val="accent1">
-                <a:shade val="15000"/>
-              </a:schemeClr>
-            </a:lnRef>
-            <a:fillRef idx="1">
-              <a:schemeClr val="accent1"/>
-            </a:fillRef>
-            <a:effectRef idx="0">
-              <a:schemeClr val="accent1"/>
-            </a:effectRef>
-            <a:fontRef idx="minor">
-              <a:schemeClr val="lt1"/>
-            </a:fontRef>
-          </p:style>
-          <p:txBody>
-            <a:bodyPr rtlCol="0" anchor="ctr"/>
-            <a:lstStyle/>
-            <a:p>
-              <a:pPr algn="ctr"/>
-              <a:r>
-                <a:rPr lang="en-US" sz="900" b="1" i="1" dirty="0">
-                  <a:solidFill>
-                    <a:schemeClr val="tx1"/>
-                  </a:solidFill>
-                  <a:latin typeface="Arial" panose="020B0604020202020204" pitchFamily="34" charset="0"/>
-                  <a:cs typeface="Arial" panose="020B0604020202020204" pitchFamily="34" charset="0"/>
-                </a:rPr>
-                <a:t>Light pollution effect</a:t>
-              </a:r>
-            </a:p>
-            <a:p>
-              <a:pPr algn="ctr"/>
-              <a:endParaRPr lang="en-US" sz="500" b="1" i="1" dirty="0">
-                <a:solidFill>
-                  <a:schemeClr val="tx1"/>
-                </a:solidFill>
-                <a:latin typeface="Arial" panose="020B0604020202020204" pitchFamily="34" charset="0"/>
-                <a:cs typeface="Arial" panose="020B0604020202020204" pitchFamily="34" charset="0"/>
-              </a:endParaRPr>
-            </a:p>
-            <a:p>
-              <a:pPr algn="ctr"/>
-              <a:endParaRPr lang="en-US" sz="900" b="1" i="1" dirty="0">
-                <a:solidFill>
-                  <a:schemeClr val="tx1"/>
-                </a:solidFill>
-                <a:latin typeface="Arial" panose="020B0604020202020204" pitchFamily="34" charset="0"/>
-                <a:cs typeface="Arial" panose="020B0604020202020204" pitchFamily="34" charset="0"/>
-              </a:endParaRPr>
-            </a:p>
-          </p:txBody>
-        </p:sp>
-        <p:cxnSp>
-          <p:nvCxnSpPr>
-            <p:cNvPr id="19" name="Straight Connector 18">
-              <a:extLst>
-                <a:ext uri="{FF2B5EF4-FFF2-40B4-BE49-F238E27FC236}">
-                  <a16:creationId xmlns:a16="http://schemas.microsoft.com/office/drawing/2014/main" id="{0A524109-64A2-2325-DAB9-FE4544E7083E}"/>
-                </a:ext>
-              </a:extLst>
-            </p:cNvPr>
-            <p:cNvCxnSpPr>
-              <a:cxnSpLocks/>
-            </p:cNvCxnSpPr>
-            <p:nvPr/>
-          </p:nvCxnSpPr>
-          <p:spPr>
-            <a:xfrm flipH="1">
-              <a:off x="486252" y="961523"/>
-              <a:ext cx="1196974" cy="0"/>
-            </a:xfrm>
-            <a:prstGeom prst="line">
-              <a:avLst/>
-            </a:prstGeom>
-            <a:ln w="6350">
-              <a:solidFill>
-                <a:schemeClr val="tx1"/>
-              </a:solidFill>
-            </a:ln>
-          </p:spPr>
-          <p:style>
-            <a:lnRef idx="2">
-              <a:schemeClr val="accent1"/>
-            </a:lnRef>
-            <a:fillRef idx="0">
-              <a:schemeClr val="accent1"/>
-            </a:fillRef>
-            <a:effectRef idx="1">
-              <a:schemeClr val="accent1"/>
-            </a:effectRef>
-            <a:fontRef idx="minor">
-              <a:schemeClr val="tx1"/>
-            </a:fontRef>
-          </p:style>
-        </p:cxnSp>
-        <p:sp>
-          <p:nvSpPr>
-            <p:cNvPr id="20" name="Rectangle 19">
-              <a:extLst>
-                <a:ext uri="{FF2B5EF4-FFF2-40B4-BE49-F238E27FC236}">
-                  <a16:creationId xmlns:a16="http://schemas.microsoft.com/office/drawing/2014/main" id="{1B8B7562-665E-5FF8-C0FE-85FAAE7F7B07}"/>
-                </a:ext>
-              </a:extLst>
-            </p:cNvPr>
-            <p:cNvSpPr/>
-            <p:nvPr/>
-          </p:nvSpPr>
-          <p:spPr>
-            <a:xfrm rot="16200000">
-              <a:off x="183777" y="1122811"/>
-              <a:ext cx="631431" cy="274320"/>
+            <a:xfrm>
+              <a:off x="2971800" y="73152"/>
+              <a:ext cx="182877" cy="126076"/>
             </a:xfrm>
             <a:prstGeom prst="rect">
               <a:avLst/>
@@ -4086,76 +4563,29 @@
             </a:fontRef>
           </p:style>
           <p:txBody>
-            <a:bodyPr rtlCol="0" anchor="ctr"/>
+            <a:bodyPr lIns="0" rIns="0" rtlCol="0" anchor="ctr"/>
             <a:lstStyle/>
             <a:p>
               <a:pPr algn="ctr"/>
               <a:r>
-                <a:rPr lang="en-US" sz="800" i="1" dirty="0">
+                <a:rPr lang="en-US" sz="1000" b="1" dirty="0">
                   <a:solidFill>
-                    <a:schemeClr val="bg1">
-                      <a:lumMod val="50000"/>
-                    </a:schemeClr>
+                    <a:schemeClr val="tx1"/>
                   </a:solidFill>
                   <a:latin typeface="Arial" panose="020B0604020202020204" pitchFamily="34" charset="0"/>
                   <a:cs typeface="Arial" panose="020B0604020202020204" pitchFamily="34" charset="0"/>
                 </a:rPr>
-                <a:t>advance</a:t>
+                <a:t>(B)</a:t>
               </a:r>
             </a:p>
           </p:txBody>
         </p:sp>
-        <p:cxnSp>
-          <p:nvCxnSpPr>
-            <p:cNvPr id="21" name="Straight Arrow Connector 20">
+        <p:sp>
+          <p:nvSpPr>
+            <p:cNvPr id="31" name="Rectangle 30">
               <a:extLst>
                 <a:ext uri="{FF2B5EF4-FFF2-40B4-BE49-F238E27FC236}">
-                  <a16:creationId xmlns:a16="http://schemas.microsoft.com/office/drawing/2014/main" id="{7298496A-F513-3746-8EEB-89A12FF3847E}"/>
-                </a:ext>
-              </a:extLst>
-            </p:cNvPr>
-            <p:cNvCxnSpPr>
-              <a:cxnSpLocks/>
-            </p:cNvCxnSpPr>
-            <p:nvPr/>
-          </p:nvCxnSpPr>
-          <p:spPr>
-            <a:xfrm flipV="1">
-              <a:off x="646086" y="1122813"/>
-              <a:ext cx="0" cy="274320"/>
-            </a:xfrm>
-            <a:prstGeom prst="straightConnector1">
-              <a:avLst/>
-            </a:prstGeom>
-            <a:ln w="12700">
-              <a:solidFill>
-                <a:schemeClr val="tx1"/>
-              </a:solidFill>
-              <a:headEnd type="triangle" w="sm" len="sm"/>
-              <a:tailEnd type="none"/>
-            </a:ln>
-          </p:spPr>
-          <p:style>
-            <a:lnRef idx="2">
-              <a:schemeClr val="accent1"/>
-            </a:lnRef>
-            <a:fillRef idx="0">
-              <a:schemeClr val="accent1"/>
-            </a:fillRef>
-            <a:effectRef idx="1">
-              <a:schemeClr val="accent1"/>
-            </a:effectRef>
-            <a:fontRef idx="minor">
-              <a:schemeClr val="tx1"/>
-            </a:fontRef>
-          </p:style>
-        </p:cxnSp>
-        <p:sp>
-          <p:nvSpPr>
-            <p:cNvPr id="22" name="Rectangle 21">
-              <a:extLst>
-                <a:ext uri="{FF2B5EF4-FFF2-40B4-BE49-F238E27FC236}">
-                  <a16:creationId xmlns:a16="http://schemas.microsoft.com/office/drawing/2014/main" id="{EB414946-9540-9E0E-9B47-BC41121B44B3}"/>
+                  <a16:creationId xmlns:a16="http://schemas.microsoft.com/office/drawing/2014/main" id="{D252E22C-8F5D-B364-2B82-BFAFDD0BB32B}"/>
                 </a:ext>
               </a:extLst>
             </p:cNvPr>
@@ -4163,9 +4593,9 @@
             <p:nvPr/>
           </p:nvSpPr>
           <p:spPr>
-            <a:xfrm rot="16200000">
-              <a:off x="228600" y="573279"/>
-              <a:ext cx="541784" cy="274320"/>
+            <a:xfrm>
+              <a:off x="4237702" y="73152"/>
+              <a:ext cx="182877" cy="126076"/>
             </a:xfrm>
             <a:prstGeom prst="rect">
               <a:avLst/>
@@ -4192,374 +4622,7 @@
             </a:fontRef>
           </p:style>
           <p:txBody>
-            <a:bodyPr rtlCol="0" anchor="ctr"/>
-            <a:lstStyle/>
-            <a:p>
-              <a:pPr algn="ctr"/>
-              <a:r>
-                <a:rPr lang="en-US" sz="800" i="1" dirty="0">
-                  <a:solidFill>
-                    <a:schemeClr val="bg1">
-                      <a:lumMod val="50000"/>
-                    </a:schemeClr>
-                  </a:solidFill>
-                  <a:latin typeface="Arial" panose="020B0604020202020204" pitchFamily="34" charset="0"/>
-                  <a:cs typeface="Arial" panose="020B0604020202020204" pitchFamily="34" charset="0"/>
-                </a:rPr>
-                <a:t>delay</a:t>
-              </a:r>
-            </a:p>
-          </p:txBody>
-        </p:sp>
-        <p:cxnSp>
-          <p:nvCxnSpPr>
-            <p:cNvPr id="23" name="Straight Arrow Connector 22">
-              <a:extLst>
-                <a:ext uri="{FF2B5EF4-FFF2-40B4-BE49-F238E27FC236}">
-                  <a16:creationId xmlns:a16="http://schemas.microsoft.com/office/drawing/2014/main" id="{5A217284-653D-DA4B-FD1C-4F11427E0D49}"/>
-                </a:ext>
-              </a:extLst>
-            </p:cNvPr>
-            <p:cNvCxnSpPr>
-              <a:cxnSpLocks/>
-            </p:cNvCxnSpPr>
-            <p:nvPr/>
-          </p:nvCxnSpPr>
-          <p:spPr>
-            <a:xfrm flipH="1">
-              <a:off x="650229" y="594332"/>
-              <a:ext cx="3940" cy="274320"/>
-            </a:xfrm>
-            <a:prstGeom prst="straightConnector1">
-              <a:avLst/>
-            </a:prstGeom>
-            <a:ln w="12700">
-              <a:solidFill>
-                <a:schemeClr val="tx1"/>
-              </a:solidFill>
-              <a:headEnd type="triangle" w="sm" len="sm"/>
-              <a:tailEnd type="none"/>
-            </a:ln>
-          </p:spPr>
-          <p:style>
-            <a:lnRef idx="2">
-              <a:schemeClr val="accent1"/>
-            </a:lnRef>
-            <a:fillRef idx="0">
-              <a:schemeClr val="accent1"/>
-            </a:fillRef>
-            <a:effectRef idx="1">
-              <a:schemeClr val="accent1"/>
-            </a:effectRef>
-            <a:fontRef idx="minor">
-              <a:schemeClr val="tx1"/>
-            </a:fontRef>
-          </p:style>
-        </p:cxnSp>
-        <p:sp>
-          <p:nvSpPr>
-            <p:cNvPr id="24" name="Rectangle 23">
-              <a:extLst>
-                <a:ext uri="{FF2B5EF4-FFF2-40B4-BE49-F238E27FC236}">
-                  <a16:creationId xmlns:a16="http://schemas.microsoft.com/office/drawing/2014/main" id="{1239E492-CCFB-8F05-3B28-1BFEA5006121}"/>
-                </a:ext>
-              </a:extLst>
-            </p:cNvPr>
-            <p:cNvSpPr/>
-            <p:nvPr/>
-          </p:nvSpPr>
-          <p:spPr>
-            <a:xfrm rot="16200000">
-              <a:off x="570603" y="3188197"/>
-              <a:ext cx="6584761" cy="208366"/>
-            </a:xfrm>
-            <a:prstGeom prst="rect">
-              <a:avLst/>
-            </a:prstGeom>
-            <a:solidFill>
-              <a:schemeClr val="bg1"/>
-            </a:solidFill>
-            <a:ln>
-              <a:noFill/>
-            </a:ln>
-          </p:spPr>
-          <p:style>
-            <a:lnRef idx="2">
-              <a:schemeClr val="accent1">
-                <a:shade val="15000"/>
-              </a:schemeClr>
-            </a:lnRef>
-            <a:fillRef idx="1">
-              <a:schemeClr val="accent1"/>
-            </a:fillRef>
-            <a:effectRef idx="0">
-              <a:schemeClr val="accent1"/>
-            </a:effectRef>
-            <a:fontRef idx="minor">
-              <a:schemeClr val="lt1"/>
-            </a:fontRef>
-          </p:style>
-          <p:txBody>
-            <a:bodyPr rtlCol="0" anchor="ctr"/>
-            <a:lstStyle/>
-            <a:p>
-              <a:pPr algn="ctr"/>
-              <a:r>
-                <a:rPr lang="en-US" sz="900" dirty="0">
-                  <a:solidFill>
-                    <a:schemeClr val="tx1"/>
-                  </a:solidFill>
-                  <a:latin typeface="Arial" panose="020B0604020202020204" pitchFamily="34" charset="0"/>
-                  <a:cs typeface="Arial" panose="020B0604020202020204" pitchFamily="34" charset="0"/>
-                </a:rPr>
-                <a:t>Time (</a:t>
-              </a:r>
-              <a:r>
-                <a:rPr lang="en-US" sz="900" dirty="0" err="1">
-                  <a:solidFill>
-                    <a:schemeClr val="tx1"/>
-                  </a:solidFill>
-                  <a:latin typeface="Arial" panose="020B0604020202020204" pitchFamily="34" charset="0"/>
-                  <a:cs typeface="Arial" panose="020B0604020202020204" pitchFamily="34" charset="0"/>
-                </a:rPr>
-                <a:t>hr</a:t>
-              </a:r>
-              <a:r>
-                <a:rPr lang="en-US" sz="900" dirty="0">
-                  <a:solidFill>
-                    <a:schemeClr val="tx1"/>
-                  </a:solidFill>
-                  <a:latin typeface="Arial" panose="020B0604020202020204" pitchFamily="34" charset="0"/>
-                  <a:cs typeface="Arial" panose="020B0604020202020204" pitchFamily="34" charset="0"/>
-                </a:rPr>
-                <a:t>) relative to sunrise or sunset</a:t>
-              </a:r>
-              <a:endParaRPr lang="en-US" sz="500" dirty="0">
-                <a:solidFill>
-                  <a:schemeClr val="tx1"/>
-                </a:solidFill>
-                <a:latin typeface="Arial" panose="020B0604020202020204" pitchFamily="34" charset="0"/>
-                <a:cs typeface="Arial" panose="020B0604020202020204" pitchFamily="34" charset="0"/>
-              </a:endParaRPr>
-            </a:p>
-          </p:txBody>
-        </p:sp>
-        <p:cxnSp>
-          <p:nvCxnSpPr>
-            <p:cNvPr id="25" name="Straight Arrow Connector 24">
-              <a:extLst>
-                <a:ext uri="{FF2B5EF4-FFF2-40B4-BE49-F238E27FC236}">
-                  <a16:creationId xmlns:a16="http://schemas.microsoft.com/office/drawing/2014/main" id="{6F5D603B-0B3E-C085-59C0-21E81CD8188A}"/>
-                </a:ext>
-              </a:extLst>
-            </p:cNvPr>
-            <p:cNvCxnSpPr>
-              <a:cxnSpLocks/>
-            </p:cNvCxnSpPr>
-            <p:nvPr/>
-          </p:nvCxnSpPr>
-          <p:spPr>
-            <a:xfrm>
-              <a:off x="4216024" y="1301877"/>
-              <a:ext cx="981959" cy="0"/>
-            </a:xfrm>
-            <a:prstGeom prst="straightConnector1">
-              <a:avLst/>
-            </a:prstGeom>
-            <a:ln w="25400">
-              <a:gradFill flip="none" rotWithShape="1">
-                <a:gsLst>
-                  <a:gs pos="0">
-                    <a:srgbClr val="5D6174"/>
-                  </a:gs>
-                  <a:gs pos="100000">
-                    <a:srgbClr val="F7C267"/>
-                  </a:gs>
-                </a:gsLst>
-                <a:lin ang="0" scaled="1"/>
-                <a:tileRect/>
-              </a:gradFill>
-              <a:tailEnd type="none"/>
-            </a:ln>
-          </p:spPr>
-          <p:style>
-            <a:lnRef idx="2">
-              <a:schemeClr val="accent1"/>
-            </a:lnRef>
-            <a:fillRef idx="0">
-              <a:schemeClr val="accent1"/>
-            </a:fillRef>
-            <a:effectRef idx="1">
-              <a:schemeClr val="accent1"/>
-            </a:effectRef>
-            <a:fontRef idx="minor">
-              <a:schemeClr val="tx1"/>
-            </a:fontRef>
-          </p:style>
-        </p:cxnSp>
-        <p:sp>
-          <p:nvSpPr>
-            <p:cNvPr id="26" name="Rectangle 25">
-              <a:extLst>
-                <a:ext uri="{FF2B5EF4-FFF2-40B4-BE49-F238E27FC236}">
-                  <a16:creationId xmlns:a16="http://schemas.microsoft.com/office/drawing/2014/main" id="{C251790D-0AA1-D604-9E1B-305ABBF4338A}"/>
-                </a:ext>
-              </a:extLst>
-            </p:cNvPr>
-            <p:cNvSpPr/>
-            <p:nvPr/>
-          </p:nvSpPr>
-          <p:spPr>
-            <a:xfrm>
-              <a:off x="45720" y="36574"/>
-              <a:ext cx="455804" cy="216838"/>
-            </a:xfrm>
-            <a:prstGeom prst="rect">
-              <a:avLst/>
-            </a:prstGeom>
-            <a:solidFill>
-              <a:schemeClr val="bg1"/>
-            </a:solidFill>
-            <a:ln>
-              <a:noFill/>
-            </a:ln>
-          </p:spPr>
-          <p:style>
-            <a:lnRef idx="2">
-              <a:schemeClr val="accent1">
-                <a:shade val="15000"/>
-              </a:schemeClr>
-            </a:lnRef>
-            <a:fillRef idx="1">
-              <a:schemeClr val="accent1"/>
-            </a:fillRef>
-            <a:effectRef idx="0">
-              <a:schemeClr val="accent1"/>
-            </a:effectRef>
-            <a:fontRef idx="minor">
-              <a:schemeClr val="lt1"/>
-            </a:fontRef>
-          </p:style>
-          <p:txBody>
-            <a:bodyPr rtlCol="0" anchor="ctr"/>
-            <a:lstStyle/>
-            <a:p>
-              <a:pPr algn="ctr"/>
-              <a:r>
-                <a:rPr lang="en-US" sz="1000" b="1" dirty="0">
-                  <a:solidFill>
-                    <a:schemeClr val="tx1"/>
-                  </a:solidFill>
-                  <a:latin typeface="Arial" panose="020B0604020202020204" pitchFamily="34" charset="0"/>
-                  <a:cs typeface="Arial" panose="020B0604020202020204" pitchFamily="34" charset="0"/>
-                </a:rPr>
-                <a:t>(A)</a:t>
-              </a:r>
-            </a:p>
-          </p:txBody>
-        </p:sp>
-        <p:sp>
-          <p:nvSpPr>
-            <p:cNvPr id="27" name="Rectangle 26">
-              <a:extLst>
-                <a:ext uri="{FF2B5EF4-FFF2-40B4-BE49-F238E27FC236}">
-                  <a16:creationId xmlns:a16="http://schemas.microsoft.com/office/drawing/2014/main" id="{3D717055-F7E1-719C-8D0A-03218046D726}"/>
-                </a:ext>
-              </a:extLst>
-            </p:cNvPr>
-            <p:cNvSpPr/>
-            <p:nvPr/>
-          </p:nvSpPr>
-          <p:spPr>
-            <a:xfrm>
-              <a:off x="3916058" y="81611"/>
-              <a:ext cx="455804" cy="216838"/>
-            </a:xfrm>
-            <a:prstGeom prst="rect">
-              <a:avLst/>
-            </a:prstGeom>
-            <a:noFill/>
-            <a:ln>
-              <a:noFill/>
-            </a:ln>
-          </p:spPr>
-          <p:style>
-            <a:lnRef idx="2">
-              <a:schemeClr val="accent1">
-                <a:shade val="15000"/>
-              </a:schemeClr>
-            </a:lnRef>
-            <a:fillRef idx="1">
-              <a:schemeClr val="accent1"/>
-            </a:fillRef>
-            <a:effectRef idx="0">
-              <a:schemeClr val="accent1"/>
-            </a:effectRef>
-            <a:fontRef idx="minor">
-              <a:schemeClr val="lt1"/>
-            </a:fontRef>
-          </p:style>
-          <p:txBody>
-            <a:bodyPr rtlCol="0" anchor="ctr"/>
-            <a:lstStyle/>
-            <a:p>
-              <a:pPr algn="ctr"/>
-              <a:r>
-                <a:rPr lang="en-US" sz="1000" b="1" dirty="0">
-                  <a:solidFill>
-                    <a:schemeClr val="tx1"/>
-                  </a:solidFill>
-                  <a:latin typeface="Arial" panose="020B0604020202020204" pitchFamily="34" charset="0"/>
-                  <a:cs typeface="Arial" panose="020B0604020202020204" pitchFamily="34" charset="0"/>
-                </a:rPr>
-                <a:t>(B)</a:t>
-              </a:r>
-            </a:p>
-          </p:txBody>
-        </p:sp>
-        <p:sp>
-          <p:nvSpPr>
-            <p:cNvPr id="28" name="Rectangle 27">
-              <a:extLst>
-                <a:ext uri="{FF2B5EF4-FFF2-40B4-BE49-F238E27FC236}">
-                  <a16:creationId xmlns:a16="http://schemas.microsoft.com/office/drawing/2014/main" id="{CEC6E966-7BBC-1CE5-5BCE-F2D752AF60A9}"/>
-                </a:ext>
-              </a:extLst>
-            </p:cNvPr>
-            <p:cNvSpPr/>
-            <p:nvPr/>
-          </p:nvSpPr>
-          <p:spPr>
-            <a:xfrm>
-              <a:off x="3941613" y="1657516"/>
-              <a:ext cx="455804" cy="216838"/>
-            </a:xfrm>
-            <a:prstGeom prst="rect">
-              <a:avLst/>
-            </a:prstGeom>
-            <a:noFill/>
-            <a:ln>
-              <a:noFill/>
-            </a:ln>
-          </p:spPr>
-          <p:style>
-            <a:lnRef idx="2">
-              <a:schemeClr val="accent1">
-                <a:shade val="15000"/>
-              </a:schemeClr>
-            </a:lnRef>
-            <a:fillRef idx="1">
-              <a:schemeClr val="accent1"/>
-            </a:fillRef>
-            <a:effectRef idx="0">
-              <a:schemeClr val="accent1"/>
-            </a:effectRef>
-            <a:fontRef idx="minor">
-              <a:schemeClr val="lt1"/>
-            </a:fontRef>
-          </p:style>
-          <p:txBody>
-            <a:bodyPr rtlCol="0" anchor="ctr"/>
+            <a:bodyPr lIns="0" rIns="0" rtlCol="0" anchor="ctr"/>
             <a:lstStyle/>
             <a:p>
               <a:pPr algn="ctr"/>
@@ -4576,1044 +4639,233 @@
             </a:p>
           </p:txBody>
         </p:sp>
-        <p:sp>
-          <p:nvSpPr>
-            <p:cNvPr id="29" name="Rectangle 28">
-              <a:extLst>
-                <a:ext uri="{FF2B5EF4-FFF2-40B4-BE49-F238E27FC236}">
-                  <a16:creationId xmlns:a16="http://schemas.microsoft.com/office/drawing/2014/main" id="{13E65F7A-DDDE-FD54-FA90-672600F349E5}"/>
-                </a:ext>
-              </a:extLst>
-            </p:cNvPr>
-            <p:cNvSpPr/>
-            <p:nvPr/>
-          </p:nvSpPr>
-          <p:spPr>
-            <a:xfrm>
-              <a:off x="3967167" y="3145527"/>
-              <a:ext cx="455804" cy="216838"/>
-            </a:xfrm>
-            <a:prstGeom prst="rect">
-              <a:avLst/>
-            </a:prstGeom>
+      </p:grpSp>
+      <p:sp>
+        <p:nvSpPr>
+          <p:cNvPr id="34" name="Rectangle 33">
+            <a:extLst>
+              <a:ext uri="{FF2B5EF4-FFF2-40B4-BE49-F238E27FC236}">
+                <a16:creationId xmlns:a16="http://schemas.microsoft.com/office/drawing/2014/main" id="{85607A23-D195-717E-57A9-6A9102655264}"/>
+              </a:ext>
+            </a:extLst>
+          </p:cNvPr>
+          <p:cNvSpPr/>
+          <p:nvPr/>
+        </p:nvSpPr>
+        <p:spPr>
+          <a:xfrm>
+            <a:off x="3814987" y="220477"/>
+            <a:ext cx="401061" cy="242700"/>
+          </a:xfrm>
+          <a:prstGeom prst="rect">
+            <a:avLst/>
+          </a:prstGeom>
+          <a:solidFill>
+            <a:schemeClr val="bg1"/>
+          </a:solidFill>
+          <a:ln>
             <a:noFill/>
-            <a:ln>
-              <a:noFill/>
-            </a:ln>
-          </p:spPr>
-          <p:style>
-            <a:lnRef idx="2">
-              <a:schemeClr val="accent1">
-                <a:shade val="15000"/>
-              </a:schemeClr>
-            </a:lnRef>
-            <a:fillRef idx="1">
-              <a:schemeClr val="accent1"/>
-            </a:fillRef>
-            <a:effectRef idx="0">
-              <a:schemeClr val="accent1"/>
-            </a:effectRef>
-            <a:fontRef idx="minor">
-              <a:schemeClr val="lt1"/>
-            </a:fontRef>
-          </p:style>
-          <p:txBody>
-            <a:bodyPr rtlCol="0" anchor="ctr"/>
-            <a:lstStyle/>
-            <a:p>
-              <a:pPr algn="ctr"/>
-              <a:r>
-                <a:rPr lang="en-US" sz="1000" b="1" dirty="0">
-                  <a:solidFill>
-                    <a:schemeClr val="tx1"/>
-                  </a:solidFill>
-                  <a:latin typeface="Arial" panose="020B0604020202020204" pitchFamily="34" charset="0"/>
-                  <a:cs typeface="Arial" panose="020B0604020202020204" pitchFamily="34" charset="0"/>
-                </a:rPr>
-                <a:t>(D)</a:t>
-              </a:r>
-            </a:p>
-          </p:txBody>
-        </p:sp>
-        <p:sp>
-          <p:nvSpPr>
-            <p:cNvPr id="30" name="Rectangle 29">
-              <a:extLst>
-                <a:ext uri="{FF2B5EF4-FFF2-40B4-BE49-F238E27FC236}">
-                  <a16:creationId xmlns:a16="http://schemas.microsoft.com/office/drawing/2014/main" id="{F03526F6-5615-6765-4FB9-9F92C5EA44C4}"/>
-                </a:ext>
-              </a:extLst>
-            </p:cNvPr>
-            <p:cNvSpPr/>
-            <p:nvPr/>
-          </p:nvSpPr>
-          <p:spPr>
-            <a:xfrm>
-              <a:off x="3967167" y="4651901"/>
-              <a:ext cx="455804" cy="216838"/>
-            </a:xfrm>
-            <a:prstGeom prst="rect">
-              <a:avLst/>
-            </a:prstGeom>
+          </a:ln>
+        </p:spPr>
+        <p:style>
+          <a:lnRef idx="2">
+            <a:schemeClr val="accent1">
+              <a:shade val="15000"/>
+            </a:schemeClr>
+          </a:lnRef>
+          <a:fillRef idx="1">
+            <a:schemeClr val="accent1"/>
+          </a:fillRef>
+          <a:effectRef idx="0">
+            <a:schemeClr val="accent1"/>
+          </a:effectRef>
+          <a:fontRef idx="minor">
+            <a:schemeClr val="lt1"/>
+          </a:fontRef>
+        </p:style>
+        <p:txBody>
+          <a:bodyPr lIns="0" rIns="0" rtlCol="0" anchor="ctr"/>
+          <a:lstStyle/>
+          <a:p>
+            <a:pPr algn="ctr"/>
+            <a:endParaRPr lang="en-US" sz="600" i="1" dirty="0">
+              <a:solidFill>
+                <a:schemeClr val="tx1"/>
+              </a:solidFill>
+              <a:latin typeface="Arial" panose="020B0604020202020204" pitchFamily="34" charset="0"/>
+              <a:cs typeface="Arial" panose="020B0604020202020204" pitchFamily="34" charset="0"/>
+            </a:endParaRPr>
+          </a:p>
+        </p:txBody>
+      </p:sp>
+      <p:sp>
+        <p:nvSpPr>
+          <p:cNvPr id="33" name="Rectangle 32">
+            <a:extLst>
+              <a:ext uri="{FF2B5EF4-FFF2-40B4-BE49-F238E27FC236}">
+                <a16:creationId xmlns:a16="http://schemas.microsoft.com/office/drawing/2014/main" id="{DA8BFDB7-5467-1719-9821-5CDC24CF2E36}"/>
+              </a:ext>
+            </a:extLst>
+          </p:cNvPr>
+          <p:cNvSpPr/>
+          <p:nvPr/>
+        </p:nvSpPr>
+        <p:spPr>
+          <a:xfrm>
+            <a:off x="3667883" y="211228"/>
+            <a:ext cx="647116" cy="242700"/>
+          </a:xfrm>
+          <a:prstGeom prst="rect">
+            <a:avLst/>
+          </a:prstGeom>
+          <a:noFill/>
+          <a:ln>
             <a:noFill/>
-            <a:ln>
-              <a:noFill/>
-            </a:ln>
-          </p:spPr>
-          <p:style>
-            <a:lnRef idx="2">
-              <a:schemeClr val="accent1">
-                <a:shade val="15000"/>
-              </a:schemeClr>
-            </a:lnRef>
-            <a:fillRef idx="1">
-              <a:schemeClr val="accent1"/>
-            </a:fillRef>
-            <a:effectRef idx="0">
-              <a:schemeClr val="accent1"/>
-            </a:effectRef>
-            <a:fontRef idx="minor">
-              <a:schemeClr val="lt1"/>
-            </a:fontRef>
-          </p:style>
-          <p:txBody>
-            <a:bodyPr rtlCol="0" anchor="ctr"/>
-            <a:lstStyle/>
-            <a:p>
-              <a:pPr algn="ctr"/>
-              <a:r>
-                <a:rPr lang="en-US" sz="1000" b="1" dirty="0">
-                  <a:solidFill>
-                    <a:schemeClr val="tx1"/>
-                  </a:solidFill>
-                  <a:latin typeface="Arial" panose="020B0604020202020204" pitchFamily="34" charset="0"/>
-                  <a:cs typeface="Arial" panose="020B0604020202020204" pitchFamily="34" charset="0"/>
-                </a:rPr>
-                <a:t>(E)</a:t>
-              </a:r>
-            </a:p>
-          </p:txBody>
-        </p:sp>
-        <p:grpSp>
-          <p:nvGrpSpPr>
-            <p:cNvPr id="31" name="Group 30">
-              <a:extLst>
-                <a:ext uri="{FF2B5EF4-FFF2-40B4-BE49-F238E27FC236}">
-                  <a16:creationId xmlns:a16="http://schemas.microsoft.com/office/drawing/2014/main" id="{337567D1-27BE-6AD9-C41B-917F986071A3}"/>
-                </a:ext>
-              </a:extLst>
-            </p:cNvPr>
-            <p:cNvGrpSpPr/>
-            <p:nvPr/>
-          </p:nvGrpSpPr>
-          <p:grpSpPr>
-            <a:xfrm>
-              <a:off x="97285" y="298449"/>
-              <a:ext cx="1778029" cy="1965325"/>
-              <a:chOff x="51565" y="298449"/>
-              <a:chExt cx="1778029" cy="1965325"/>
-            </a:xfrm>
-          </p:grpSpPr>
-          <p:grpSp>
-            <p:nvGrpSpPr>
-              <p:cNvPr id="47" name="Group 46">
-                <a:extLst>
-                  <a:ext uri="{FF2B5EF4-FFF2-40B4-BE49-F238E27FC236}">
-                    <a16:creationId xmlns:a16="http://schemas.microsoft.com/office/drawing/2014/main" id="{FA916D9B-43AC-AD47-46C0-36529DEF91C0}"/>
-                  </a:ext>
-                </a:extLst>
-              </p:cNvPr>
-              <p:cNvGrpSpPr/>
-              <p:nvPr/>
-            </p:nvGrpSpPr>
-            <p:grpSpPr>
-              <a:xfrm>
-                <a:off x="642937" y="500063"/>
-                <a:ext cx="1186657" cy="1763711"/>
-                <a:chOff x="642937" y="500063"/>
-                <a:chExt cx="1186657" cy="1763711"/>
-              </a:xfrm>
-            </p:grpSpPr>
-            <p:sp>
-              <p:nvSpPr>
-                <p:cNvPr id="80" name="Rectangle 79">
-                  <a:extLst>
-                    <a:ext uri="{FF2B5EF4-FFF2-40B4-BE49-F238E27FC236}">
-                      <a16:creationId xmlns:a16="http://schemas.microsoft.com/office/drawing/2014/main" id="{A3E5B1CD-16C2-E3C8-5385-FCD882A55351}"/>
-                    </a:ext>
-                  </a:extLst>
-                </p:cNvPr>
-                <p:cNvSpPr/>
-                <p:nvPr/>
-              </p:nvSpPr>
-              <p:spPr>
-                <a:xfrm>
-                  <a:off x="642938" y="1438275"/>
-                  <a:ext cx="1074738" cy="825499"/>
-                </a:xfrm>
-                <a:prstGeom prst="rect">
-                  <a:avLst/>
-                </a:prstGeom>
+          </a:ln>
+        </p:spPr>
+        <p:style>
+          <a:lnRef idx="2">
+            <a:schemeClr val="accent1">
+              <a:shade val="15000"/>
+            </a:schemeClr>
+          </a:lnRef>
+          <a:fillRef idx="1">
+            <a:schemeClr val="accent1"/>
+          </a:fillRef>
+          <a:effectRef idx="0">
+            <a:schemeClr val="accent1"/>
+          </a:effectRef>
+          <a:fontRef idx="minor">
+            <a:schemeClr val="lt1"/>
+          </a:fontRef>
+        </p:style>
+        <p:txBody>
+          <a:bodyPr lIns="0" rIns="0" rtlCol="0" anchor="ctr"/>
+          <a:lstStyle/>
+          <a:p>
+            <a:pPr algn="ctr"/>
+            <a:r>
+              <a:rPr lang="en-US" sz="600" i="1" dirty="0">
                 <a:solidFill>
-                  <a:schemeClr val="bg1"/>
+                  <a:srgbClr val="718A9B"/>
                 </a:solidFill>
-                <a:ln>
-                  <a:noFill/>
-                </a:ln>
-              </p:spPr>
-              <p:style>
-                <a:lnRef idx="2">
-                  <a:schemeClr val="accent1">
-                    <a:shade val="15000"/>
-                  </a:schemeClr>
-                </a:lnRef>
-                <a:fillRef idx="1">
-                  <a:schemeClr val="accent1"/>
-                </a:fillRef>
-                <a:effectRef idx="0">
-                  <a:schemeClr val="accent1"/>
-                </a:effectRef>
-                <a:fontRef idx="minor">
-                  <a:schemeClr val="lt1"/>
-                </a:fontRef>
-              </p:style>
-              <p:txBody>
-                <a:bodyPr rtlCol="0" anchor="ctr"/>
-                <a:lstStyle/>
-                <a:p>
-                  <a:pPr algn="ctr"/>
-                  <a:r>
-                    <a:rPr lang="en-US" sz="900" b="1" i="1" dirty="0">
-                      <a:solidFill>
-                        <a:schemeClr val="tx1"/>
-                      </a:solidFill>
-                      <a:latin typeface="Arial" panose="020B0604020202020204" pitchFamily="34" charset="0"/>
-                      <a:cs typeface="Arial" panose="020B0604020202020204" pitchFamily="34" charset="0"/>
-                    </a:rPr>
-                    <a:t>Baseline onset</a:t>
-                  </a:r>
-                </a:p>
-              </p:txBody>
-            </p:sp>
-            <p:cxnSp>
-              <p:nvCxnSpPr>
-                <p:cNvPr id="81" name="Straight Connector 80">
-                  <a:extLst>
-                    <a:ext uri="{FF2B5EF4-FFF2-40B4-BE49-F238E27FC236}">
-                      <a16:creationId xmlns:a16="http://schemas.microsoft.com/office/drawing/2014/main" id="{843ACF6E-7305-40F1-596A-1B0D2B153F97}"/>
-                    </a:ext>
-                  </a:extLst>
-                </p:cNvPr>
-                <p:cNvCxnSpPr>
-                  <a:cxnSpLocks/>
-                </p:cNvCxnSpPr>
-                <p:nvPr/>
-              </p:nvCxnSpPr>
-              <p:spPr>
-                <a:xfrm>
-                  <a:off x="1183482" y="500063"/>
-                  <a:ext cx="0" cy="1281112"/>
-                </a:xfrm>
-                <a:prstGeom prst="line">
-                  <a:avLst/>
-                </a:prstGeom>
-                <a:ln w="6350">
-                  <a:solidFill>
-                    <a:schemeClr val="tx1"/>
-                  </a:solidFill>
-                </a:ln>
-              </p:spPr>
-              <p:style>
-                <a:lnRef idx="2">
-                  <a:schemeClr val="accent1"/>
-                </a:lnRef>
-                <a:fillRef idx="0">
-                  <a:schemeClr val="accent1"/>
-                </a:fillRef>
-                <a:effectRef idx="1">
-                  <a:schemeClr val="accent1"/>
-                </a:effectRef>
-                <a:fontRef idx="minor">
-                  <a:schemeClr val="tx1"/>
-                </a:fontRef>
-              </p:style>
-            </p:cxnSp>
-            <p:sp>
-              <p:nvSpPr>
-                <p:cNvPr id="82" name="Rectangle 81">
-                  <a:extLst>
-                    <a:ext uri="{FF2B5EF4-FFF2-40B4-BE49-F238E27FC236}">
-                      <a16:creationId xmlns:a16="http://schemas.microsoft.com/office/drawing/2014/main" id="{D6AACA2C-D4C9-BF68-1243-C4F5FE95E9E8}"/>
-                    </a:ext>
-                  </a:extLst>
-                </p:cNvPr>
-                <p:cNvSpPr/>
-                <p:nvPr/>
-              </p:nvSpPr>
-              <p:spPr>
-                <a:xfrm>
-                  <a:off x="972344" y="1495426"/>
-                  <a:ext cx="857250" cy="285749"/>
-                </a:xfrm>
-                <a:prstGeom prst="rect">
-                  <a:avLst/>
-                </a:prstGeom>
-                <a:noFill/>
-                <a:ln>
-                  <a:noFill/>
-                </a:ln>
-              </p:spPr>
-              <p:style>
-                <a:lnRef idx="2">
-                  <a:schemeClr val="accent1">
-                    <a:shade val="15000"/>
-                  </a:schemeClr>
-                </a:lnRef>
-                <a:fillRef idx="1">
-                  <a:schemeClr val="accent1"/>
-                </a:fillRef>
-                <a:effectRef idx="0">
-                  <a:schemeClr val="accent1"/>
-                </a:effectRef>
-                <a:fontRef idx="minor">
-                  <a:schemeClr val="lt1"/>
-                </a:fontRef>
-              </p:style>
-              <p:txBody>
-                <a:bodyPr rtlCol="0" anchor="ctr"/>
-                <a:lstStyle/>
-                <a:p>
-                  <a:pPr algn="ctr"/>
-                  <a:r>
-                    <a:rPr lang="en-US" sz="800" i="1" dirty="0">
-                      <a:solidFill>
-                        <a:schemeClr val="bg1">
-                          <a:lumMod val="50000"/>
-                        </a:schemeClr>
-                      </a:solidFill>
-                      <a:latin typeface="Arial" panose="020B0604020202020204" pitchFamily="34" charset="0"/>
-                      <a:cs typeface="Arial" panose="020B0604020202020204" pitchFamily="34" charset="0"/>
-                    </a:rPr>
-                    <a:t>after </a:t>
-                  </a:r>
-                </a:p>
-                <a:p>
-                  <a:pPr algn="ctr"/>
-                  <a:r>
-                    <a:rPr lang="en-US" sz="800" i="1" dirty="0">
-                      <a:solidFill>
-                        <a:schemeClr val="bg1">
-                          <a:lumMod val="50000"/>
-                        </a:schemeClr>
-                      </a:solidFill>
-                      <a:latin typeface="Arial" panose="020B0604020202020204" pitchFamily="34" charset="0"/>
-                      <a:cs typeface="Arial" panose="020B0604020202020204" pitchFamily="34" charset="0"/>
-                    </a:rPr>
-                    <a:t>sunrise</a:t>
-                  </a:r>
-                </a:p>
-              </p:txBody>
-            </p:sp>
-            <p:sp>
-              <p:nvSpPr>
-                <p:cNvPr id="83" name="Rectangle 82">
-                  <a:extLst>
-                    <a:ext uri="{FF2B5EF4-FFF2-40B4-BE49-F238E27FC236}">
-                      <a16:creationId xmlns:a16="http://schemas.microsoft.com/office/drawing/2014/main" id="{EA2EF6E1-1B81-0DD3-F308-C4DD645CD0AC}"/>
-                    </a:ext>
-                  </a:extLst>
-                </p:cNvPr>
-                <p:cNvSpPr/>
-                <p:nvPr/>
-              </p:nvSpPr>
-              <p:spPr>
-                <a:xfrm>
-                  <a:off x="642937" y="1497808"/>
-                  <a:ext cx="597391" cy="285749"/>
-                </a:xfrm>
-                <a:prstGeom prst="rect">
-                  <a:avLst/>
-                </a:prstGeom>
-                <a:noFill/>
-                <a:ln>
-                  <a:noFill/>
-                </a:ln>
-              </p:spPr>
-              <p:style>
-                <a:lnRef idx="2">
-                  <a:schemeClr val="accent1">
-                    <a:shade val="15000"/>
-                  </a:schemeClr>
-                </a:lnRef>
-                <a:fillRef idx="1">
-                  <a:schemeClr val="accent1"/>
-                </a:fillRef>
-                <a:effectRef idx="0">
-                  <a:schemeClr val="accent1"/>
-                </a:effectRef>
-                <a:fontRef idx="minor">
-                  <a:schemeClr val="lt1"/>
-                </a:fontRef>
-              </p:style>
-              <p:txBody>
-                <a:bodyPr rtlCol="0" anchor="ctr"/>
-                <a:lstStyle/>
-                <a:p>
-                  <a:pPr algn="ctr"/>
-                  <a:r>
-                    <a:rPr lang="en-US" sz="800" i="1" dirty="0">
-                      <a:solidFill>
-                        <a:schemeClr val="bg1">
-                          <a:lumMod val="50000"/>
-                        </a:schemeClr>
-                      </a:solidFill>
-                      <a:latin typeface="Arial" panose="020B0604020202020204" pitchFamily="34" charset="0"/>
-                      <a:cs typeface="Arial" panose="020B0604020202020204" pitchFamily="34" charset="0"/>
-                    </a:rPr>
-                    <a:t>before </a:t>
-                  </a:r>
-                </a:p>
-                <a:p>
-                  <a:pPr algn="ctr"/>
-                  <a:r>
-                    <a:rPr lang="en-US" sz="800" i="1" dirty="0">
-                      <a:solidFill>
-                        <a:schemeClr val="bg1">
-                          <a:lumMod val="50000"/>
-                        </a:schemeClr>
-                      </a:solidFill>
-                      <a:latin typeface="Arial" panose="020B0604020202020204" pitchFamily="34" charset="0"/>
-                      <a:cs typeface="Arial" panose="020B0604020202020204" pitchFamily="34" charset="0"/>
-                    </a:rPr>
-                    <a:t>sunrise</a:t>
-                  </a:r>
-                </a:p>
-              </p:txBody>
-            </p:sp>
-          </p:grpSp>
-          <p:sp>
-            <p:nvSpPr>
-              <p:cNvPr id="50" name="Rectangle 49">
-                <a:extLst>
-                  <a:ext uri="{FF2B5EF4-FFF2-40B4-BE49-F238E27FC236}">
-                    <a16:creationId xmlns:a16="http://schemas.microsoft.com/office/drawing/2014/main" id="{09AAD42A-D1A1-5E25-0577-91BBBACCF585}"/>
-                  </a:ext>
-                </a:extLst>
-              </p:cNvPr>
-              <p:cNvSpPr/>
-              <p:nvPr/>
-            </p:nvSpPr>
-            <p:spPr>
-              <a:xfrm rot="16200000">
-                <a:off x="-310850" y="660864"/>
-                <a:ext cx="1370967" cy="646138"/>
-              </a:xfrm>
-              <a:prstGeom prst="rect">
-                <a:avLst/>
-              </a:prstGeom>
-              <a:solidFill>
-                <a:schemeClr val="bg1"/>
-              </a:solidFill>
-              <a:ln>
-                <a:noFill/>
-              </a:ln>
-            </p:spPr>
-            <p:style>
-              <a:lnRef idx="2">
-                <a:schemeClr val="accent1">
-                  <a:shade val="15000"/>
-                </a:schemeClr>
-              </a:lnRef>
-              <a:fillRef idx="1">
-                <a:schemeClr val="accent1"/>
-              </a:fillRef>
-              <a:effectRef idx="0">
-                <a:schemeClr val="accent1"/>
-              </a:effectRef>
-              <a:fontRef idx="minor">
-                <a:schemeClr val="lt1"/>
-              </a:fontRef>
-            </p:style>
-            <p:txBody>
-              <a:bodyPr rtlCol="0" anchor="ctr"/>
-              <a:lstStyle/>
-              <a:p>
-                <a:pPr algn="ctr"/>
-                <a:r>
-                  <a:rPr lang="en-US" sz="900" b="1" i="1" dirty="0">
-                    <a:solidFill>
-                      <a:schemeClr val="tx1"/>
-                    </a:solidFill>
-                    <a:latin typeface="Arial" panose="020B0604020202020204" pitchFamily="34" charset="0"/>
-                    <a:cs typeface="Arial" panose="020B0604020202020204" pitchFamily="34" charset="0"/>
-                  </a:rPr>
-                  <a:t>Light pollution effect</a:t>
-                </a:r>
-              </a:p>
-              <a:p>
-                <a:pPr algn="ctr"/>
-                <a:endParaRPr lang="en-US" sz="500" b="1" i="1" dirty="0">
-                  <a:solidFill>
-                    <a:schemeClr val="tx1"/>
-                  </a:solidFill>
-                  <a:latin typeface="Arial" panose="020B0604020202020204" pitchFamily="34" charset="0"/>
-                  <a:cs typeface="Arial" panose="020B0604020202020204" pitchFamily="34" charset="0"/>
-                </a:endParaRPr>
-              </a:p>
-              <a:p>
-                <a:pPr algn="ctr"/>
-                <a:endParaRPr lang="en-US" sz="900" b="1" i="1" dirty="0">
-                  <a:solidFill>
-                    <a:schemeClr val="tx1"/>
-                  </a:solidFill>
-                  <a:latin typeface="Arial" panose="020B0604020202020204" pitchFamily="34" charset="0"/>
-                  <a:cs typeface="Arial" panose="020B0604020202020204" pitchFamily="34" charset="0"/>
-                </a:endParaRPr>
-              </a:p>
-            </p:txBody>
-          </p:sp>
-          <p:cxnSp>
-            <p:nvCxnSpPr>
-              <p:cNvPr id="52" name="Straight Connector 51">
-                <a:extLst>
-                  <a:ext uri="{FF2B5EF4-FFF2-40B4-BE49-F238E27FC236}">
-                    <a16:creationId xmlns:a16="http://schemas.microsoft.com/office/drawing/2014/main" id="{0A524109-64A2-2325-DAB9-FE4544E7083E}"/>
-                  </a:ext>
-                </a:extLst>
-              </p:cNvPr>
-              <p:cNvCxnSpPr>
-                <a:cxnSpLocks/>
-              </p:cNvCxnSpPr>
-              <p:nvPr/>
-            </p:nvCxnSpPr>
-            <p:spPr>
-              <a:xfrm flipH="1">
-                <a:off x="440532" y="960125"/>
-                <a:ext cx="1196974" cy="0"/>
-              </a:xfrm>
-              <a:prstGeom prst="line">
-                <a:avLst/>
-              </a:prstGeom>
-              <a:ln w="6350">
+                <a:latin typeface="Arial" panose="020B0604020202020204" pitchFamily="34" charset="0"/>
+                <a:cs typeface="Arial" panose="020B0604020202020204" pitchFamily="34" charset="0"/>
+              </a:rPr>
+              <a:t>Strongest effects 50% of spp.</a:t>
+            </a:r>
+          </a:p>
+        </p:txBody>
+      </p:sp>
+      <p:cxnSp>
+        <p:nvCxnSpPr>
+          <p:cNvPr id="36" name="Straight Arrow Connector 35">
+            <a:extLst>
+              <a:ext uri="{FF2B5EF4-FFF2-40B4-BE49-F238E27FC236}">
+                <a16:creationId xmlns:a16="http://schemas.microsoft.com/office/drawing/2014/main" id="{9C17DB7D-B17C-86BE-4BCF-434F95CE893C}"/>
+              </a:ext>
+            </a:extLst>
+          </p:cNvPr>
+          <p:cNvCxnSpPr>
+            <a:cxnSpLocks/>
+          </p:cNvCxnSpPr>
+          <p:nvPr/>
+        </p:nvCxnSpPr>
+        <p:spPr>
+          <a:xfrm flipH="1">
+            <a:off x="3759705" y="439338"/>
+            <a:ext cx="255812" cy="0"/>
+          </a:xfrm>
+          <a:prstGeom prst="straightConnector1">
+            <a:avLst/>
+          </a:prstGeom>
+          <a:ln w="6350">
+            <a:solidFill>
+              <a:srgbClr val="718A9B"/>
+            </a:solidFill>
+            <a:tailEnd type="triangle" w="sm" len="sm"/>
+          </a:ln>
+        </p:spPr>
+        <p:style>
+          <a:lnRef idx="2">
+            <a:schemeClr val="accent1"/>
+          </a:lnRef>
+          <a:fillRef idx="0">
+            <a:schemeClr val="accent1"/>
+          </a:fillRef>
+          <a:effectRef idx="1">
+            <a:schemeClr val="accent1"/>
+          </a:effectRef>
+          <a:fontRef idx="minor">
+            <a:schemeClr val="tx1"/>
+          </a:fontRef>
+        </p:style>
+      </p:cxnSp>
+      <p:sp>
+        <p:nvSpPr>
+          <p:cNvPr id="40" name="Rectangle 39">
+            <a:extLst>
+              <a:ext uri="{FF2B5EF4-FFF2-40B4-BE49-F238E27FC236}">
+                <a16:creationId xmlns:a16="http://schemas.microsoft.com/office/drawing/2014/main" id="{8D12889E-357F-1EB2-96A1-61345716CC44}"/>
+              </a:ext>
+            </a:extLst>
+          </p:cNvPr>
+          <p:cNvSpPr/>
+          <p:nvPr/>
+        </p:nvSpPr>
+        <p:spPr>
+          <a:xfrm>
+            <a:off x="3350333" y="1791776"/>
+            <a:ext cx="647117" cy="196878"/>
+          </a:xfrm>
+          <a:prstGeom prst="rect">
+            <a:avLst/>
+          </a:prstGeom>
+          <a:solidFill>
+            <a:schemeClr val="bg1"/>
+          </a:solidFill>
+          <a:ln>
+            <a:noFill/>
+          </a:ln>
+        </p:spPr>
+        <p:style>
+          <a:lnRef idx="2">
+            <a:schemeClr val="accent1">
+              <a:shade val="15000"/>
+            </a:schemeClr>
+          </a:lnRef>
+          <a:fillRef idx="1">
+            <a:schemeClr val="accent1"/>
+          </a:fillRef>
+          <a:effectRef idx="0">
+            <a:schemeClr val="accent1"/>
+          </a:effectRef>
+          <a:fontRef idx="minor">
+            <a:schemeClr val="lt1"/>
+          </a:fontRef>
+        </p:style>
+        <p:txBody>
+          <a:bodyPr lIns="0" rIns="0" rtlCol="0" anchor="ctr"/>
+          <a:lstStyle/>
+          <a:p>
+            <a:pPr algn="ctr"/>
+            <a:r>
+              <a:rPr lang="en-US" sz="600" i="1" dirty="0">
                 <a:solidFill>
-                  <a:schemeClr val="tx1"/>
+                  <a:srgbClr val="718A9B"/>
                 </a:solidFill>
-              </a:ln>
-            </p:spPr>
-            <p:style>
-              <a:lnRef idx="2">
-                <a:schemeClr val="accent1"/>
-              </a:lnRef>
-              <a:fillRef idx="0">
-                <a:schemeClr val="accent1"/>
-              </a:fillRef>
-              <a:effectRef idx="1">
-                <a:schemeClr val="accent1"/>
-              </a:effectRef>
-              <a:fontRef idx="minor">
-                <a:schemeClr val="tx1"/>
-              </a:fontRef>
-            </p:style>
-          </p:cxnSp>
-          <p:sp>
-            <p:nvSpPr>
-              <p:cNvPr id="53" name="Rectangle 52">
-                <a:extLst>
-                  <a:ext uri="{FF2B5EF4-FFF2-40B4-BE49-F238E27FC236}">
-                    <a16:creationId xmlns:a16="http://schemas.microsoft.com/office/drawing/2014/main" id="{1B8B7562-665E-5FF8-C0FE-85FAAE7F7B07}"/>
-                  </a:ext>
-                </a:extLst>
-              </p:cNvPr>
-              <p:cNvSpPr/>
-              <p:nvPr/>
-            </p:nvSpPr>
-            <p:spPr>
-              <a:xfrm rot="16200000">
-                <a:off x="138057" y="1121413"/>
-                <a:ext cx="631431" cy="274320"/>
-              </a:xfrm>
-              <a:prstGeom prst="rect">
-                <a:avLst/>
-              </a:prstGeom>
-              <a:noFill/>
-              <a:ln>
-                <a:noFill/>
-              </a:ln>
-            </p:spPr>
-            <p:style>
-              <a:lnRef idx="2">
-                <a:schemeClr val="accent1">
-                  <a:shade val="15000"/>
-                </a:schemeClr>
-              </a:lnRef>
-              <a:fillRef idx="1">
-                <a:schemeClr val="accent1"/>
-              </a:fillRef>
-              <a:effectRef idx="0">
-                <a:schemeClr val="accent1"/>
-              </a:effectRef>
-              <a:fontRef idx="minor">
-                <a:schemeClr val="lt1"/>
-              </a:fontRef>
-            </p:style>
-            <p:txBody>
-              <a:bodyPr rtlCol="0" anchor="ctr"/>
-              <a:lstStyle/>
-              <a:p>
-                <a:pPr algn="ctr"/>
-                <a:r>
-                  <a:rPr lang="en-US" sz="800" i="1" dirty="0">
-                    <a:solidFill>
-                      <a:schemeClr val="bg1">
-                        <a:lumMod val="50000"/>
-                      </a:schemeClr>
-                    </a:solidFill>
-                    <a:latin typeface="Arial" panose="020B0604020202020204" pitchFamily="34" charset="0"/>
-                    <a:cs typeface="Arial" panose="020B0604020202020204" pitchFamily="34" charset="0"/>
-                  </a:rPr>
-                  <a:t>advance</a:t>
-                </a:r>
-              </a:p>
-            </p:txBody>
-          </p:sp>
-          <p:sp>
-            <p:nvSpPr>
-              <p:cNvPr id="55" name="Rectangle 54">
-                <a:extLst>
-                  <a:ext uri="{FF2B5EF4-FFF2-40B4-BE49-F238E27FC236}">
-                    <a16:creationId xmlns:a16="http://schemas.microsoft.com/office/drawing/2014/main" id="{EB414946-9540-9E0E-9B47-BC41121B44B3}"/>
-                  </a:ext>
-                </a:extLst>
-              </p:cNvPr>
-              <p:cNvSpPr/>
-              <p:nvPr/>
-            </p:nvSpPr>
-            <p:spPr>
-              <a:xfrm rot="16200000">
-                <a:off x="182880" y="571881"/>
-                <a:ext cx="541784" cy="274320"/>
-              </a:xfrm>
-              <a:prstGeom prst="rect">
-                <a:avLst/>
-              </a:prstGeom>
-              <a:noFill/>
-              <a:ln>
-                <a:noFill/>
-              </a:ln>
-            </p:spPr>
-            <p:style>
-              <a:lnRef idx="2">
-                <a:schemeClr val="accent1">
-                  <a:shade val="15000"/>
-                </a:schemeClr>
-              </a:lnRef>
-              <a:fillRef idx="1">
-                <a:schemeClr val="accent1"/>
-              </a:fillRef>
-              <a:effectRef idx="0">
-                <a:schemeClr val="accent1"/>
-              </a:effectRef>
-              <a:fontRef idx="minor">
-                <a:schemeClr val="lt1"/>
-              </a:fontRef>
-            </p:style>
-            <p:txBody>
-              <a:bodyPr rtlCol="0" anchor="ctr"/>
-              <a:lstStyle/>
-              <a:p>
-                <a:pPr algn="ctr"/>
-                <a:r>
-                  <a:rPr lang="en-US" sz="800" i="1" dirty="0">
-                    <a:solidFill>
-                      <a:schemeClr val="bg1">
-                        <a:lumMod val="50000"/>
-                      </a:schemeClr>
-                    </a:solidFill>
-                    <a:latin typeface="Arial" panose="020B0604020202020204" pitchFamily="34" charset="0"/>
-                    <a:cs typeface="Arial" panose="020B0604020202020204" pitchFamily="34" charset="0"/>
-                  </a:rPr>
-                  <a:t>delay</a:t>
-                </a:r>
-              </a:p>
-            </p:txBody>
-          </p:sp>
-        </p:grpSp>
-        <p:cxnSp>
-          <p:nvCxnSpPr>
-            <p:cNvPr id="32" name="Straight Arrow Connector 31">
-              <a:extLst>
-                <a:ext uri="{FF2B5EF4-FFF2-40B4-BE49-F238E27FC236}">
-                  <a16:creationId xmlns:a16="http://schemas.microsoft.com/office/drawing/2014/main" id="{76478CF5-D66A-864E-0545-754861328290}"/>
-                </a:ext>
-              </a:extLst>
-            </p:cNvPr>
-            <p:cNvCxnSpPr>
-              <a:cxnSpLocks/>
-            </p:cNvCxnSpPr>
-            <p:nvPr/>
-          </p:nvCxnSpPr>
-          <p:spPr>
-            <a:xfrm>
-              <a:off x="5477256" y="1298448"/>
-              <a:ext cx="981959" cy="0"/>
-            </a:xfrm>
-            <a:prstGeom prst="straightConnector1">
-              <a:avLst/>
-            </a:prstGeom>
-            <a:ln w="25400">
-              <a:gradFill flip="none" rotWithShape="1">
-                <a:gsLst>
-                  <a:gs pos="0">
-                    <a:srgbClr val="5D6174"/>
-                  </a:gs>
-                  <a:gs pos="100000">
-                    <a:srgbClr val="F7C267"/>
-                  </a:gs>
-                </a:gsLst>
-                <a:lin ang="0" scaled="1"/>
-                <a:tileRect/>
-              </a:gradFill>
-              <a:tailEnd type="none"/>
-            </a:ln>
-          </p:spPr>
-          <p:style>
-            <a:lnRef idx="2">
-              <a:schemeClr val="accent1"/>
-            </a:lnRef>
-            <a:fillRef idx="0">
-              <a:schemeClr val="accent1"/>
-            </a:fillRef>
-            <a:effectRef idx="1">
-              <a:schemeClr val="accent1"/>
-            </a:effectRef>
-            <a:fontRef idx="minor">
-              <a:schemeClr val="tx1"/>
-            </a:fontRef>
-          </p:style>
-        </p:cxnSp>
-        <p:cxnSp>
-          <p:nvCxnSpPr>
-            <p:cNvPr id="33" name="Straight Arrow Connector 32">
-              <a:extLst>
-                <a:ext uri="{FF2B5EF4-FFF2-40B4-BE49-F238E27FC236}">
-                  <a16:creationId xmlns:a16="http://schemas.microsoft.com/office/drawing/2014/main" id="{98AF517D-BDB0-D667-6E8B-44196B779148}"/>
-                </a:ext>
-              </a:extLst>
-            </p:cNvPr>
-            <p:cNvCxnSpPr>
-              <a:cxnSpLocks/>
-            </p:cNvCxnSpPr>
-            <p:nvPr/>
-          </p:nvCxnSpPr>
-          <p:spPr>
-            <a:xfrm>
-              <a:off x="4215384" y="2842076"/>
-              <a:ext cx="981959" cy="0"/>
-            </a:xfrm>
-            <a:prstGeom prst="straightConnector1">
-              <a:avLst/>
-            </a:prstGeom>
-            <a:ln w="25400">
-              <a:gradFill flip="none" rotWithShape="1">
-                <a:gsLst>
-                  <a:gs pos="0">
-                    <a:srgbClr val="5D6174"/>
-                  </a:gs>
-                  <a:gs pos="100000">
-                    <a:srgbClr val="F7C267"/>
-                  </a:gs>
-                </a:gsLst>
-                <a:lin ang="0" scaled="1"/>
-                <a:tileRect/>
-              </a:gradFill>
-              <a:tailEnd type="none"/>
-            </a:ln>
-          </p:spPr>
-          <p:style>
-            <a:lnRef idx="2">
-              <a:schemeClr val="accent1"/>
-            </a:lnRef>
-            <a:fillRef idx="0">
-              <a:schemeClr val="accent1"/>
-            </a:fillRef>
-            <a:effectRef idx="1">
-              <a:schemeClr val="accent1"/>
-            </a:effectRef>
-            <a:fontRef idx="minor">
-              <a:schemeClr val="tx1"/>
-            </a:fontRef>
-          </p:style>
-        </p:cxnSp>
-        <p:cxnSp>
-          <p:nvCxnSpPr>
-            <p:cNvPr id="34" name="Straight Arrow Connector 33">
-              <a:extLst>
-                <a:ext uri="{FF2B5EF4-FFF2-40B4-BE49-F238E27FC236}">
-                  <a16:creationId xmlns:a16="http://schemas.microsoft.com/office/drawing/2014/main" id="{67FC8DFA-9CAD-C6C3-F9B7-A30ABF8F7ADB}"/>
-                </a:ext>
-              </a:extLst>
-            </p:cNvPr>
-            <p:cNvCxnSpPr>
-              <a:cxnSpLocks/>
-            </p:cNvCxnSpPr>
-            <p:nvPr/>
-          </p:nvCxnSpPr>
-          <p:spPr>
-            <a:xfrm>
-              <a:off x="5477256" y="2842076"/>
-              <a:ext cx="981959" cy="0"/>
-            </a:xfrm>
-            <a:prstGeom prst="straightConnector1">
-              <a:avLst/>
-            </a:prstGeom>
-            <a:ln w="25400">
-              <a:gradFill flip="none" rotWithShape="1">
-                <a:gsLst>
-                  <a:gs pos="0">
-                    <a:srgbClr val="5D6174"/>
-                  </a:gs>
-                  <a:gs pos="100000">
-                    <a:srgbClr val="F7C267"/>
-                  </a:gs>
-                </a:gsLst>
-                <a:lin ang="0" scaled="1"/>
-                <a:tileRect/>
-              </a:gradFill>
-              <a:tailEnd type="none"/>
-            </a:ln>
-          </p:spPr>
-          <p:style>
-            <a:lnRef idx="2">
-              <a:schemeClr val="accent1"/>
-            </a:lnRef>
-            <a:fillRef idx="0">
-              <a:schemeClr val="accent1"/>
-            </a:fillRef>
-            <a:effectRef idx="1">
-              <a:schemeClr val="accent1"/>
-            </a:effectRef>
-            <a:fontRef idx="minor">
-              <a:schemeClr val="tx1"/>
-            </a:fontRef>
-          </p:style>
-        </p:cxnSp>
-        <p:cxnSp>
-          <p:nvCxnSpPr>
-            <p:cNvPr id="36" name="Straight Arrow Connector 35">
-              <a:extLst>
-                <a:ext uri="{FF2B5EF4-FFF2-40B4-BE49-F238E27FC236}">
-                  <a16:creationId xmlns:a16="http://schemas.microsoft.com/office/drawing/2014/main" id="{AC65409D-2EEC-F363-E75B-3AAB3BE7C2C3}"/>
-                </a:ext>
-              </a:extLst>
-            </p:cNvPr>
-            <p:cNvCxnSpPr>
-              <a:cxnSpLocks/>
-            </p:cNvCxnSpPr>
-            <p:nvPr/>
-          </p:nvCxnSpPr>
-          <p:spPr>
-            <a:xfrm>
-              <a:off x="4215384" y="4316228"/>
-              <a:ext cx="981959" cy="0"/>
-            </a:xfrm>
-            <a:prstGeom prst="straightConnector1">
-              <a:avLst/>
-            </a:prstGeom>
-            <a:ln w="25400">
-              <a:gradFill flip="none" rotWithShape="1">
-                <a:gsLst>
-                  <a:gs pos="0">
-                    <a:srgbClr val="5D6174"/>
-                  </a:gs>
-                  <a:gs pos="100000">
-                    <a:srgbClr val="F7C267"/>
-                  </a:gs>
-                </a:gsLst>
-                <a:lin ang="0" scaled="1"/>
-                <a:tileRect/>
-              </a:gradFill>
-              <a:tailEnd type="none"/>
-            </a:ln>
-          </p:spPr>
-          <p:style>
-            <a:lnRef idx="2">
-              <a:schemeClr val="accent1"/>
-            </a:lnRef>
-            <a:fillRef idx="0">
-              <a:schemeClr val="accent1"/>
-            </a:fillRef>
-            <a:effectRef idx="1">
-              <a:schemeClr val="accent1"/>
-            </a:effectRef>
-            <a:fontRef idx="minor">
-              <a:schemeClr val="tx1"/>
-            </a:fontRef>
-          </p:style>
-        </p:cxnSp>
-        <p:cxnSp>
-          <p:nvCxnSpPr>
-            <p:cNvPr id="38" name="Straight Arrow Connector 37">
-              <a:extLst>
-                <a:ext uri="{FF2B5EF4-FFF2-40B4-BE49-F238E27FC236}">
-                  <a16:creationId xmlns:a16="http://schemas.microsoft.com/office/drawing/2014/main" id="{112CDBEF-B5CC-55C8-1B7C-260DAB8C7DBF}"/>
-                </a:ext>
-              </a:extLst>
-            </p:cNvPr>
-            <p:cNvCxnSpPr>
-              <a:cxnSpLocks/>
-            </p:cNvCxnSpPr>
-            <p:nvPr/>
-          </p:nvCxnSpPr>
-          <p:spPr>
-            <a:xfrm>
-              <a:off x="5477256" y="4316228"/>
-              <a:ext cx="981959" cy="0"/>
-            </a:xfrm>
-            <a:prstGeom prst="straightConnector1">
-              <a:avLst/>
-            </a:prstGeom>
-            <a:ln w="25400">
-              <a:gradFill flip="none" rotWithShape="1">
-                <a:gsLst>
-                  <a:gs pos="0">
-                    <a:srgbClr val="5D6174"/>
-                  </a:gs>
-                  <a:gs pos="100000">
-                    <a:srgbClr val="F7C267"/>
-                  </a:gs>
-                </a:gsLst>
-                <a:lin ang="0" scaled="1"/>
-                <a:tileRect/>
-              </a:gradFill>
-              <a:tailEnd type="none"/>
-            </a:ln>
-          </p:spPr>
-          <p:style>
-            <a:lnRef idx="2">
-              <a:schemeClr val="accent1"/>
-            </a:lnRef>
-            <a:fillRef idx="0">
-              <a:schemeClr val="accent1"/>
-            </a:fillRef>
-            <a:effectRef idx="1">
-              <a:schemeClr val="accent1"/>
-            </a:effectRef>
-            <a:fontRef idx="minor">
-              <a:schemeClr val="tx1"/>
-            </a:fontRef>
-          </p:style>
-        </p:cxnSp>
-        <p:cxnSp>
-          <p:nvCxnSpPr>
-            <p:cNvPr id="44" name="Straight Arrow Connector 43">
-              <a:extLst>
-                <a:ext uri="{FF2B5EF4-FFF2-40B4-BE49-F238E27FC236}">
-                  <a16:creationId xmlns:a16="http://schemas.microsoft.com/office/drawing/2014/main" id="{DBEB8CF1-4E26-18EC-3479-E0F67F5493C5}"/>
-                </a:ext>
-              </a:extLst>
-            </p:cNvPr>
-            <p:cNvCxnSpPr>
-              <a:cxnSpLocks/>
-            </p:cNvCxnSpPr>
-            <p:nvPr/>
-          </p:nvCxnSpPr>
-          <p:spPr>
-            <a:xfrm>
-              <a:off x="4215384" y="5795295"/>
-              <a:ext cx="981959" cy="0"/>
-            </a:xfrm>
-            <a:prstGeom prst="straightConnector1">
-              <a:avLst/>
-            </a:prstGeom>
-            <a:ln w="25400">
-              <a:gradFill flip="none" rotWithShape="1">
-                <a:gsLst>
-                  <a:gs pos="0">
-                    <a:srgbClr val="5D6174"/>
-                  </a:gs>
-                  <a:gs pos="100000">
-                    <a:srgbClr val="F7C267"/>
-                  </a:gs>
-                </a:gsLst>
-                <a:lin ang="0" scaled="1"/>
-                <a:tileRect/>
-              </a:gradFill>
-              <a:tailEnd type="none"/>
-            </a:ln>
-          </p:spPr>
-          <p:style>
-            <a:lnRef idx="2">
-              <a:schemeClr val="accent1"/>
-            </a:lnRef>
-            <a:fillRef idx="0">
-              <a:schemeClr val="accent1"/>
-            </a:fillRef>
-            <a:effectRef idx="1">
-              <a:schemeClr val="accent1"/>
-            </a:effectRef>
-            <a:fontRef idx="minor">
-              <a:schemeClr val="tx1"/>
-            </a:fontRef>
-          </p:style>
-        </p:cxnSp>
-        <p:cxnSp>
-          <p:nvCxnSpPr>
-            <p:cNvPr id="46" name="Straight Arrow Connector 45">
-              <a:extLst>
-                <a:ext uri="{FF2B5EF4-FFF2-40B4-BE49-F238E27FC236}">
-                  <a16:creationId xmlns:a16="http://schemas.microsoft.com/office/drawing/2014/main" id="{292FBF20-147C-0442-D244-5CE463341BAD}"/>
-                </a:ext>
-              </a:extLst>
-            </p:cNvPr>
-            <p:cNvCxnSpPr>
-              <a:cxnSpLocks/>
-            </p:cNvCxnSpPr>
-            <p:nvPr/>
-          </p:nvCxnSpPr>
-          <p:spPr>
-            <a:xfrm>
-              <a:off x="5477256" y="5795295"/>
-              <a:ext cx="981959" cy="0"/>
-            </a:xfrm>
-            <a:prstGeom prst="straightConnector1">
-              <a:avLst/>
-            </a:prstGeom>
-            <a:ln w="25400">
-              <a:gradFill flip="none" rotWithShape="1">
-                <a:gsLst>
-                  <a:gs pos="0">
-                    <a:srgbClr val="5D6174"/>
-                  </a:gs>
-                  <a:gs pos="100000">
-                    <a:srgbClr val="F7C267"/>
-                  </a:gs>
-                </a:gsLst>
-                <a:lin ang="0" scaled="1"/>
-                <a:tileRect/>
-              </a:gradFill>
-              <a:tailEnd type="none"/>
-            </a:ln>
-          </p:spPr>
-          <p:style>
-            <a:lnRef idx="2">
-              <a:schemeClr val="accent1"/>
-            </a:lnRef>
-            <a:fillRef idx="0">
-              <a:schemeClr val="accent1"/>
-            </a:fillRef>
-            <a:effectRef idx="1">
-              <a:schemeClr val="accent1"/>
-            </a:effectRef>
-            <a:fontRef idx="minor">
-              <a:schemeClr val="tx1"/>
-            </a:fontRef>
-          </p:style>
-        </p:cxnSp>
-      </p:grpSp>
+                <a:latin typeface="Arial" panose="020B0604020202020204" pitchFamily="34" charset="0"/>
+                <a:cs typeface="Arial" panose="020B0604020202020204" pitchFamily="34" charset="0"/>
+              </a:rPr>
+              <a:t>Strongest effects 50% of spp.</a:t>
+            </a:r>
+          </a:p>
+        </p:txBody>
+      </p:sp>
     </p:spTree>
     <p:extLst>
       <p:ext uri="{BB962C8B-B14F-4D97-AF65-F5344CB8AC3E}">
-        <p14:creationId xmlns:p14="http://schemas.microsoft.com/office/powerpoint/2010/main" val="2274438376"/>
+        <p14:creationId xmlns:p14="http://schemas.microsoft.com/office/powerpoint/2010/main" val="4220640352"/>
       </p:ext>
     </p:extLst>
   </p:cSld>
